--- a/diagrams/uml/classLevelMembers/student.pptx
+++ b/diagrams/uml/classLevelMembers/student.pptx
@@ -1,23 +1,20 @@
 
 <file path=ppt/presentation.xml><?xml version="1.0" encoding="utf-8"?>
-<p:presentation xmlns:a="http://schemas.openxmlformats.org/drawingml/2006/main" xmlns:r="http://schemas.openxmlformats.org/officeDocument/2006/relationships" xmlns:p="http://schemas.openxmlformats.org/presentationml/2006/main" firstSlideNum="115" showSpecialPlsOnTitleSld="0">
+<p:presentation xmlns:a="http://schemas.openxmlformats.org/drawingml/2006/main" xmlns:r="http://schemas.openxmlformats.org/officeDocument/2006/relationships" xmlns:p="http://schemas.openxmlformats.org/presentationml/2006/main" saveSubsetFonts="1">
   <p:sldMasterIdLst>
     <p:sldMasterId id="2147483648" r:id="rId1"/>
   </p:sldMasterIdLst>
-  <p:notesMasterIdLst>
-    <p:notesMasterId r:id="rId3"/>
-  </p:notesMasterIdLst>
   <p:sldIdLst>
-    <p:sldId id="1162" r:id="rId2"/>
+    <p:sldId id="256" r:id="rId2"/>
   </p:sldIdLst>
   <p:sldSz cx="9144000" cy="6858000" type="screen4x3"/>
-  <p:notesSz cx="7315200" cy="9601200"/>
+  <p:notesSz cx="6858000" cy="9144000"/>
   <p:defaultTextStyle>
     <a:defPPr>
       <a:defRPr lang="en-US"/>
     </a:defPPr>
-    <a:lvl1pPr marL="0" algn="l" defTabSz="872733" rtl="0" eaLnBrk="1" latinLnBrk="0" hangingPunct="1">
-      <a:defRPr sz="1700" kern="1200">
+    <a:lvl1pPr marL="0" algn="l" defTabSz="914400" rtl="0" eaLnBrk="1" latinLnBrk="0" hangingPunct="1">
+      <a:defRPr sz="1800" kern="1200">
         <a:solidFill>
           <a:schemeClr val="tx1"/>
         </a:solidFill>
@@ -26,8 +23,8 @@
         <a:cs typeface="+mn-cs"/>
       </a:defRPr>
     </a:lvl1pPr>
-    <a:lvl2pPr marL="436366" algn="l" defTabSz="872733" rtl="0" eaLnBrk="1" latinLnBrk="0" hangingPunct="1">
-      <a:defRPr sz="1700" kern="1200">
+    <a:lvl2pPr marL="457200" algn="l" defTabSz="914400" rtl="0" eaLnBrk="1" latinLnBrk="0" hangingPunct="1">
+      <a:defRPr sz="1800" kern="1200">
         <a:solidFill>
           <a:schemeClr val="tx1"/>
         </a:solidFill>
@@ -36,8 +33,8 @@
         <a:cs typeface="+mn-cs"/>
       </a:defRPr>
     </a:lvl2pPr>
-    <a:lvl3pPr marL="872733" algn="l" defTabSz="872733" rtl="0" eaLnBrk="1" latinLnBrk="0" hangingPunct="1">
-      <a:defRPr sz="1700" kern="1200">
+    <a:lvl3pPr marL="914400" algn="l" defTabSz="914400" rtl="0" eaLnBrk="1" latinLnBrk="0" hangingPunct="1">
+      <a:defRPr sz="1800" kern="1200">
         <a:solidFill>
           <a:schemeClr val="tx1"/>
         </a:solidFill>
@@ -46,8 +43,8 @@
         <a:cs typeface="+mn-cs"/>
       </a:defRPr>
     </a:lvl3pPr>
-    <a:lvl4pPr marL="1309099" algn="l" defTabSz="872733" rtl="0" eaLnBrk="1" latinLnBrk="0" hangingPunct="1">
-      <a:defRPr sz="1700" kern="1200">
+    <a:lvl4pPr marL="1371600" algn="l" defTabSz="914400" rtl="0" eaLnBrk="1" latinLnBrk="0" hangingPunct="1">
+      <a:defRPr sz="1800" kern="1200">
         <a:solidFill>
           <a:schemeClr val="tx1"/>
         </a:solidFill>
@@ -56,8 +53,8 @@
         <a:cs typeface="+mn-cs"/>
       </a:defRPr>
     </a:lvl4pPr>
-    <a:lvl5pPr marL="1745465" algn="l" defTabSz="872733" rtl="0" eaLnBrk="1" latinLnBrk="0" hangingPunct="1">
-      <a:defRPr sz="1700" kern="1200">
+    <a:lvl5pPr marL="1828800" algn="l" defTabSz="914400" rtl="0" eaLnBrk="1" latinLnBrk="0" hangingPunct="1">
+      <a:defRPr sz="1800" kern="1200">
         <a:solidFill>
           <a:schemeClr val="tx1"/>
         </a:solidFill>
@@ -66,8 +63,8 @@
         <a:cs typeface="+mn-cs"/>
       </a:defRPr>
     </a:lvl5pPr>
-    <a:lvl6pPr marL="2181832" algn="l" defTabSz="872733" rtl="0" eaLnBrk="1" latinLnBrk="0" hangingPunct="1">
-      <a:defRPr sz="1700" kern="1200">
+    <a:lvl6pPr marL="2286000" algn="l" defTabSz="914400" rtl="0" eaLnBrk="1" latinLnBrk="0" hangingPunct="1">
+      <a:defRPr sz="1800" kern="1200">
         <a:solidFill>
           <a:schemeClr val="tx1"/>
         </a:solidFill>
@@ -76,8 +73,8 @@
         <a:cs typeface="+mn-cs"/>
       </a:defRPr>
     </a:lvl6pPr>
-    <a:lvl7pPr marL="2618199" algn="l" defTabSz="872733" rtl="0" eaLnBrk="1" latinLnBrk="0" hangingPunct="1">
-      <a:defRPr sz="1700" kern="1200">
+    <a:lvl7pPr marL="2743200" algn="l" defTabSz="914400" rtl="0" eaLnBrk="1" latinLnBrk="0" hangingPunct="1">
+      <a:defRPr sz="1800" kern="1200">
         <a:solidFill>
           <a:schemeClr val="tx1"/>
         </a:solidFill>
@@ -86,8 +83,8 @@
         <a:cs typeface="+mn-cs"/>
       </a:defRPr>
     </a:lvl7pPr>
-    <a:lvl8pPr marL="3054566" algn="l" defTabSz="872733" rtl="0" eaLnBrk="1" latinLnBrk="0" hangingPunct="1">
-      <a:defRPr sz="1700" kern="1200">
+    <a:lvl8pPr marL="3200400" algn="l" defTabSz="914400" rtl="0" eaLnBrk="1" latinLnBrk="0" hangingPunct="1">
+      <a:defRPr sz="1800" kern="1200">
         <a:solidFill>
           <a:schemeClr val="tx1"/>
         </a:solidFill>
@@ -96,8 +93,8 @@
         <a:cs typeface="+mn-cs"/>
       </a:defRPr>
     </a:lvl8pPr>
-    <a:lvl9pPr marL="3490932" algn="l" defTabSz="872733" rtl="0" eaLnBrk="1" latinLnBrk="0" hangingPunct="1">
-      <a:defRPr sz="1700" kern="1200">
+    <a:lvl9pPr marL="3657600" algn="l" defTabSz="914400" rtl="0" eaLnBrk="1" latinLnBrk="0" hangingPunct="1">
+      <a:defRPr sz="1800" kern="1200">
         <a:solidFill>
           <a:schemeClr val="tx1"/>
         </a:solidFill>
@@ -108,442 +105,6 @@
     </a:lvl9pPr>
   </p:defaultTextStyle>
 </p:presentation>
-</file>
-
-<file path=ppt/notesMasters/notesMaster1.xml><?xml version="1.0" encoding="utf-8"?>
-<p:notesMaster xmlns:a="http://schemas.openxmlformats.org/drawingml/2006/main" xmlns:r="http://schemas.openxmlformats.org/officeDocument/2006/relationships" xmlns:p="http://schemas.openxmlformats.org/presentationml/2006/main">
-  <p:cSld>
-    <p:bg>
-      <p:bgRef idx="1001">
-        <a:schemeClr val="bg1"/>
-      </p:bgRef>
-    </p:bg>
-    <p:spTree>
-      <p:nvGrpSpPr>
-        <p:cNvPr id="1" name=""/>
-        <p:cNvGrpSpPr/>
-        <p:nvPr/>
-      </p:nvGrpSpPr>
-      <p:grpSpPr>
-        <a:xfrm>
-          <a:off x="0" y="0"/>
-          <a:ext cx="0" cy="0"/>
-          <a:chOff x="0" y="0"/>
-          <a:chExt cx="0" cy="0"/>
-        </a:xfrm>
-      </p:grpSpPr>
-      <p:sp>
-        <p:nvSpPr>
-          <p:cNvPr id="2" name="Header Placeholder 1"/>
-          <p:cNvSpPr>
-            <a:spLocks noGrp="1"/>
-          </p:cNvSpPr>
-          <p:nvPr>
-            <p:ph type="hdr" sz="quarter"/>
-          </p:nvPr>
-        </p:nvSpPr>
-        <p:spPr>
-          <a:xfrm>
-            <a:off x="0" y="0"/>
-            <a:ext cx="3170238" cy="479425"/>
-          </a:xfrm>
-          <a:prstGeom prst="rect">
-            <a:avLst/>
-          </a:prstGeom>
-        </p:spPr>
-        <p:txBody>
-          <a:bodyPr vert="horz" lIns="91440" tIns="45720" rIns="91440" bIns="45720" rtlCol="0"/>
-          <a:lstStyle>
-            <a:lvl1pPr algn="l">
-              <a:defRPr sz="1200"/>
-            </a:lvl1pPr>
-          </a:lstStyle>
-          <a:p>
-            <a:endParaRPr lang="en-SG"/>
-          </a:p>
-        </p:txBody>
-      </p:sp>
-      <p:sp>
-        <p:nvSpPr>
-          <p:cNvPr id="3" name="Date Placeholder 2"/>
-          <p:cNvSpPr>
-            <a:spLocks noGrp="1"/>
-          </p:cNvSpPr>
-          <p:nvPr>
-            <p:ph type="dt" idx="1"/>
-          </p:nvPr>
-        </p:nvSpPr>
-        <p:spPr>
-          <a:xfrm>
-            <a:off x="4143375" y="0"/>
-            <a:ext cx="3170238" cy="479425"/>
-          </a:xfrm>
-          <a:prstGeom prst="rect">
-            <a:avLst/>
-          </a:prstGeom>
-        </p:spPr>
-        <p:txBody>
-          <a:bodyPr vert="horz" lIns="91440" tIns="45720" rIns="91440" bIns="45720" rtlCol="0"/>
-          <a:lstStyle>
-            <a:lvl1pPr algn="r">
-              <a:defRPr sz="1200"/>
-            </a:lvl1pPr>
-          </a:lstStyle>
-          <a:p>
-            <a:fld id="{1B29845A-3DC5-4B34-B631-FB1B05DA96CD}" type="datetimeFigureOut">
-              <a:rPr lang="en-SG" smtClean="0"/>
-              <a:pPr/>
-              <a:t>23/5/2017</a:t>
-            </a:fld>
-            <a:endParaRPr lang="en-SG"/>
-          </a:p>
-        </p:txBody>
-      </p:sp>
-      <p:sp>
-        <p:nvSpPr>
-          <p:cNvPr id="4" name="Slide Image Placeholder 3"/>
-          <p:cNvSpPr>
-            <a:spLocks noGrp="1" noRot="1" noChangeAspect="1"/>
-          </p:cNvSpPr>
-          <p:nvPr>
-            <p:ph type="sldImg" idx="2"/>
-          </p:nvPr>
-        </p:nvSpPr>
-        <p:spPr>
-          <a:xfrm>
-            <a:off x="1257300" y="720725"/>
-            <a:ext cx="4800600" cy="3600450"/>
-          </a:xfrm>
-          <a:prstGeom prst="rect">
-            <a:avLst/>
-          </a:prstGeom>
-          <a:noFill/>
-          <a:ln w="12700">
-            <a:solidFill>
-              <a:prstClr val="black"/>
-            </a:solidFill>
-          </a:ln>
-        </p:spPr>
-        <p:txBody>
-          <a:bodyPr vert="horz" lIns="91440" tIns="45720" rIns="91440" bIns="45720" rtlCol="0" anchor="ctr"/>
-          <a:lstStyle/>
-          <a:p>
-            <a:endParaRPr lang="en-SG"/>
-          </a:p>
-        </p:txBody>
-      </p:sp>
-      <p:sp>
-        <p:nvSpPr>
-          <p:cNvPr id="5" name="Notes Placeholder 4"/>
-          <p:cNvSpPr>
-            <a:spLocks noGrp="1"/>
-          </p:cNvSpPr>
-          <p:nvPr>
-            <p:ph type="body" sz="quarter" idx="3"/>
-          </p:nvPr>
-        </p:nvSpPr>
-        <p:spPr>
-          <a:xfrm>
-            <a:off x="731838" y="4560888"/>
-            <a:ext cx="5851525" cy="4319587"/>
-          </a:xfrm>
-          <a:prstGeom prst="rect">
-            <a:avLst/>
-          </a:prstGeom>
-        </p:spPr>
-        <p:txBody>
-          <a:bodyPr vert="horz" lIns="91440" tIns="45720" rIns="91440" bIns="45720" rtlCol="0">
-            <a:normAutofit/>
-          </a:bodyPr>
-          <a:lstStyle/>
-          <a:p>
-            <a:pPr lvl="0"/>
-            <a:r>
-              <a:rPr lang="en-US" smtClean="0"/>
-              <a:t>Click to edit Master text styles</a:t>
-            </a:r>
-          </a:p>
-          <a:p>
-            <a:pPr lvl="1"/>
-            <a:r>
-              <a:rPr lang="en-US" smtClean="0"/>
-              <a:t>Second level</a:t>
-            </a:r>
-          </a:p>
-          <a:p>
-            <a:pPr lvl="2"/>
-            <a:r>
-              <a:rPr lang="en-US" smtClean="0"/>
-              <a:t>Third level</a:t>
-            </a:r>
-          </a:p>
-          <a:p>
-            <a:pPr lvl="3"/>
-            <a:r>
-              <a:rPr lang="en-US" smtClean="0"/>
-              <a:t>Fourth level</a:t>
-            </a:r>
-          </a:p>
-          <a:p>
-            <a:pPr lvl="4"/>
-            <a:r>
-              <a:rPr lang="en-US" smtClean="0"/>
-              <a:t>Fifth level</a:t>
-            </a:r>
-            <a:endParaRPr lang="en-SG"/>
-          </a:p>
-        </p:txBody>
-      </p:sp>
-      <p:sp>
-        <p:nvSpPr>
-          <p:cNvPr id="6" name="Footer Placeholder 5"/>
-          <p:cNvSpPr>
-            <a:spLocks noGrp="1"/>
-          </p:cNvSpPr>
-          <p:nvPr>
-            <p:ph type="ftr" sz="quarter" idx="4"/>
-          </p:nvPr>
-        </p:nvSpPr>
-        <p:spPr>
-          <a:xfrm>
-            <a:off x="0" y="9120188"/>
-            <a:ext cx="3170238" cy="479425"/>
-          </a:xfrm>
-          <a:prstGeom prst="rect">
-            <a:avLst/>
-          </a:prstGeom>
-        </p:spPr>
-        <p:txBody>
-          <a:bodyPr vert="horz" lIns="91440" tIns="45720" rIns="91440" bIns="45720" rtlCol="0" anchor="b"/>
-          <a:lstStyle>
-            <a:lvl1pPr algn="l">
-              <a:defRPr sz="1200"/>
-            </a:lvl1pPr>
-          </a:lstStyle>
-          <a:p>
-            <a:endParaRPr lang="en-SG"/>
-          </a:p>
-        </p:txBody>
-      </p:sp>
-      <p:sp>
-        <p:nvSpPr>
-          <p:cNvPr id="7" name="Slide Number Placeholder 6"/>
-          <p:cNvSpPr>
-            <a:spLocks noGrp="1"/>
-          </p:cNvSpPr>
-          <p:nvPr>
-            <p:ph type="sldNum" sz="quarter" idx="5"/>
-          </p:nvPr>
-        </p:nvSpPr>
-        <p:spPr>
-          <a:xfrm>
-            <a:off x="4143375" y="9120188"/>
-            <a:ext cx="3170238" cy="479425"/>
-          </a:xfrm>
-          <a:prstGeom prst="rect">
-            <a:avLst/>
-          </a:prstGeom>
-        </p:spPr>
-        <p:txBody>
-          <a:bodyPr vert="horz" lIns="91440" tIns="45720" rIns="91440" bIns="45720" rtlCol="0" anchor="b"/>
-          <a:lstStyle>
-            <a:lvl1pPr algn="r">
-              <a:defRPr sz="1200"/>
-            </a:lvl1pPr>
-          </a:lstStyle>
-          <a:p>
-            <a:fld id="{C5C1045A-D387-4C24-9319-5C4971BFD275}" type="slidenum">
-              <a:rPr lang="en-SG" smtClean="0"/>
-              <a:pPr/>
-              <a:t>‹#›</a:t>
-            </a:fld>
-            <a:endParaRPr lang="en-SG"/>
-          </a:p>
-        </p:txBody>
-      </p:sp>
-    </p:spTree>
-    <p:extLst>
-      <p:ext uri="{BB962C8B-B14F-4D97-AF65-F5344CB8AC3E}">
-        <p14:creationId xmlns:p14="http://schemas.microsoft.com/office/powerpoint/2010/main" val="1787064168"/>
-      </p:ext>
-    </p:extLst>
-  </p:cSld>
-  <p:clrMap bg1="lt1" tx1="dk1" bg2="lt2" tx2="dk2" accent1="accent1" accent2="accent2" accent3="accent3" accent4="accent4" accent5="accent5" accent6="accent6" hlink="hlink" folHlink="folHlink"/>
-  <p:notesStyle>
-    <a:lvl1pPr marL="0" algn="l" defTabSz="872733" rtl="0" eaLnBrk="1" latinLnBrk="0" hangingPunct="1">
-      <a:defRPr sz="1100" kern="1200">
-        <a:solidFill>
-          <a:schemeClr val="tx1"/>
-        </a:solidFill>
-        <a:latin typeface="+mn-lt"/>
-        <a:ea typeface="+mn-ea"/>
-        <a:cs typeface="+mn-cs"/>
-      </a:defRPr>
-    </a:lvl1pPr>
-    <a:lvl2pPr marL="436366" algn="l" defTabSz="872733" rtl="0" eaLnBrk="1" latinLnBrk="0" hangingPunct="1">
-      <a:defRPr sz="1100" kern="1200">
-        <a:solidFill>
-          <a:schemeClr val="tx1"/>
-        </a:solidFill>
-        <a:latin typeface="+mn-lt"/>
-        <a:ea typeface="+mn-ea"/>
-        <a:cs typeface="+mn-cs"/>
-      </a:defRPr>
-    </a:lvl2pPr>
-    <a:lvl3pPr marL="872733" algn="l" defTabSz="872733" rtl="0" eaLnBrk="1" latinLnBrk="0" hangingPunct="1">
-      <a:defRPr sz="1100" kern="1200">
-        <a:solidFill>
-          <a:schemeClr val="tx1"/>
-        </a:solidFill>
-        <a:latin typeface="+mn-lt"/>
-        <a:ea typeface="+mn-ea"/>
-        <a:cs typeface="+mn-cs"/>
-      </a:defRPr>
-    </a:lvl3pPr>
-    <a:lvl4pPr marL="1309099" algn="l" defTabSz="872733" rtl="0" eaLnBrk="1" latinLnBrk="0" hangingPunct="1">
-      <a:defRPr sz="1100" kern="1200">
-        <a:solidFill>
-          <a:schemeClr val="tx1"/>
-        </a:solidFill>
-        <a:latin typeface="+mn-lt"/>
-        <a:ea typeface="+mn-ea"/>
-        <a:cs typeface="+mn-cs"/>
-      </a:defRPr>
-    </a:lvl4pPr>
-    <a:lvl5pPr marL="1745465" algn="l" defTabSz="872733" rtl="0" eaLnBrk="1" latinLnBrk="0" hangingPunct="1">
-      <a:defRPr sz="1100" kern="1200">
-        <a:solidFill>
-          <a:schemeClr val="tx1"/>
-        </a:solidFill>
-        <a:latin typeface="+mn-lt"/>
-        <a:ea typeface="+mn-ea"/>
-        <a:cs typeface="+mn-cs"/>
-      </a:defRPr>
-    </a:lvl5pPr>
-    <a:lvl6pPr marL="2181832" algn="l" defTabSz="872733" rtl="0" eaLnBrk="1" latinLnBrk="0" hangingPunct="1">
-      <a:defRPr sz="1100" kern="1200">
-        <a:solidFill>
-          <a:schemeClr val="tx1"/>
-        </a:solidFill>
-        <a:latin typeface="+mn-lt"/>
-        <a:ea typeface="+mn-ea"/>
-        <a:cs typeface="+mn-cs"/>
-      </a:defRPr>
-    </a:lvl6pPr>
-    <a:lvl7pPr marL="2618199" algn="l" defTabSz="872733" rtl="0" eaLnBrk="1" latinLnBrk="0" hangingPunct="1">
-      <a:defRPr sz="1100" kern="1200">
-        <a:solidFill>
-          <a:schemeClr val="tx1"/>
-        </a:solidFill>
-        <a:latin typeface="+mn-lt"/>
-        <a:ea typeface="+mn-ea"/>
-        <a:cs typeface="+mn-cs"/>
-      </a:defRPr>
-    </a:lvl7pPr>
-    <a:lvl8pPr marL="3054566" algn="l" defTabSz="872733" rtl="0" eaLnBrk="1" latinLnBrk="0" hangingPunct="1">
-      <a:defRPr sz="1100" kern="1200">
-        <a:solidFill>
-          <a:schemeClr val="tx1"/>
-        </a:solidFill>
-        <a:latin typeface="+mn-lt"/>
-        <a:ea typeface="+mn-ea"/>
-        <a:cs typeface="+mn-cs"/>
-      </a:defRPr>
-    </a:lvl8pPr>
-    <a:lvl9pPr marL="3490932" algn="l" defTabSz="872733" rtl="0" eaLnBrk="1" latinLnBrk="0" hangingPunct="1">
-      <a:defRPr sz="1100" kern="1200">
-        <a:solidFill>
-          <a:schemeClr val="tx1"/>
-        </a:solidFill>
-        <a:latin typeface="+mn-lt"/>
-        <a:ea typeface="+mn-ea"/>
-        <a:cs typeface="+mn-cs"/>
-      </a:defRPr>
-    </a:lvl9pPr>
-  </p:notesStyle>
-</p:notesMaster>
-</file>
-
-<file path=ppt/notesSlides/notesSlide1.xml><?xml version="1.0" encoding="utf-8"?>
-<p:notes xmlns:a="http://schemas.openxmlformats.org/drawingml/2006/main" xmlns:r="http://schemas.openxmlformats.org/officeDocument/2006/relationships" xmlns:p="http://schemas.openxmlformats.org/presentationml/2006/main">
-  <p:cSld>
-    <p:spTree>
-      <p:nvGrpSpPr>
-        <p:cNvPr id="1" name=""/>
-        <p:cNvGrpSpPr/>
-        <p:nvPr/>
-      </p:nvGrpSpPr>
-      <p:grpSpPr>
-        <a:xfrm>
-          <a:off x="0" y="0"/>
-          <a:ext cx="0" cy="0"/>
-          <a:chOff x="0" y="0"/>
-          <a:chExt cx="0" cy="0"/>
-        </a:xfrm>
-      </p:grpSpPr>
-      <p:sp>
-        <p:nvSpPr>
-          <p:cNvPr id="2" name="Slide Image Placeholder 1"/>
-          <p:cNvSpPr>
-            <a:spLocks noGrp="1" noRot="1" noChangeAspect="1"/>
-          </p:cNvSpPr>
-          <p:nvPr>
-            <p:ph type="sldImg"/>
-          </p:nvPr>
-        </p:nvSpPr>
-        <p:spPr/>
-      </p:sp>
-      <p:sp>
-        <p:nvSpPr>
-          <p:cNvPr id="3" name="Notes Placeholder 2"/>
-          <p:cNvSpPr>
-            <a:spLocks noGrp="1"/>
-          </p:cNvSpPr>
-          <p:nvPr>
-            <p:ph type="body" idx="1"/>
-          </p:nvPr>
-        </p:nvSpPr>
-        <p:spPr/>
-        <p:txBody>
-          <a:bodyPr>
-            <a:normAutofit/>
-          </a:bodyPr>
-          <a:lstStyle/>
-          <a:p>
-            <a:endParaRPr lang="en-US"/>
-          </a:p>
-        </p:txBody>
-      </p:sp>
-      <p:sp>
-        <p:nvSpPr>
-          <p:cNvPr id="4" name="Slide Number Placeholder 3"/>
-          <p:cNvSpPr>
-            <a:spLocks noGrp="1"/>
-          </p:cNvSpPr>
-          <p:nvPr>
-            <p:ph type="sldNum" sz="quarter" idx="10"/>
-          </p:nvPr>
-        </p:nvSpPr>
-        <p:spPr/>
-        <p:txBody>
-          <a:bodyPr/>
-          <a:lstStyle/>
-          <a:p>
-            <a:fld id="{D8AAB797-2628-476A-9ECD-6773D97C2656}" type="slidenum">
-              <a:rPr lang="en-US" smtClean="0"/>
-              <a:pPr/>
-              <a:t>115</a:t>
-            </a:fld>
-            <a:endParaRPr lang="en-US"/>
-          </a:p>
-        </p:txBody>
-      </p:sp>
-    </p:spTree>
-  </p:cSld>
-  <p:clrMapOvr>
-    <a:masterClrMapping/>
-  </p:clrMapOvr>
-</p:notes>
 </file>
 
 <file path=ppt/slideLayouts/slideLayout1.xml><?xml version="1.0" encoding="utf-8"?>
@@ -575,7 +136,7 @@
         </p:nvSpPr>
         <p:spPr>
           <a:xfrm>
-            <a:off x="685800" y="2130428"/>
+            <a:off x="685800" y="2130425"/>
             <a:ext cx="7772400" cy="1470025"/>
           </a:xfrm>
         </p:spPr>
@@ -587,7 +148,7 @@
               <a:rPr lang="en-US" smtClean="0"/>
               <a:t>Click to edit Master title style</a:t>
             </a:r>
-            <a:endParaRPr lang="en-US"/>
+            <a:endParaRPr lang="en-SG"/>
           </a:p>
         </p:txBody>
       </p:sp>
@@ -614,11 +175,13 @@
               <a:buNone/>
               <a:defRPr>
                 <a:solidFill>
-                  <a:srgbClr val="0070C0"/>
+                  <a:schemeClr val="tx1">
+                    <a:tint val="75000"/>
+                  </a:schemeClr>
                 </a:solidFill>
               </a:defRPr>
             </a:lvl1pPr>
-            <a:lvl2pPr marL="436366" indent="0" algn="ctr">
+            <a:lvl2pPr marL="457200" indent="0" algn="ctr">
               <a:buNone/>
               <a:defRPr>
                 <a:solidFill>
@@ -628,7 +191,7 @@
                 </a:solidFill>
               </a:defRPr>
             </a:lvl2pPr>
-            <a:lvl3pPr marL="872733" indent="0" algn="ctr">
+            <a:lvl3pPr marL="914400" indent="0" algn="ctr">
               <a:buNone/>
               <a:defRPr>
                 <a:solidFill>
@@ -638,7 +201,7 @@
                 </a:solidFill>
               </a:defRPr>
             </a:lvl3pPr>
-            <a:lvl4pPr marL="1309099" indent="0" algn="ctr">
+            <a:lvl4pPr marL="1371600" indent="0" algn="ctr">
               <a:buNone/>
               <a:defRPr>
                 <a:solidFill>
@@ -648,7 +211,7 @@
                 </a:solidFill>
               </a:defRPr>
             </a:lvl4pPr>
-            <a:lvl5pPr marL="1745465" indent="0" algn="ctr">
+            <a:lvl5pPr marL="1828800" indent="0" algn="ctr">
               <a:buNone/>
               <a:defRPr>
                 <a:solidFill>
@@ -658,7 +221,7 @@
                 </a:solidFill>
               </a:defRPr>
             </a:lvl5pPr>
-            <a:lvl6pPr marL="2181832" indent="0" algn="ctr">
+            <a:lvl6pPr marL="2286000" indent="0" algn="ctr">
               <a:buNone/>
               <a:defRPr>
                 <a:solidFill>
@@ -668,7 +231,7 @@
                 </a:solidFill>
               </a:defRPr>
             </a:lvl6pPr>
-            <a:lvl7pPr marL="2618199" indent="0" algn="ctr">
+            <a:lvl7pPr marL="2743200" indent="0" algn="ctr">
               <a:buNone/>
               <a:defRPr>
                 <a:solidFill>
@@ -678,7 +241,7 @@
                 </a:solidFill>
               </a:defRPr>
             </a:lvl7pPr>
-            <a:lvl8pPr marL="3054566" indent="0" algn="ctr">
+            <a:lvl8pPr marL="3200400" indent="0" algn="ctr">
               <a:buNone/>
               <a:defRPr>
                 <a:solidFill>
@@ -688,7 +251,7 @@
                 </a:solidFill>
               </a:defRPr>
             </a:lvl8pPr>
-            <a:lvl9pPr marL="3490932" indent="0" algn="ctr">
+            <a:lvl9pPr marL="3657600" indent="0" algn="ctr">
               <a:buNone/>
               <a:defRPr>
                 <a:solidFill>
@@ -704,7 +267,7 @@
               <a:rPr lang="en-US" smtClean="0"/>
               <a:t>Click to edit Master subtitle style</a:t>
             </a:r>
-            <a:endParaRPr lang="en-US"/>
+            <a:endParaRPr lang="en-SG"/>
           </a:p>
         </p:txBody>
       </p:sp>
@@ -723,7 +286,11 @@
           <a:bodyPr/>
           <a:lstStyle/>
           <a:p>
-            <a:endParaRPr lang="en-US"/>
+            <a:fld id="{A0F86979-30DA-49EE-A740-32EBA6D2B7DE}" type="datetimeFigureOut">
+              <a:rPr lang="en-SG" smtClean="0"/>
+              <a:t>2/6/2017</a:t>
+            </a:fld>
+            <a:endParaRPr lang="en-SG"/>
           </a:p>
         </p:txBody>
       </p:sp>
@@ -742,7 +309,7 @@
           <a:bodyPr/>
           <a:lstStyle/>
           <a:p>
-            <a:endParaRPr lang="en-US"/>
+            <a:endParaRPr lang="en-SG"/>
           </a:p>
         </p:txBody>
       </p:sp>
@@ -761,27 +328,24 @@
           <a:bodyPr/>
           <a:lstStyle/>
           <a:p>
-            <a:fld id="{5B8905EB-9186-4B9B-BEF9-C6B1CD50847D}" type="slidenum">
-              <a:rPr lang="en-US" smtClean="0"/>
-              <a:pPr/>
+            <a:fld id="{EBF7C7F7-E270-4260-A412-76A75D6182AD}" type="slidenum">
+              <a:rPr lang="en-SG" smtClean="0"/>
               <a:t>‹#›</a:t>
             </a:fld>
-            <a:endParaRPr lang="en-US"/>
+            <a:endParaRPr lang="en-SG"/>
           </a:p>
         </p:txBody>
       </p:sp>
     </p:spTree>
+    <p:extLst>
+      <p:ext uri="{BB962C8B-B14F-4D97-AF65-F5344CB8AC3E}">
+        <p14:creationId xmlns:p14="http://schemas.microsoft.com/office/powerpoint/2010/main" val="135796274"/>
+      </p:ext>
+    </p:extLst>
   </p:cSld>
   <p:clrMapOvr>
     <a:masterClrMapping/>
   </p:clrMapOvr>
-  <p:timing>
-    <p:tnLst>
-      <p:par>
-        <p:cTn id="1" dur="indefinite" restart="never" nodeType="tmRoot"/>
-      </p:par>
-    </p:tnLst>
-  </p:timing>
 </p:sldLayout>
 </file>
 
@@ -821,7 +385,7 @@
               <a:rPr lang="en-US" smtClean="0"/>
               <a:t>Click to edit Master title style</a:t>
             </a:r>
-            <a:endParaRPr lang="en-US"/>
+            <a:endParaRPr lang="en-SG"/>
           </a:p>
         </p:txBody>
       </p:sp>
@@ -873,7 +437,7 @@
               <a:rPr lang="en-US" smtClean="0"/>
               <a:t>Fifth level</a:t>
             </a:r>
-            <a:endParaRPr lang="en-US"/>
+            <a:endParaRPr lang="en-SG"/>
           </a:p>
         </p:txBody>
       </p:sp>
@@ -892,7 +456,11 @@
           <a:bodyPr/>
           <a:lstStyle/>
           <a:p>
-            <a:endParaRPr lang="en-US"/>
+            <a:fld id="{A0F86979-30DA-49EE-A740-32EBA6D2B7DE}" type="datetimeFigureOut">
+              <a:rPr lang="en-SG" smtClean="0"/>
+              <a:t>2/6/2017</a:t>
+            </a:fld>
+            <a:endParaRPr lang="en-SG"/>
           </a:p>
         </p:txBody>
       </p:sp>
@@ -911,7 +479,7 @@
           <a:bodyPr/>
           <a:lstStyle/>
           <a:p>
-            <a:endParaRPr lang="en-US"/>
+            <a:endParaRPr lang="en-SG"/>
           </a:p>
         </p:txBody>
       </p:sp>
@@ -930,16 +498,20 @@
           <a:bodyPr/>
           <a:lstStyle/>
           <a:p>
-            <a:fld id="{5B8905EB-9186-4B9B-BEF9-C6B1CD50847D}" type="slidenum">
-              <a:rPr lang="en-US" smtClean="0"/>
-              <a:pPr/>
+            <a:fld id="{EBF7C7F7-E270-4260-A412-76A75D6182AD}" type="slidenum">
+              <a:rPr lang="en-SG" smtClean="0"/>
               <a:t>‹#›</a:t>
             </a:fld>
-            <a:endParaRPr lang="en-US"/>
+            <a:endParaRPr lang="en-SG"/>
           </a:p>
         </p:txBody>
       </p:sp>
     </p:spTree>
+    <p:extLst>
+      <p:ext uri="{BB962C8B-B14F-4D97-AF65-F5344CB8AC3E}">
+        <p14:creationId xmlns:p14="http://schemas.microsoft.com/office/powerpoint/2010/main" val="3528568514"/>
+      </p:ext>
+    </p:extLst>
   </p:cSld>
   <p:clrMapOvr>
     <a:masterClrMapping/>
@@ -976,7 +548,7 @@
         </p:nvSpPr>
         <p:spPr>
           <a:xfrm>
-            <a:off x="6629400" y="274641"/>
+            <a:off x="6629400" y="274638"/>
             <a:ext cx="2057400" cy="5851525"/>
           </a:xfrm>
         </p:spPr>
@@ -988,7 +560,7 @@
               <a:rPr lang="en-US" smtClean="0"/>
               <a:t>Click to edit Master title style</a:t>
             </a:r>
-            <a:endParaRPr lang="en-US"/>
+            <a:endParaRPr lang="en-SG"/>
           </a:p>
         </p:txBody>
       </p:sp>
@@ -1004,7 +576,7 @@
         </p:nvSpPr>
         <p:spPr>
           <a:xfrm>
-            <a:off x="457200" y="274641"/>
+            <a:off x="457200" y="274638"/>
             <a:ext cx="6019800" cy="5851525"/>
           </a:xfrm>
         </p:spPr>
@@ -1045,7 +617,7 @@
               <a:rPr lang="en-US" smtClean="0"/>
               <a:t>Fifth level</a:t>
             </a:r>
-            <a:endParaRPr lang="en-US"/>
+            <a:endParaRPr lang="en-SG"/>
           </a:p>
         </p:txBody>
       </p:sp>
@@ -1064,7 +636,11 @@
           <a:bodyPr/>
           <a:lstStyle/>
           <a:p>
-            <a:endParaRPr lang="en-US"/>
+            <a:fld id="{A0F86979-30DA-49EE-A740-32EBA6D2B7DE}" type="datetimeFigureOut">
+              <a:rPr lang="en-SG" smtClean="0"/>
+              <a:t>2/6/2017</a:t>
+            </a:fld>
+            <a:endParaRPr lang="en-SG"/>
           </a:p>
         </p:txBody>
       </p:sp>
@@ -1083,7 +659,7 @@
           <a:bodyPr/>
           <a:lstStyle/>
           <a:p>
-            <a:endParaRPr lang="en-US"/>
+            <a:endParaRPr lang="en-SG"/>
           </a:p>
         </p:txBody>
       </p:sp>
@@ -1102,16 +678,20 @@
           <a:bodyPr/>
           <a:lstStyle/>
           <a:p>
-            <a:fld id="{5B8905EB-9186-4B9B-BEF9-C6B1CD50847D}" type="slidenum">
-              <a:rPr lang="en-US" smtClean="0"/>
-              <a:pPr/>
+            <a:fld id="{EBF7C7F7-E270-4260-A412-76A75D6182AD}" type="slidenum">
+              <a:rPr lang="en-SG" smtClean="0"/>
               <a:t>‹#›</a:t>
             </a:fld>
-            <a:endParaRPr lang="en-US"/>
+            <a:endParaRPr lang="en-SG"/>
           </a:p>
         </p:txBody>
       </p:sp>
     </p:spTree>
+    <p:extLst>
+      <p:ext uri="{BB962C8B-B14F-4D97-AF65-F5344CB8AC3E}">
+        <p14:creationId xmlns:p14="http://schemas.microsoft.com/office/powerpoint/2010/main" val="2418564099"/>
+      </p:ext>
+    </p:extLst>
   </p:cSld>
   <p:clrMapOvr>
     <a:masterClrMapping/>
@@ -1138,6 +718,123 @@
       </p:grpSpPr>
       <p:sp>
         <p:nvSpPr>
+          <p:cNvPr id="2" name="Title 1"/>
+          <p:cNvSpPr>
+            <a:spLocks noGrp="1"/>
+          </p:cNvSpPr>
+          <p:nvPr>
+            <p:ph type="title"/>
+          </p:nvPr>
+        </p:nvSpPr>
+        <p:spPr/>
+        <p:txBody>
+          <a:bodyPr/>
+          <a:lstStyle/>
+          <a:p>
+            <a:r>
+              <a:rPr lang="en-US" smtClean="0"/>
+              <a:t>Click to edit Master title style</a:t>
+            </a:r>
+            <a:endParaRPr lang="en-SG"/>
+          </a:p>
+        </p:txBody>
+      </p:sp>
+      <p:sp>
+        <p:nvSpPr>
+          <p:cNvPr id="3" name="Content Placeholder 2"/>
+          <p:cNvSpPr>
+            <a:spLocks noGrp="1"/>
+          </p:cNvSpPr>
+          <p:nvPr>
+            <p:ph idx="1"/>
+          </p:nvPr>
+        </p:nvSpPr>
+        <p:spPr/>
+        <p:txBody>
+          <a:bodyPr/>
+          <a:lstStyle/>
+          <a:p>
+            <a:pPr lvl="0"/>
+            <a:r>
+              <a:rPr lang="en-US" smtClean="0"/>
+              <a:t>Click to edit Master text styles</a:t>
+            </a:r>
+          </a:p>
+          <a:p>
+            <a:pPr lvl="1"/>
+            <a:r>
+              <a:rPr lang="en-US" smtClean="0"/>
+              <a:t>Second level</a:t>
+            </a:r>
+          </a:p>
+          <a:p>
+            <a:pPr lvl="2"/>
+            <a:r>
+              <a:rPr lang="en-US" smtClean="0"/>
+              <a:t>Third level</a:t>
+            </a:r>
+          </a:p>
+          <a:p>
+            <a:pPr lvl="3"/>
+            <a:r>
+              <a:rPr lang="en-US" smtClean="0"/>
+              <a:t>Fourth level</a:t>
+            </a:r>
+          </a:p>
+          <a:p>
+            <a:pPr lvl="4"/>
+            <a:r>
+              <a:rPr lang="en-US" smtClean="0"/>
+              <a:t>Fifth level</a:t>
+            </a:r>
+            <a:endParaRPr lang="en-SG"/>
+          </a:p>
+        </p:txBody>
+      </p:sp>
+      <p:sp>
+        <p:nvSpPr>
+          <p:cNvPr id="4" name="Date Placeholder 3"/>
+          <p:cNvSpPr>
+            <a:spLocks noGrp="1"/>
+          </p:cNvSpPr>
+          <p:nvPr>
+            <p:ph type="dt" sz="half" idx="10"/>
+          </p:nvPr>
+        </p:nvSpPr>
+        <p:spPr/>
+        <p:txBody>
+          <a:bodyPr/>
+          <a:lstStyle/>
+          <a:p>
+            <a:fld id="{A0F86979-30DA-49EE-A740-32EBA6D2B7DE}" type="datetimeFigureOut">
+              <a:rPr lang="en-SG" smtClean="0"/>
+              <a:t>2/6/2017</a:t>
+            </a:fld>
+            <a:endParaRPr lang="en-SG"/>
+          </a:p>
+        </p:txBody>
+      </p:sp>
+      <p:sp>
+        <p:nvSpPr>
+          <p:cNvPr id="5" name="Footer Placeholder 4"/>
+          <p:cNvSpPr>
+            <a:spLocks noGrp="1"/>
+          </p:cNvSpPr>
+          <p:nvPr>
+            <p:ph type="ftr" sz="quarter" idx="11"/>
+          </p:nvPr>
+        </p:nvSpPr>
+        <p:spPr/>
+        <p:txBody>
+          <a:bodyPr/>
+          <a:lstStyle/>
+          <a:p>
+            <a:endParaRPr lang="en-SG"/>
+          </a:p>
+        </p:txBody>
+      </p:sp>
+      <p:sp>
+        <p:nvSpPr>
           <p:cNvPr id="6" name="Slide Number Placeholder 5"/>
           <p:cNvSpPr>
             <a:spLocks noGrp="1"/>
@@ -1146,176 +843,29 @@
             <p:ph type="sldNum" sz="quarter" idx="12"/>
           </p:nvPr>
         </p:nvSpPr>
-        <p:spPr>
-          <a:xfrm>
-            <a:off x="7839456" y="6492875"/>
-            <a:ext cx="1228344" cy="365125"/>
-          </a:xfrm>
-        </p:spPr>
-        <p:txBody>
-          <a:bodyPr/>
-          <a:lstStyle>
-            <a:lvl1pPr>
-              <a:defRPr sz="2000" b="1">
-                <a:solidFill>
-                  <a:schemeClr val="accent6"/>
-                </a:solidFill>
-              </a:defRPr>
-            </a:lvl1pPr>
-          </a:lstStyle>
-          <a:p>
-            <a:fld id="{5B8905EB-9186-4B9B-BEF9-C6B1CD50847D}" type="slidenum">
-              <a:rPr lang="en-US" smtClean="0"/>
-              <a:pPr/>
+        <p:spPr/>
+        <p:txBody>
+          <a:bodyPr/>
+          <a:lstStyle/>
+          <a:p>
+            <a:fld id="{EBF7C7F7-E270-4260-A412-76A75D6182AD}" type="slidenum">
+              <a:rPr lang="en-SG" smtClean="0"/>
               <a:t>‹#›</a:t>
             </a:fld>
-            <a:endParaRPr lang="en-US"/>
-          </a:p>
-        </p:txBody>
-      </p:sp>
-      <p:sp>
-        <p:nvSpPr>
-          <p:cNvPr id="2" name="Title 1"/>
-          <p:cNvSpPr>
-            <a:spLocks noGrp="1"/>
-          </p:cNvSpPr>
-          <p:nvPr>
-            <p:ph type="title"/>
-          </p:nvPr>
-        </p:nvSpPr>
-        <p:spPr>
-          <a:xfrm>
-            <a:off x="457200" y="274638"/>
-            <a:ext cx="8229600" cy="792162"/>
-          </a:xfrm>
-        </p:spPr>
-        <p:txBody>
-          <a:bodyPr>
-            <a:normAutofit/>
-          </a:bodyPr>
-          <a:lstStyle>
-            <a:lvl1pPr algn="l">
-              <a:defRPr sz="3600">
-                <a:solidFill>
-                  <a:schemeClr val="accent6">
-                    <a:lumMod val="75000"/>
-                  </a:schemeClr>
-                </a:solidFill>
-              </a:defRPr>
-            </a:lvl1pPr>
-          </a:lstStyle>
-          <a:p>
-            <a:r>
-              <a:rPr lang="en-US" dirty="0" smtClean="0"/>
-              <a:t>Click to edit Master title style</a:t>
-            </a:r>
-            <a:endParaRPr lang="en-US" dirty="0"/>
-          </a:p>
-        </p:txBody>
-      </p:sp>
-      <p:sp>
-        <p:nvSpPr>
-          <p:cNvPr id="3" name="Content Placeholder 2"/>
-          <p:cNvSpPr>
-            <a:spLocks noGrp="1"/>
-          </p:cNvSpPr>
-          <p:nvPr>
-            <p:ph idx="1"/>
-          </p:nvPr>
-        </p:nvSpPr>
-        <p:spPr>
-          <a:xfrm>
-            <a:off x="457200" y="1219200"/>
-            <a:ext cx="8229600" cy="1805520"/>
-          </a:xfrm>
-        </p:spPr>
-        <p:txBody>
-          <a:bodyPr>
-            <a:spAutoFit/>
-          </a:bodyPr>
-          <a:lstStyle>
-            <a:lvl1pPr>
-              <a:buSzPct val="50000"/>
-              <a:buFont typeface="Wingdings" pitchFamily="2" charset="2"/>
-              <a:buChar char="q"/>
-              <a:defRPr sz="2200">
-                <a:latin typeface="Cambria" pitchFamily="18" charset="0"/>
-              </a:defRPr>
-            </a:lvl1pPr>
-            <a:lvl2pPr>
-              <a:buSzPct val="75000"/>
-              <a:buFont typeface="Courier New" pitchFamily="49" charset="0"/>
-              <a:buChar char="o"/>
-              <a:defRPr sz="2200">
-                <a:latin typeface="Cambria" pitchFamily="18" charset="0"/>
-              </a:defRPr>
-            </a:lvl2pPr>
-            <a:lvl3pPr>
-              <a:defRPr sz="1700">
-                <a:latin typeface="Cambria" pitchFamily="18" charset="0"/>
-              </a:defRPr>
-            </a:lvl3pPr>
-            <a:lvl4pPr>
-              <a:defRPr sz="1600">
-                <a:latin typeface="Cambria" pitchFamily="18" charset="0"/>
-              </a:defRPr>
-            </a:lvl4pPr>
-            <a:lvl5pPr>
-              <a:defRPr sz="1600">
-                <a:latin typeface="Cambria" pitchFamily="18" charset="0"/>
-              </a:defRPr>
-            </a:lvl5pPr>
-          </a:lstStyle>
-          <a:p>
-            <a:pPr lvl="0"/>
-            <a:r>
-              <a:rPr lang="en-US" dirty="0" smtClean="0"/>
-              <a:t>Click to edit Master text styles</a:t>
-            </a:r>
-          </a:p>
-          <a:p>
-            <a:pPr lvl="1"/>
-            <a:r>
-              <a:rPr lang="en-US" dirty="0" smtClean="0"/>
-              <a:t>Second level</a:t>
-            </a:r>
-          </a:p>
-          <a:p>
-            <a:pPr lvl="2"/>
-            <a:r>
-              <a:rPr lang="en-US" dirty="0" smtClean="0"/>
-              <a:t>Third level</a:t>
-            </a:r>
-          </a:p>
-          <a:p>
-            <a:pPr lvl="3"/>
-            <a:r>
-              <a:rPr lang="en-US" dirty="0" smtClean="0"/>
-              <a:t>Fourth level</a:t>
-            </a:r>
-          </a:p>
-          <a:p>
-            <a:pPr lvl="4"/>
-            <a:r>
-              <a:rPr lang="en-US" dirty="0" smtClean="0"/>
-              <a:t>Fifth level</a:t>
-            </a:r>
-            <a:endParaRPr lang="en-US" dirty="0"/>
+            <a:endParaRPr lang="en-SG"/>
           </a:p>
         </p:txBody>
       </p:sp>
     </p:spTree>
+    <p:extLst>
+      <p:ext uri="{BB962C8B-B14F-4D97-AF65-F5344CB8AC3E}">
+        <p14:creationId xmlns:p14="http://schemas.microsoft.com/office/powerpoint/2010/main" val="4201411315"/>
+      </p:ext>
+    </p:extLst>
   </p:cSld>
   <p:clrMapOvr>
     <a:masterClrMapping/>
   </p:clrMapOvr>
-  <p:timing>
-    <p:tnLst>
-      <p:par>
-        <p:cTn id="1" dur="indefinite" restart="never" nodeType="tmRoot"/>
-      </p:par>
-    </p:tnLst>
-  </p:timing>
 </p:sldLayout>
 </file>
 
@@ -1348,7 +898,7 @@
         </p:nvSpPr>
         <p:spPr>
           <a:xfrm>
-            <a:off x="722314" y="4406903"/>
+            <a:off x="722313" y="4406900"/>
             <a:ext cx="7772400" cy="1362075"/>
           </a:xfrm>
         </p:spPr>
@@ -1356,7 +906,7 @@
           <a:bodyPr anchor="t"/>
           <a:lstStyle>
             <a:lvl1pPr algn="l">
-              <a:defRPr sz="3800" b="1" cap="all"/>
+              <a:defRPr sz="4000" b="1" cap="all"/>
             </a:lvl1pPr>
           </a:lstStyle>
           <a:p>
@@ -1364,7 +914,7 @@
               <a:rPr lang="en-US" smtClean="0"/>
               <a:t>Click to edit Master title style</a:t>
             </a:r>
-            <a:endParaRPr lang="en-US"/>
+            <a:endParaRPr lang="en-SG"/>
           </a:p>
         </p:txBody>
       </p:sp>
@@ -1380,7 +930,7 @@
         </p:nvSpPr>
         <p:spPr>
           <a:xfrm>
-            <a:off x="722314" y="2906714"/>
+            <a:off x="722313" y="2906713"/>
             <a:ext cx="7772400" cy="1500187"/>
           </a:xfrm>
         </p:spPr>
@@ -1389,7 +939,7 @@
           <a:lstStyle>
             <a:lvl1pPr marL="0" indent="0">
               <a:buNone/>
-              <a:defRPr sz="1900">
+              <a:defRPr sz="2000">
                 <a:solidFill>
                   <a:schemeClr val="tx1">
                     <a:tint val="75000"/>
@@ -1397,9 +947,9 @@
                 </a:solidFill>
               </a:defRPr>
             </a:lvl1pPr>
-            <a:lvl2pPr marL="436366" indent="0">
-              <a:buNone/>
-              <a:defRPr sz="1700">
+            <a:lvl2pPr marL="457200" indent="0">
+              <a:buNone/>
+              <a:defRPr sz="1800">
                 <a:solidFill>
                   <a:schemeClr val="tx1">
                     <a:tint val="75000"/>
@@ -1407,7 +957,7 @@
                 </a:solidFill>
               </a:defRPr>
             </a:lvl2pPr>
-            <a:lvl3pPr marL="872733" indent="0">
+            <a:lvl3pPr marL="914400" indent="0">
               <a:buNone/>
               <a:defRPr sz="1600">
                 <a:solidFill>
@@ -1417,7 +967,7 @@
                 </a:solidFill>
               </a:defRPr>
             </a:lvl3pPr>
-            <a:lvl4pPr marL="1309099" indent="0">
+            <a:lvl4pPr marL="1371600" indent="0">
               <a:buNone/>
               <a:defRPr sz="1400">
                 <a:solidFill>
@@ -1427,7 +977,7 @@
                 </a:solidFill>
               </a:defRPr>
             </a:lvl4pPr>
-            <a:lvl5pPr marL="1745465" indent="0">
+            <a:lvl5pPr marL="1828800" indent="0">
               <a:buNone/>
               <a:defRPr sz="1400">
                 <a:solidFill>
@@ -1437,7 +987,7 @@
                 </a:solidFill>
               </a:defRPr>
             </a:lvl5pPr>
-            <a:lvl6pPr marL="2181832" indent="0">
+            <a:lvl6pPr marL="2286000" indent="0">
               <a:buNone/>
               <a:defRPr sz="1400">
                 <a:solidFill>
@@ -1447,7 +997,7 @@
                 </a:solidFill>
               </a:defRPr>
             </a:lvl6pPr>
-            <a:lvl7pPr marL="2618199" indent="0">
+            <a:lvl7pPr marL="2743200" indent="0">
               <a:buNone/>
               <a:defRPr sz="1400">
                 <a:solidFill>
@@ -1457,7 +1007,7 @@
                 </a:solidFill>
               </a:defRPr>
             </a:lvl7pPr>
-            <a:lvl8pPr marL="3054566" indent="0">
+            <a:lvl8pPr marL="3200400" indent="0">
               <a:buNone/>
               <a:defRPr sz="1400">
                 <a:solidFill>
@@ -1467,7 +1017,7 @@
                 </a:solidFill>
               </a:defRPr>
             </a:lvl8pPr>
-            <a:lvl9pPr marL="3490932" indent="0">
+            <a:lvl9pPr marL="3657600" indent="0">
               <a:buNone/>
               <a:defRPr sz="1400">
                 <a:solidFill>
@@ -1502,7 +1052,11 @@
           <a:bodyPr/>
           <a:lstStyle/>
           <a:p>
-            <a:endParaRPr lang="en-US"/>
+            <a:fld id="{A0F86979-30DA-49EE-A740-32EBA6D2B7DE}" type="datetimeFigureOut">
+              <a:rPr lang="en-SG" smtClean="0"/>
+              <a:t>2/6/2017</a:t>
+            </a:fld>
+            <a:endParaRPr lang="en-SG"/>
           </a:p>
         </p:txBody>
       </p:sp>
@@ -1521,7 +1075,7 @@
           <a:bodyPr/>
           <a:lstStyle/>
           <a:p>
-            <a:endParaRPr lang="en-US"/>
+            <a:endParaRPr lang="en-SG"/>
           </a:p>
         </p:txBody>
       </p:sp>
@@ -1540,16 +1094,20 @@
           <a:bodyPr/>
           <a:lstStyle/>
           <a:p>
-            <a:fld id="{5B8905EB-9186-4B9B-BEF9-C6B1CD50847D}" type="slidenum">
-              <a:rPr lang="en-US" smtClean="0"/>
-              <a:pPr/>
+            <a:fld id="{EBF7C7F7-E270-4260-A412-76A75D6182AD}" type="slidenum">
+              <a:rPr lang="en-SG" smtClean="0"/>
               <a:t>‹#›</a:t>
             </a:fld>
-            <a:endParaRPr lang="en-US"/>
+            <a:endParaRPr lang="en-SG"/>
           </a:p>
         </p:txBody>
       </p:sp>
     </p:spTree>
+    <p:extLst>
+      <p:ext uri="{BB962C8B-B14F-4D97-AF65-F5344CB8AC3E}">
+        <p14:creationId xmlns:p14="http://schemas.microsoft.com/office/powerpoint/2010/main" val="3750375640"/>
+      </p:ext>
+    </p:extLst>
   </p:cSld>
   <p:clrMapOvr>
     <a:masterClrMapping/>
@@ -1593,7 +1151,7 @@
               <a:rPr lang="en-US" smtClean="0"/>
               <a:t>Click to edit Master title style</a:t>
             </a:r>
-            <a:endParaRPr lang="en-US"/>
+            <a:endParaRPr lang="en-SG"/>
           </a:p>
         </p:txBody>
       </p:sp>
@@ -1609,7 +1167,7 @@
         </p:nvSpPr>
         <p:spPr>
           <a:xfrm>
-            <a:off x="457200" y="1600203"/>
+            <a:off x="457200" y="1600200"/>
             <a:ext cx="4038600" cy="4525963"/>
           </a:xfrm>
         </p:spPr>
@@ -1617,31 +1175,31 @@
           <a:bodyPr/>
           <a:lstStyle>
             <a:lvl1pPr>
-              <a:defRPr sz="2700"/>
+              <a:defRPr sz="2800"/>
             </a:lvl1pPr>
             <a:lvl2pPr>
-              <a:defRPr sz="2300"/>
+              <a:defRPr sz="2400"/>
             </a:lvl2pPr>
             <a:lvl3pPr>
-              <a:defRPr sz="1900"/>
+              <a:defRPr sz="2000"/>
             </a:lvl3pPr>
             <a:lvl4pPr>
-              <a:defRPr sz="1700"/>
+              <a:defRPr sz="1800"/>
             </a:lvl4pPr>
             <a:lvl5pPr>
-              <a:defRPr sz="1700"/>
+              <a:defRPr sz="1800"/>
             </a:lvl5pPr>
             <a:lvl6pPr>
-              <a:defRPr sz="1700"/>
+              <a:defRPr sz="1800"/>
             </a:lvl6pPr>
             <a:lvl7pPr>
-              <a:defRPr sz="1700"/>
+              <a:defRPr sz="1800"/>
             </a:lvl7pPr>
             <a:lvl8pPr>
-              <a:defRPr sz="1700"/>
+              <a:defRPr sz="1800"/>
             </a:lvl8pPr>
             <a:lvl9pPr>
-              <a:defRPr sz="1700"/>
+              <a:defRPr sz="1800"/>
             </a:lvl9pPr>
           </a:lstStyle>
           <a:p>
@@ -1678,7 +1236,7 @@
               <a:rPr lang="en-US" smtClean="0"/>
               <a:t>Fifth level</a:t>
             </a:r>
-            <a:endParaRPr lang="en-US"/>
+            <a:endParaRPr lang="en-SG"/>
           </a:p>
         </p:txBody>
       </p:sp>
@@ -1694,7 +1252,7 @@
         </p:nvSpPr>
         <p:spPr>
           <a:xfrm>
-            <a:off x="4648200" y="1600203"/>
+            <a:off x="4648200" y="1600200"/>
             <a:ext cx="4038600" cy="4525963"/>
           </a:xfrm>
         </p:spPr>
@@ -1702,31 +1260,31 @@
           <a:bodyPr/>
           <a:lstStyle>
             <a:lvl1pPr>
-              <a:defRPr sz="2700"/>
+              <a:defRPr sz="2800"/>
             </a:lvl1pPr>
             <a:lvl2pPr>
-              <a:defRPr sz="2300"/>
+              <a:defRPr sz="2400"/>
             </a:lvl2pPr>
             <a:lvl3pPr>
-              <a:defRPr sz="1900"/>
+              <a:defRPr sz="2000"/>
             </a:lvl3pPr>
             <a:lvl4pPr>
-              <a:defRPr sz="1700"/>
+              <a:defRPr sz="1800"/>
             </a:lvl4pPr>
             <a:lvl5pPr>
-              <a:defRPr sz="1700"/>
+              <a:defRPr sz="1800"/>
             </a:lvl5pPr>
             <a:lvl6pPr>
-              <a:defRPr sz="1700"/>
+              <a:defRPr sz="1800"/>
             </a:lvl6pPr>
             <a:lvl7pPr>
-              <a:defRPr sz="1700"/>
+              <a:defRPr sz="1800"/>
             </a:lvl7pPr>
             <a:lvl8pPr>
-              <a:defRPr sz="1700"/>
+              <a:defRPr sz="1800"/>
             </a:lvl8pPr>
             <a:lvl9pPr>
-              <a:defRPr sz="1700"/>
+              <a:defRPr sz="1800"/>
             </a:lvl9pPr>
           </a:lstStyle>
           <a:p>
@@ -1763,7 +1321,7 @@
               <a:rPr lang="en-US" smtClean="0"/>
               <a:t>Fifth level</a:t>
             </a:r>
-            <a:endParaRPr lang="en-US"/>
+            <a:endParaRPr lang="en-SG"/>
           </a:p>
         </p:txBody>
       </p:sp>
@@ -1782,7 +1340,11 @@
           <a:bodyPr/>
           <a:lstStyle/>
           <a:p>
-            <a:endParaRPr lang="en-US"/>
+            <a:fld id="{A0F86979-30DA-49EE-A740-32EBA6D2B7DE}" type="datetimeFigureOut">
+              <a:rPr lang="en-SG" smtClean="0"/>
+              <a:t>2/6/2017</a:t>
+            </a:fld>
+            <a:endParaRPr lang="en-SG"/>
           </a:p>
         </p:txBody>
       </p:sp>
@@ -1801,7 +1363,7 @@
           <a:bodyPr/>
           <a:lstStyle/>
           <a:p>
-            <a:endParaRPr lang="en-US"/>
+            <a:endParaRPr lang="en-SG"/>
           </a:p>
         </p:txBody>
       </p:sp>
@@ -1820,16 +1382,20 @@
           <a:bodyPr/>
           <a:lstStyle/>
           <a:p>
-            <a:fld id="{5B8905EB-9186-4B9B-BEF9-C6B1CD50847D}" type="slidenum">
-              <a:rPr lang="en-US" smtClean="0"/>
-              <a:pPr/>
+            <a:fld id="{EBF7C7F7-E270-4260-A412-76A75D6182AD}" type="slidenum">
+              <a:rPr lang="en-SG" smtClean="0"/>
               <a:t>‹#›</a:t>
             </a:fld>
-            <a:endParaRPr lang="en-US"/>
+            <a:endParaRPr lang="en-SG"/>
           </a:p>
         </p:txBody>
       </p:sp>
     </p:spTree>
+    <p:extLst>
+      <p:ext uri="{BB962C8B-B14F-4D97-AF65-F5344CB8AC3E}">
+        <p14:creationId xmlns:p14="http://schemas.microsoft.com/office/powerpoint/2010/main" val="168309803"/>
+      </p:ext>
+    </p:extLst>
   </p:cSld>
   <p:clrMapOvr>
     <a:masterClrMapping/>
@@ -1866,26 +1432,18 @@
         </p:nvSpPr>
         <p:spPr/>
         <p:txBody>
-          <a:bodyPr>
-            <a:normAutofit/>
-          </a:bodyPr>
+          <a:bodyPr/>
           <a:lstStyle>
-            <a:lvl1pPr algn="l">
-              <a:defRPr sz="3800">
-                <a:solidFill>
-                  <a:schemeClr val="accent6">
-                    <a:lumMod val="75000"/>
-                  </a:schemeClr>
-                </a:solidFill>
-              </a:defRPr>
+            <a:lvl1pPr>
+              <a:defRPr/>
             </a:lvl1pPr>
           </a:lstStyle>
           <a:p>
             <a:r>
-              <a:rPr lang="en-US" dirty="0" smtClean="0"/>
+              <a:rPr lang="en-US" smtClean="0"/>
               <a:t>Click to edit Master title style</a:t>
             </a:r>
-            <a:endParaRPr lang="en-US" dirty="0"/>
+            <a:endParaRPr lang="en-SG"/>
           </a:p>
         </p:txBody>
       </p:sp>
@@ -1901,8 +1459,8 @@
         </p:nvSpPr>
         <p:spPr>
           <a:xfrm>
-            <a:off x="457200" y="1535114"/>
-            <a:ext cx="4040187" cy="639762"/>
+            <a:off x="457200" y="1535113"/>
+            <a:ext cx="4040188" cy="639762"/>
           </a:xfrm>
         </p:spPr>
         <p:txBody>
@@ -1910,37 +1468,37 @@
           <a:lstStyle>
             <a:lvl1pPr marL="0" indent="0">
               <a:buNone/>
-              <a:defRPr sz="2300" b="1"/>
+              <a:defRPr sz="2400" b="1"/>
             </a:lvl1pPr>
-            <a:lvl2pPr marL="436366" indent="0">
-              <a:buNone/>
-              <a:defRPr sz="1900" b="1"/>
+            <a:lvl2pPr marL="457200" indent="0">
+              <a:buNone/>
+              <a:defRPr sz="2000" b="1"/>
             </a:lvl2pPr>
-            <a:lvl3pPr marL="872733" indent="0">
-              <a:buNone/>
-              <a:defRPr sz="1700" b="1"/>
+            <a:lvl3pPr marL="914400" indent="0">
+              <a:buNone/>
+              <a:defRPr sz="1800" b="1"/>
             </a:lvl3pPr>
-            <a:lvl4pPr marL="1309099" indent="0">
+            <a:lvl4pPr marL="1371600" indent="0">
               <a:buNone/>
               <a:defRPr sz="1600" b="1"/>
             </a:lvl4pPr>
-            <a:lvl5pPr marL="1745465" indent="0">
+            <a:lvl5pPr marL="1828800" indent="0">
               <a:buNone/>
               <a:defRPr sz="1600" b="1"/>
             </a:lvl5pPr>
-            <a:lvl6pPr marL="2181832" indent="0">
+            <a:lvl6pPr marL="2286000" indent="0">
               <a:buNone/>
               <a:defRPr sz="1600" b="1"/>
             </a:lvl6pPr>
-            <a:lvl7pPr marL="2618199" indent="0">
+            <a:lvl7pPr marL="2743200" indent="0">
               <a:buNone/>
               <a:defRPr sz="1600" b="1"/>
             </a:lvl7pPr>
-            <a:lvl8pPr marL="3054566" indent="0">
+            <a:lvl8pPr marL="3200400" indent="0">
               <a:buNone/>
               <a:defRPr sz="1600" b="1"/>
             </a:lvl8pPr>
-            <a:lvl9pPr marL="3490932" indent="0">
+            <a:lvl9pPr marL="3657600" indent="0">
               <a:buNone/>
               <a:defRPr sz="1600" b="1"/>
             </a:lvl9pPr>
@@ -1966,21 +1524,21 @@
         </p:nvSpPr>
         <p:spPr>
           <a:xfrm>
-            <a:off x="457200" y="2174876"/>
-            <a:ext cx="4040187" cy="3951288"/>
+            <a:off x="457200" y="2174875"/>
+            <a:ext cx="4040188" cy="3951288"/>
           </a:xfrm>
         </p:spPr>
         <p:txBody>
           <a:bodyPr/>
           <a:lstStyle>
             <a:lvl1pPr>
-              <a:defRPr sz="2300"/>
+              <a:defRPr sz="2400"/>
             </a:lvl1pPr>
             <a:lvl2pPr>
-              <a:defRPr sz="1900"/>
+              <a:defRPr sz="2000"/>
             </a:lvl2pPr>
             <a:lvl3pPr>
-              <a:defRPr sz="1700"/>
+              <a:defRPr sz="1800"/>
             </a:lvl3pPr>
             <a:lvl4pPr>
               <a:defRPr sz="1600"/>
@@ -2035,7 +1593,7 @@
               <a:rPr lang="en-US" smtClean="0"/>
               <a:t>Fifth level</a:t>
             </a:r>
-            <a:endParaRPr lang="en-US"/>
+            <a:endParaRPr lang="en-SG"/>
           </a:p>
         </p:txBody>
       </p:sp>
@@ -2051,7 +1609,7 @@
         </p:nvSpPr>
         <p:spPr>
           <a:xfrm>
-            <a:off x="4645026" y="1535114"/>
+            <a:off x="4645025" y="1535113"/>
             <a:ext cx="4041775" cy="639762"/>
           </a:xfrm>
         </p:spPr>
@@ -2060,37 +1618,37 @@
           <a:lstStyle>
             <a:lvl1pPr marL="0" indent="0">
               <a:buNone/>
-              <a:defRPr sz="2300" b="1"/>
+              <a:defRPr sz="2400" b="1"/>
             </a:lvl1pPr>
-            <a:lvl2pPr marL="436366" indent="0">
-              <a:buNone/>
-              <a:defRPr sz="1900" b="1"/>
+            <a:lvl2pPr marL="457200" indent="0">
+              <a:buNone/>
+              <a:defRPr sz="2000" b="1"/>
             </a:lvl2pPr>
-            <a:lvl3pPr marL="872733" indent="0">
-              <a:buNone/>
-              <a:defRPr sz="1700" b="1"/>
+            <a:lvl3pPr marL="914400" indent="0">
+              <a:buNone/>
+              <a:defRPr sz="1800" b="1"/>
             </a:lvl3pPr>
-            <a:lvl4pPr marL="1309099" indent="0">
+            <a:lvl4pPr marL="1371600" indent="0">
               <a:buNone/>
               <a:defRPr sz="1600" b="1"/>
             </a:lvl4pPr>
-            <a:lvl5pPr marL="1745465" indent="0">
+            <a:lvl5pPr marL="1828800" indent="0">
               <a:buNone/>
               <a:defRPr sz="1600" b="1"/>
             </a:lvl5pPr>
-            <a:lvl6pPr marL="2181832" indent="0">
+            <a:lvl6pPr marL="2286000" indent="0">
               <a:buNone/>
               <a:defRPr sz="1600" b="1"/>
             </a:lvl6pPr>
-            <a:lvl7pPr marL="2618199" indent="0">
+            <a:lvl7pPr marL="2743200" indent="0">
               <a:buNone/>
               <a:defRPr sz="1600" b="1"/>
             </a:lvl7pPr>
-            <a:lvl8pPr marL="3054566" indent="0">
+            <a:lvl8pPr marL="3200400" indent="0">
               <a:buNone/>
               <a:defRPr sz="1600" b="1"/>
             </a:lvl8pPr>
-            <a:lvl9pPr marL="3490932" indent="0">
+            <a:lvl9pPr marL="3657600" indent="0">
               <a:buNone/>
               <a:defRPr sz="1600" b="1"/>
             </a:lvl9pPr>
@@ -2116,7 +1674,7 @@
         </p:nvSpPr>
         <p:spPr>
           <a:xfrm>
-            <a:off x="4645026" y="2174876"/>
+            <a:off x="4645025" y="2174875"/>
             <a:ext cx="4041775" cy="3951288"/>
           </a:xfrm>
         </p:spPr>
@@ -2124,13 +1682,13 @@
           <a:bodyPr/>
           <a:lstStyle>
             <a:lvl1pPr>
-              <a:defRPr sz="2300"/>
+              <a:defRPr sz="2400"/>
             </a:lvl1pPr>
             <a:lvl2pPr>
-              <a:defRPr sz="1900"/>
+              <a:defRPr sz="2000"/>
             </a:lvl2pPr>
             <a:lvl3pPr>
-              <a:defRPr sz="1700"/>
+              <a:defRPr sz="1800"/>
             </a:lvl3pPr>
             <a:lvl4pPr>
               <a:defRPr sz="1600"/>
@@ -2185,7 +1743,7 @@
               <a:rPr lang="en-US" smtClean="0"/>
               <a:t>Fifth level</a:t>
             </a:r>
-            <a:endParaRPr lang="en-US"/>
+            <a:endParaRPr lang="en-SG"/>
           </a:p>
         </p:txBody>
       </p:sp>
@@ -2204,7 +1762,11 @@
           <a:bodyPr/>
           <a:lstStyle/>
           <a:p>
-            <a:endParaRPr lang="en-US"/>
+            <a:fld id="{A0F86979-30DA-49EE-A740-32EBA6D2B7DE}" type="datetimeFigureOut">
+              <a:rPr lang="en-SG" smtClean="0"/>
+              <a:t>2/6/2017</a:t>
+            </a:fld>
+            <a:endParaRPr lang="en-SG"/>
           </a:p>
         </p:txBody>
       </p:sp>
@@ -2223,7 +1785,7 @@
           <a:bodyPr/>
           <a:lstStyle/>
           <a:p>
-            <a:endParaRPr lang="en-US"/>
+            <a:endParaRPr lang="en-SG"/>
           </a:p>
         </p:txBody>
       </p:sp>
@@ -2242,27 +1804,24 @@
           <a:bodyPr/>
           <a:lstStyle/>
           <a:p>
-            <a:fld id="{5B8905EB-9186-4B9B-BEF9-C6B1CD50847D}" type="slidenum">
-              <a:rPr lang="en-US" smtClean="0"/>
-              <a:pPr/>
+            <a:fld id="{EBF7C7F7-E270-4260-A412-76A75D6182AD}" type="slidenum">
+              <a:rPr lang="en-SG" smtClean="0"/>
               <a:t>‹#›</a:t>
             </a:fld>
-            <a:endParaRPr lang="en-US"/>
+            <a:endParaRPr lang="en-SG"/>
           </a:p>
         </p:txBody>
       </p:sp>
     </p:spTree>
+    <p:extLst>
+      <p:ext uri="{BB962C8B-B14F-4D97-AF65-F5344CB8AC3E}">
+        <p14:creationId xmlns:p14="http://schemas.microsoft.com/office/powerpoint/2010/main" val="188146314"/>
+      </p:ext>
+    </p:extLst>
   </p:cSld>
   <p:clrMapOvr>
     <a:masterClrMapping/>
   </p:clrMapOvr>
-  <p:timing>
-    <p:tnLst>
-      <p:par>
-        <p:cTn id="1" dur="indefinite" restart="never" nodeType="tmRoot"/>
-      </p:par>
-    </p:tnLst>
-  </p:timing>
 </p:sldLayout>
 </file>
 
@@ -2302,7 +1861,7 @@
               <a:rPr lang="en-US" smtClean="0"/>
               <a:t>Click to edit Master title style</a:t>
             </a:r>
-            <a:endParaRPr lang="en-US"/>
+            <a:endParaRPr lang="en-SG"/>
           </a:p>
         </p:txBody>
       </p:sp>
@@ -2321,7 +1880,11 @@
           <a:bodyPr/>
           <a:lstStyle/>
           <a:p>
-            <a:endParaRPr lang="en-US"/>
+            <a:fld id="{A0F86979-30DA-49EE-A740-32EBA6D2B7DE}" type="datetimeFigureOut">
+              <a:rPr lang="en-SG" smtClean="0"/>
+              <a:t>2/6/2017</a:t>
+            </a:fld>
+            <a:endParaRPr lang="en-SG"/>
           </a:p>
         </p:txBody>
       </p:sp>
@@ -2340,7 +1903,7 @@
           <a:bodyPr/>
           <a:lstStyle/>
           <a:p>
-            <a:endParaRPr lang="en-US"/>
+            <a:endParaRPr lang="en-SG"/>
           </a:p>
         </p:txBody>
       </p:sp>
@@ -2359,16 +1922,20 @@
           <a:bodyPr/>
           <a:lstStyle/>
           <a:p>
-            <a:fld id="{5B8905EB-9186-4B9B-BEF9-C6B1CD50847D}" type="slidenum">
-              <a:rPr lang="en-US" smtClean="0"/>
-              <a:pPr/>
+            <a:fld id="{EBF7C7F7-E270-4260-A412-76A75D6182AD}" type="slidenum">
+              <a:rPr lang="en-SG" smtClean="0"/>
               <a:t>‹#›</a:t>
             </a:fld>
-            <a:endParaRPr lang="en-US"/>
+            <a:endParaRPr lang="en-SG"/>
           </a:p>
         </p:txBody>
       </p:sp>
     </p:spTree>
+    <p:extLst>
+      <p:ext uri="{BB962C8B-B14F-4D97-AF65-F5344CB8AC3E}">
+        <p14:creationId xmlns:p14="http://schemas.microsoft.com/office/powerpoint/2010/main" val="3909473291"/>
+      </p:ext>
+    </p:extLst>
   </p:cSld>
   <p:clrMapOvr>
     <a:masterClrMapping/>
@@ -2408,7 +1975,11 @@
           <a:bodyPr/>
           <a:lstStyle/>
           <a:p>
-            <a:endParaRPr lang="en-US"/>
+            <a:fld id="{A0F86979-30DA-49EE-A740-32EBA6D2B7DE}" type="datetimeFigureOut">
+              <a:rPr lang="en-SG" smtClean="0"/>
+              <a:t>2/6/2017</a:t>
+            </a:fld>
+            <a:endParaRPr lang="en-SG"/>
           </a:p>
         </p:txBody>
       </p:sp>
@@ -2427,7 +1998,7 @@
           <a:bodyPr/>
           <a:lstStyle/>
           <a:p>
-            <a:endParaRPr lang="en-US"/>
+            <a:endParaRPr lang="en-SG"/>
           </a:p>
         </p:txBody>
       </p:sp>
@@ -2446,16 +2017,20 @@
           <a:bodyPr/>
           <a:lstStyle/>
           <a:p>
-            <a:fld id="{5B8905EB-9186-4B9B-BEF9-C6B1CD50847D}" type="slidenum">
-              <a:rPr lang="en-US" smtClean="0"/>
-              <a:pPr/>
+            <a:fld id="{EBF7C7F7-E270-4260-A412-76A75D6182AD}" type="slidenum">
+              <a:rPr lang="en-SG" smtClean="0"/>
               <a:t>‹#›</a:t>
             </a:fld>
-            <a:endParaRPr lang="en-US"/>
+            <a:endParaRPr lang="en-SG"/>
           </a:p>
         </p:txBody>
       </p:sp>
     </p:spTree>
+    <p:extLst>
+      <p:ext uri="{BB962C8B-B14F-4D97-AF65-F5344CB8AC3E}">
+        <p14:creationId xmlns:p14="http://schemas.microsoft.com/office/powerpoint/2010/main" val="3259271892"/>
+      </p:ext>
+    </p:extLst>
   </p:cSld>
   <p:clrMapOvr>
     <a:masterClrMapping/>
@@ -2492,15 +2067,15 @@
         </p:nvSpPr>
         <p:spPr>
           <a:xfrm>
-            <a:off x="457201" y="273050"/>
-            <a:ext cx="3008314" cy="1162050"/>
+            <a:off x="457200" y="273050"/>
+            <a:ext cx="3008313" cy="1162050"/>
           </a:xfrm>
         </p:spPr>
         <p:txBody>
           <a:bodyPr anchor="b"/>
           <a:lstStyle>
             <a:lvl1pPr algn="l">
-              <a:defRPr sz="1900" b="1"/>
+              <a:defRPr sz="2000" b="1"/>
             </a:lvl1pPr>
           </a:lstStyle>
           <a:p>
@@ -2508,7 +2083,7 @@
               <a:rPr lang="en-US" smtClean="0"/>
               <a:t>Click to edit Master title style</a:t>
             </a:r>
-            <a:endParaRPr lang="en-US"/>
+            <a:endParaRPr lang="en-SG"/>
           </a:p>
         </p:txBody>
       </p:sp>
@@ -2524,39 +2099,39 @@
         </p:nvSpPr>
         <p:spPr>
           <a:xfrm>
-            <a:off x="3575049" y="273053"/>
-            <a:ext cx="5111751" cy="5853113"/>
+            <a:off x="3575050" y="273050"/>
+            <a:ext cx="5111750" cy="5853113"/>
           </a:xfrm>
         </p:spPr>
         <p:txBody>
           <a:bodyPr/>
           <a:lstStyle>
             <a:lvl1pPr>
-              <a:defRPr sz="3000"/>
+              <a:defRPr sz="3200"/>
             </a:lvl1pPr>
             <a:lvl2pPr>
-              <a:defRPr sz="2700"/>
+              <a:defRPr sz="2800"/>
             </a:lvl2pPr>
             <a:lvl3pPr>
-              <a:defRPr sz="2300"/>
+              <a:defRPr sz="2400"/>
             </a:lvl3pPr>
             <a:lvl4pPr>
-              <a:defRPr sz="1900"/>
+              <a:defRPr sz="2000"/>
             </a:lvl4pPr>
             <a:lvl5pPr>
-              <a:defRPr sz="1900"/>
+              <a:defRPr sz="2000"/>
             </a:lvl5pPr>
             <a:lvl6pPr>
-              <a:defRPr sz="1900"/>
+              <a:defRPr sz="2000"/>
             </a:lvl6pPr>
             <a:lvl7pPr>
-              <a:defRPr sz="1900"/>
+              <a:defRPr sz="2000"/>
             </a:lvl7pPr>
             <a:lvl8pPr>
-              <a:defRPr sz="1900"/>
+              <a:defRPr sz="2000"/>
             </a:lvl8pPr>
             <a:lvl9pPr>
-              <a:defRPr sz="1900"/>
+              <a:defRPr sz="2000"/>
             </a:lvl9pPr>
           </a:lstStyle>
           <a:p>
@@ -2593,7 +2168,7 @@
               <a:rPr lang="en-US" smtClean="0"/>
               <a:t>Fifth level</a:t>
             </a:r>
-            <a:endParaRPr lang="en-US"/>
+            <a:endParaRPr lang="en-SG"/>
           </a:p>
         </p:txBody>
       </p:sp>
@@ -2609,8 +2184,8 @@
         </p:nvSpPr>
         <p:spPr>
           <a:xfrm>
-            <a:off x="457201" y="1435103"/>
-            <a:ext cx="3008314" cy="4691063"/>
+            <a:off x="457200" y="1435100"/>
+            <a:ext cx="3008313" cy="4691063"/>
           </a:xfrm>
         </p:spPr>
         <p:txBody>
@@ -2620,37 +2195,37 @@
               <a:buNone/>
               <a:defRPr sz="1400"/>
             </a:lvl1pPr>
-            <a:lvl2pPr marL="436366" indent="0">
-              <a:buNone/>
-              <a:defRPr sz="1100"/>
+            <a:lvl2pPr marL="457200" indent="0">
+              <a:buNone/>
+              <a:defRPr sz="1200"/>
             </a:lvl2pPr>
-            <a:lvl3pPr marL="872733" indent="0">
+            <a:lvl3pPr marL="914400" indent="0">
+              <a:buNone/>
+              <a:defRPr sz="1000"/>
+            </a:lvl3pPr>
+            <a:lvl4pPr marL="1371600" indent="0">
               <a:buNone/>
               <a:defRPr sz="900"/>
-            </a:lvl3pPr>
-            <a:lvl4pPr marL="1309099" indent="0">
-              <a:buNone/>
-              <a:defRPr sz="800"/>
             </a:lvl4pPr>
-            <a:lvl5pPr marL="1745465" indent="0">
-              <a:buNone/>
-              <a:defRPr sz="800"/>
+            <a:lvl5pPr marL="1828800" indent="0">
+              <a:buNone/>
+              <a:defRPr sz="900"/>
             </a:lvl5pPr>
-            <a:lvl6pPr marL="2181832" indent="0">
-              <a:buNone/>
-              <a:defRPr sz="800"/>
+            <a:lvl6pPr marL="2286000" indent="0">
+              <a:buNone/>
+              <a:defRPr sz="900"/>
             </a:lvl6pPr>
-            <a:lvl7pPr marL="2618199" indent="0">
-              <a:buNone/>
-              <a:defRPr sz="800"/>
+            <a:lvl7pPr marL="2743200" indent="0">
+              <a:buNone/>
+              <a:defRPr sz="900"/>
             </a:lvl7pPr>
-            <a:lvl8pPr marL="3054566" indent="0">
-              <a:buNone/>
-              <a:defRPr sz="800"/>
+            <a:lvl8pPr marL="3200400" indent="0">
+              <a:buNone/>
+              <a:defRPr sz="900"/>
             </a:lvl8pPr>
-            <a:lvl9pPr marL="3490932" indent="0">
-              <a:buNone/>
-              <a:defRPr sz="800"/>
+            <a:lvl9pPr marL="3657600" indent="0">
+              <a:buNone/>
+              <a:defRPr sz="900"/>
             </a:lvl9pPr>
           </a:lstStyle>
           <a:p>
@@ -2677,7 +2252,11 @@
           <a:bodyPr/>
           <a:lstStyle/>
           <a:p>
-            <a:endParaRPr lang="en-US"/>
+            <a:fld id="{A0F86979-30DA-49EE-A740-32EBA6D2B7DE}" type="datetimeFigureOut">
+              <a:rPr lang="en-SG" smtClean="0"/>
+              <a:t>2/6/2017</a:t>
+            </a:fld>
+            <a:endParaRPr lang="en-SG"/>
           </a:p>
         </p:txBody>
       </p:sp>
@@ -2696,7 +2275,7 @@
           <a:bodyPr/>
           <a:lstStyle/>
           <a:p>
-            <a:endParaRPr lang="en-US"/>
+            <a:endParaRPr lang="en-SG"/>
           </a:p>
         </p:txBody>
       </p:sp>
@@ -2715,16 +2294,20 @@
           <a:bodyPr/>
           <a:lstStyle/>
           <a:p>
-            <a:fld id="{5B8905EB-9186-4B9B-BEF9-C6B1CD50847D}" type="slidenum">
-              <a:rPr lang="en-US" smtClean="0"/>
-              <a:pPr/>
+            <a:fld id="{EBF7C7F7-E270-4260-A412-76A75D6182AD}" type="slidenum">
+              <a:rPr lang="en-SG" smtClean="0"/>
               <a:t>‹#›</a:t>
             </a:fld>
-            <a:endParaRPr lang="en-US"/>
+            <a:endParaRPr lang="en-SG"/>
           </a:p>
         </p:txBody>
       </p:sp>
     </p:spTree>
+    <p:extLst>
+      <p:ext uri="{BB962C8B-B14F-4D97-AF65-F5344CB8AC3E}">
+        <p14:creationId xmlns:p14="http://schemas.microsoft.com/office/powerpoint/2010/main" val="2859859922"/>
+      </p:ext>
+    </p:extLst>
   </p:cSld>
   <p:clrMapOvr>
     <a:masterClrMapping/>
@@ -2761,7 +2344,7 @@
         </p:nvSpPr>
         <p:spPr>
           <a:xfrm>
-            <a:off x="1792287" y="4800601"/>
+            <a:off x="1792288" y="4800600"/>
             <a:ext cx="5486400" cy="566738"/>
           </a:xfrm>
         </p:spPr>
@@ -2769,7 +2352,7 @@
           <a:bodyPr anchor="b"/>
           <a:lstStyle>
             <a:lvl1pPr algn="l">
-              <a:defRPr sz="1900" b="1"/>
+              <a:defRPr sz="2000" b="1"/>
             </a:lvl1pPr>
           </a:lstStyle>
           <a:p>
@@ -2777,7 +2360,7 @@
               <a:rPr lang="en-US" smtClean="0"/>
               <a:t>Click to edit Master title style</a:t>
             </a:r>
-            <a:endParaRPr lang="en-US"/>
+            <a:endParaRPr lang="en-SG"/>
           </a:p>
         </p:txBody>
       </p:sp>
@@ -2793,7 +2376,7 @@
         </p:nvSpPr>
         <p:spPr>
           <a:xfrm>
-            <a:off x="1792287" y="612775"/>
+            <a:off x="1792288" y="612775"/>
             <a:ext cx="5486400" cy="4114800"/>
           </a:xfrm>
         </p:spPr>
@@ -2802,43 +2385,43 @@
           <a:lstStyle>
             <a:lvl1pPr marL="0" indent="0">
               <a:buNone/>
-              <a:defRPr sz="3000"/>
+              <a:defRPr sz="3200"/>
             </a:lvl1pPr>
-            <a:lvl2pPr marL="436366" indent="0">
-              <a:buNone/>
-              <a:defRPr sz="2700"/>
+            <a:lvl2pPr marL="457200" indent="0">
+              <a:buNone/>
+              <a:defRPr sz="2800"/>
             </a:lvl2pPr>
-            <a:lvl3pPr marL="872733" indent="0">
-              <a:buNone/>
-              <a:defRPr sz="2300"/>
+            <a:lvl3pPr marL="914400" indent="0">
+              <a:buNone/>
+              <a:defRPr sz="2400"/>
             </a:lvl3pPr>
-            <a:lvl4pPr marL="1309099" indent="0">
-              <a:buNone/>
-              <a:defRPr sz="1900"/>
+            <a:lvl4pPr marL="1371600" indent="0">
+              <a:buNone/>
+              <a:defRPr sz="2000"/>
             </a:lvl4pPr>
-            <a:lvl5pPr marL="1745465" indent="0">
-              <a:buNone/>
-              <a:defRPr sz="1900"/>
+            <a:lvl5pPr marL="1828800" indent="0">
+              <a:buNone/>
+              <a:defRPr sz="2000"/>
             </a:lvl5pPr>
-            <a:lvl6pPr marL="2181832" indent="0">
-              <a:buNone/>
-              <a:defRPr sz="1900"/>
+            <a:lvl6pPr marL="2286000" indent="0">
+              <a:buNone/>
+              <a:defRPr sz="2000"/>
             </a:lvl6pPr>
-            <a:lvl7pPr marL="2618199" indent="0">
-              <a:buNone/>
-              <a:defRPr sz="1900"/>
+            <a:lvl7pPr marL="2743200" indent="0">
+              <a:buNone/>
+              <a:defRPr sz="2000"/>
             </a:lvl7pPr>
-            <a:lvl8pPr marL="3054566" indent="0">
-              <a:buNone/>
-              <a:defRPr sz="1900"/>
+            <a:lvl8pPr marL="3200400" indent="0">
+              <a:buNone/>
+              <a:defRPr sz="2000"/>
             </a:lvl8pPr>
-            <a:lvl9pPr marL="3490932" indent="0">
-              <a:buNone/>
-              <a:defRPr sz="1900"/>
+            <a:lvl9pPr marL="3657600" indent="0">
+              <a:buNone/>
+              <a:defRPr sz="2000"/>
             </a:lvl9pPr>
           </a:lstStyle>
           <a:p>
-            <a:endParaRPr lang="en-US"/>
+            <a:endParaRPr lang="en-SG"/>
           </a:p>
         </p:txBody>
       </p:sp>
@@ -2854,7 +2437,7 @@
         </p:nvSpPr>
         <p:spPr>
           <a:xfrm>
-            <a:off x="1792287" y="5367339"/>
+            <a:off x="1792288" y="5367338"/>
             <a:ext cx="5486400" cy="804862"/>
           </a:xfrm>
         </p:spPr>
@@ -2865,37 +2448,37 @@
               <a:buNone/>
               <a:defRPr sz="1400"/>
             </a:lvl1pPr>
-            <a:lvl2pPr marL="436366" indent="0">
-              <a:buNone/>
-              <a:defRPr sz="1100"/>
+            <a:lvl2pPr marL="457200" indent="0">
+              <a:buNone/>
+              <a:defRPr sz="1200"/>
             </a:lvl2pPr>
-            <a:lvl3pPr marL="872733" indent="0">
+            <a:lvl3pPr marL="914400" indent="0">
+              <a:buNone/>
+              <a:defRPr sz="1000"/>
+            </a:lvl3pPr>
+            <a:lvl4pPr marL="1371600" indent="0">
               <a:buNone/>
               <a:defRPr sz="900"/>
-            </a:lvl3pPr>
-            <a:lvl4pPr marL="1309099" indent="0">
-              <a:buNone/>
-              <a:defRPr sz="800"/>
             </a:lvl4pPr>
-            <a:lvl5pPr marL="1745465" indent="0">
-              <a:buNone/>
-              <a:defRPr sz="800"/>
+            <a:lvl5pPr marL="1828800" indent="0">
+              <a:buNone/>
+              <a:defRPr sz="900"/>
             </a:lvl5pPr>
-            <a:lvl6pPr marL="2181832" indent="0">
-              <a:buNone/>
-              <a:defRPr sz="800"/>
+            <a:lvl6pPr marL="2286000" indent="0">
+              <a:buNone/>
+              <a:defRPr sz="900"/>
             </a:lvl6pPr>
-            <a:lvl7pPr marL="2618199" indent="0">
-              <a:buNone/>
-              <a:defRPr sz="800"/>
+            <a:lvl7pPr marL="2743200" indent="0">
+              <a:buNone/>
+              <a:defRPr sz="900"/>
             </a:lvl7pPr>
-            <a:lvl8pPr marL="3054566" indent="0">
-              <a:buNone/>
-              <a:defRPr sz="800"/>
+            <a:lvl8pPr marL="3200400" indent="0">
+              <a:buNone/>
+              <a:defRPr sz="900"/>
             </a:lvl8pPr>
-            <a:lvl9pPr marL="3490932" indent="0">
-              <a:buNone/>
-              <a:defRPr sz="800"/>
+            <a:lvl9pPr marL="3657600" indent="0">
+              <a:buNone/>
+              <a:defRPr sz="900"/>
             </a:lvl9pPr>
           </a:lstStyle>
           <a:p>
@@ -2922,7 +2505,11 @@
           <a:bodyPr/>
           <a:lstStyle/>
           <a:p>
-            <a:endParaRPr lang="en-US"/>
+            <a:fld id="{A0F86979-30DA-49EE-A740-32EBA6D2B7DE}" type="datetimeFigureOut">
+              <a:rPr lang="en-SG" smtClean="0"/>
+              <a:t>2/6/2017</a:t>
+            </a:fld>
+            <a:endParaRPr lang="en-SG"/>
           </a:p>
         </p:txBody>
       </p:sp>
@@ -2941,7 +2528,7 @@
           <a:bodyPr/>
           <a:lstStyle/>
           <a:p>
-            <a:endParaRPr lang="en-US"/>
+            <a:endParaRPr lang="en-SG"/>
           </a:p>
         </p:txBody>
       </p:sp>
@@ -2960,16 +2547,20 @@
           <a:bodyPr/>
           <a:lstStyle/>
           <a:p>
-            <a:fld id="{5B8905EB-9186-4B9B-BEF9-C6B1CD50847D}" type="slidenum">
-              <a:rPr lang="en-US" smtClean="0"/>
-              <a:pPr/>
+            <a:fld id="{EBF7C7F7-E270-4260-A412-76A75D6182AD}" type="slidenum">
+              <a:rPr lang="en-SG" smtClean="0"/>
               <a:t>‹#›</a:t>
             </a:fld>
-            <a:endParaRPr lang="en-US"/>
+            <a:endParaRPr lang="en-SG"/>
           </a:p>
         </p:txBody>
       </p:sp>
     </p:spTree>
+    <p:extLst>
+      <p:ext uri="{BB962C8B-B14F-4D97-AF65-F5344CB8AC3E}">
+        <p14:creationId xmlns:p14="http://schemas.microsoft.com/office/powerpoint/2010/main" val="1672414452"/>
+      </p:ext>
+    </p:extLst>
   </p:cSld>
   <p:clrMapOvr>
     <a:masterClrMapping/>
@@ -3019,7 +2610,7 @@
           </a:prstGeom>
         </p:spPr>
         <p:txBody>
-          <a:bodyPr vert="horz" lIns="87273" tIns="43637" rIns="87273" bIns="43637" rtlCol="0" anchor="ctr">
+          <a:bodyPr vert="horz" lIns="91440" tIns="45720" rIns="91440" bIns="45720" rtlCol="0" anchor="ctr">
             <a:normAutofit/>
           </a:bodyPr>
           <a:lstStyle/>
@@ -3028,7 +2619,7 @@
               <a:rPr lang="en-US" smtClean="0"/>
               <a:t>Click to edit Master title style</a:t>
             </a:r>
-            <a:endParaRPr lang="en-US"/>
+            <a:endParaRPr lang="en-SG"/>
           </a:p>
         </p:txBody>
       </p:sp>
@@ -3044,7 +2635,7 @@
         </p:nvSpPr>
         <p:spPr>
           <a:xfrm>
-            <a:off x="457200" y="1600203"/>
+            <a:off x="457200" y="1600200"/>
             <a:ext cx="8229600" cy="4525963"/>
           </a:xfrm>
           <a:prstGeom prst="rect">
@@ -3052,7 +2643,7 @@
           </a:prstGeom>
         </p:spPr>
         <p:txBody>
-          <a:bodyPr vert="horz" lIns="87273" tIns="43637" rIns="87273" bIns="43637" rtlCol="0">
+          <a:bodyPr vert="horz" lIns="91440" tIns="45720" rIns="91440" bIns="45720" rtlCol="0">
             <a:normAutofit/>
           </a:bodyPr>
           <a:lstStyle/>
@@ -3090,7 +2681,7 @@
               <a:rPr lang="en-US" smtClean="0"/>
               <a:t>Fifth level</a:t>
             </a:r>
-            <a:endParaRPr lang="en-US"/>
+            <a:endParaRPr lang="en-SG"/>
           </a:p>
         </p:txBody>
       </p:sp>
@@ -3106,7 +2697,7 @@
         </p:nvSpPr>
         <p:spPr>
           <a:xfrm>
-            <a:off x="457200" y="6356353"/>
+            <a:off x="457200" y="6356350"/>
             <a:ext cx="2133600" cy="365125"/>
           </a:xfrm>
           <a:prstGeom prst="rect">
@@ -3114,10 +2705,10 @@
           </a:prstGeom>
         </p:spPr>
         <p:txBody>
-          <a:bodyPr vert="horz" lIns="87273" tIns="43637" rIns="87273" bIns="43637" rtlCol="0" anchor="ctr"/>
+          <a:bodyPr vert="horz" lIns="91440" tIns="45720" rIns="91440" bIns="45720" rtlCol="0" anchor="ctr"/>
           <a:lstStyle>
             <a:lvl1pPr algn="l">
-              <a:defRPr sz="1100">
+              <a:defRPr sz="1200">
                 <a:solidFill>
                   <a:schemeClr val="tx1">
                     <a:tint val="75000"/>
@@ -3127,7 +2718,11 @@
             </a:lvl1pPr>
           </a:lstStyle>
           <a:p>
-            <a:endParaRPr lang="en-US"/>
+            <a:fld id="{A0F86979-30DA-49EE-A740-32EBA6D2B7DE}" type="datetimeFigureOut">
+              <a:rPr lang="en-SG" smtClean="0"/>
+              <a:t>2/6/2017</a:t>
+            </a:fld>
+            <a:endParaRPr lang="en-SG"/>
           </a:p>
         </p:txBody>
       </p:sp>
@@ -3143,7 +2738,7 @@
         </p:nvSpPr>
         <p:spPr>
           <a:xfrm>
-            <a:off x="3124200" y="6356353"/>
+            <a:off x="3124200" y="6356350"/>
             <a:ext cx="2895600" cy="365125"/>
           </a:xfrm>
           <a:prstGeom prst="rect">
@@ -3151,10 +2746,10 @@
           </a:prstGeom>
         </p:spPr>
         <p:txBody>
-          <a:bodyPr vert="horz" lIns="87273" tIns="43637" rIns="87273" bIns="43637" rtlCol="0" anchor="ctr"/>
+          <a:bodyPr vert="horz" lIns="91440" tIns="45720" rIns="91440" bIns="45720" rtlCol="0" anchor="ctr"/>
           <a:lstStyle>
             <a:lvl1pPr algn="ctr">
-              <a:defRPr sz="1100">
+              <a:defRPr sz="1200">
                 <a:solidFill>
                   <a:schemeClr val="tx1">
                     <a:tint val="75000"/>
@@ -3164,7 +2759,7 @@
             </a:lvl1pPr>
           </a:lstStyle>
           <a:p>
-            <a:endParaRPr lang="en-US"/>
+            <a:endParaRPr lang="en-SG"/>
           </a:p>
         </p:txBody>
       </p:sp>
@@ -3180,7 +2775,7 @@
         </p:nvSpPr>
         <p:spPr>
           <a:xfrm>
-            <a:off x="6553200" y="6356353"/>
+            <a:off x="6553200" y="6356350"/>
             <a:ext cx="2133600" cy="365125"/>
           </a:xfrm>
           <a:prstGeom prst="rect">
@@ -3188,10 +2783,10 @@
           </a:prstGeom>
         </p:spPr>
         <p:txBody>
-          <a:bodyPr vert="horz" lIns="87273" tIns="43637" rIns="87273" bIns="43637" rtlCol="0" anchor="ctr"/>
+          <a:bodyPr vert="horz" lIns="91440" tIns="45720" rIns="91440" bIns="45720" rtlCol="0" anchor="ctr"/>
           <a:lstStyle>
             <a:lvl1pPr algn="r">
-              <a:defRPr sz="1100">
+              <a:defRPr sz="1200">
                 <a:solidFill>
                   <a:schemeClr val="tx1">
                     <a:tint val="75000"/>
@@ -3201,16 +2796,20 @@
             </a:lvl1pPr>
           </a:lstStyle>
           <a:p>
-            <a:fld id="{5B8905EB-9186-4B9B-BEF9-C6B1CD50847D}" type="slidenum">
-              <a:rPr lang="en-US" smtClean="0"/>
-              <a:pPr/>
+            <a:fld id="{EBF7C7F7-E270-4260-A412-76A75D6182AD}" type="slidenum">
+              <a:rPr lang="en-SG" smtClean="0"/>
               <a:t>‹#›</a:t>
             </a:fld>
-            <a:endParaRPr lang="en-US"/>
+            <a:endParaRPr lang="en-SG"/>
           </a:p>
         </p:txBody>
       </p:sp>
     </p:spTree>
+    <p:extLst>
+      <p:ext uri="{BB962C8B-B14F-4D97-AF65-F5344CB8AC3E}">
+        <p14:creationId xmlns:p14="http://schemas.microsoft.com/office/powerpoint/2010/main" val="1974023683"/>
+      </p:ext>
+    </p:extLst>
   </p:cSld>
   <p:clrMap bg1="lt1" tx1="dk1" bg2="lt2" tx2="dk2" accent1="accent1" accent2="accent2" accent3="accent3" accent4="accent4" accent5="accent5" accent6="accent6" hlink="hlink" folHlink="folHlink"/>
   <p:sldLayoutIdLst>
@@ -3226,15 +2825,14 @@
     <p:sldLayoutId id="2147483658" r:id="rId10"/>
     <p:sldLayoutId id="2147483659" r:id="rId11"/>
   </p:sldLayoutIdLst>
-  <p:hf hdr="0" ftr="0" dt="0"/>
   <p:txStyles>
     <p:titleStyle>
-      <a:lvl1pPr algn="ctr" defTabSz="872733" rtl="0" eaLnBrk="1" latinLnBrk="0" hangingPunct="1">
+      <a:lvl1pPr algn="ctr" defTabSz="914400" rtl="0" eaLnBrk="1" latinLnBrk="0" hangingPunct="1">
         <a:spcBef>
           <a:spcPct val="0"/>
         </a:spcBef>
         <a:buNone/>
-        <a:defRPr sz="4200" kern="1200">
+        <a:defRPr sz="4400" kern="1200">
           <a:solidFill>
             <a:schemeClr val="tx1"/>
           </a:solidFill>
@@ -3245,13 +2843,13 @@
       </a:lvl1pPr>
     </p:titleStyle>
     <p:bodyStyle>
-      <a:lvl1pPr marL="327275" indent="-327275" algn="l" defTabSz="872733" rtl="0" eaLnBrk="1" latinLnBrk="0" hangingPunct="1">
+      <a:lvl1pPr marL="342900" indent="-342900" algn="l" defTabSz="914400" rtl="0" eaLnBrk="1" latinLnBrk="0" hangingPunct="1">
         <a:spcBef>
           <a:spcPct val="20000"/>
         </a:spcBef>
-        <a:buFont typeface="Arial" pitchFamily="34" charset="0"/>
+        <a:buFont typeface="Arial" panose="020B0604020202020204" pitchFamily="34" charset="0"/>
         <a:buChar char="•"/>
-        <a:defRPr sz="3000" kern="1200">
+        <a:defRPr sz="3200" kern="1200">
           <a:solidFill>
             <a:schemeClr val="tx1"/>
           </a:solidFill>
@@ -3260,13 +2858,13 @@
           <a:cs typeface="+mn-cs"/>
         </a:defRPr>
       </a:lvl1pPr>
-      <a:lvl2pPr marL="709095" indent="-272729" algn="l" defTabSz="872733" rtl="0" eaLnBrk="1" latinLnBrk="0" hangingPunct="1">
+      <a:lvl2pPr marL="742950" indent="-285750" algn="l" defTabSz="914400" rtl="0" eaLnBrk="1" latinLnBrk="0" hangingPunct="1">
         <a:spcBef>
           <a:spcPct val="20000"/>
         </a:spcBef>
-        <a:buFont typeface="Arial" pitchFamily="34" charset="0"/>
+        <a:buFont typeface="Arial" panose="020B0604020202020204" pitchFamily="34" charset="0"/>
         <a:buChar char="–"/>
-        <a:defRPr sz="2700" kern="1200">
+        <a:defRPr sz="2800" kern="1200">
           <a:solidFill>
             <a:schemeClr val="tx1"/>
           </a:solidFill>
@@ -3275,13 +2873,13 @@
           <a:cs typeface="+mn-cs"/>
         </a:defRPr>
       </a:lvl2pPr>
-      <a:lvl3pPr marL="1090916" indent="-218183" algn="l" defTabSz="872733" rtl="0" eaLnBrk="1" latinLnBrk="0" hangingPunct="1">
+      <a:lvl3pPr marL="1143000" indent="-228600" algn="l" defTabSz="914400" rtl="0" eaLnBrk="1" latinLnBrk="0" hangingPunct="1">
         <a:spcBef>
           <a:spcPct val="20000"/>
         </a:spcBef>
-        <a:buFont typeface="Arial" pitchFamily="34" charset="0"/>
+        <a:buFont typeface="Arial" panose="020B0604020202020204" pitchFamily="34" charset="0"/>
         <a:buChar char="•"/>
-        <a:defRPr sz="2300" kern="1200">
+        <a:defRPr sz="2400" kern="1200">
           <a:solidFill>
             <a:schemeClr val="tx1"/>
           </a:solidFill>
@@ -3290,13 +2888,13 @@
           <a:cs typeface="+mn-cs"/>
         </a:defRPr>
       </a:lvl3pPr>
-      <a:lvl4pPr marL="1527282" indent="-218183" algn="l" defTabSz="872733" rtl="0" eaLnBrk="1" latinLnBrk="0" hangingPunct="1">
+      <a:lvl4pPr marL="1600200" indent="-228600" algn="l" defTabSz="914400" rtl="0" eaLnBrk="1" latinLnBrk="0" hangingPunct="1">
         <a:spcBef>
           <a:spcPct val="20000"/>
         </a:spcBef>
-        <a:buFont typeface="Arial" pitchFamily="34" charset="0"/>
+        <a:buFont typeface="Arial" panose="020B0604020202020204" pitchFamily="34" charset="0"/>
         <a:buChar char="–"/>
-        <a:defRPr sz="1900" kern="1200">
+        <a:defRPr sz="2000" kern="1200">
           <a:solidFill>
             <a:schemeClr val="tx1"/>
           </a:solidFill>
@@ -3305,13 +2903,13 @@
           <a:cs typeface="+mn-cs"/>
         </a:defRPr>
       </a:lvl4pPr>
-      <a:lvl5pPr marL="1963649" indent="-218183" algn="l" defTabSz="872733" rtl="0" eaLnBrk="1" latinLnBrk="0" hangingPunct="1">
+      <a:lvl5pPr marL="2057400" indent="-228600" algn="l" defTabSz="914400" rtl="0" eaLnBrk="1" latinLnBrk="0" hangingPunct="1">
         <a:spcBef>
           <a:spcPct val="20000"/>
         </a:spcBef>
-        <a:buFont typeface="Arial" pitchFamily="34" charset="0"/>
+        <a:buFont typeface="Arial" panose="020B0604020202020204" pitchFamily="34" charset="0"/>
         <a:buChar char="»"/>
-        <a:defRPr sz="1900" kern="1200">
+        <a:defRPr sz="2000" kern="1200">
           <a:solidFill>
             <a:schemeClr val="tx1"/>
           </a:solidFill>
@@ -3320,13 +2918,13 @@
           <a:cs typeface="+mn-cs"/>
         </a:defRPr>
       </a:lvl5pPr>
-      <a:lvl6pPr marL="2400015" indent="-218183" algn="l" defTabSz="872733" rtl="0" eaLnBrk="1" latinLnBrk="0" hangingPunct="1">
+      <a:lvl6pPr marL="2514600" indent="-228600" algn="l" defTabSz="914400" rtl="0" eaLnBrk="1" latinLnBrk="0" hangingPunct="1">
         <a:spcBef>
           <a:spcPct val="20000"/>
         </a:spcBef>
-        <a:buFont typeface="Arial" pitchFamily="34" charset="0"/>
+        <a:buFont typeface="Arial" panose="020B0604020202020204" pitchFamily="34" charset="0"/>
         <a:buChar char="•"/>
-        <a:defRPr sz="1900" kern="1200">
+        <a:defRPr sz="2000" kern="1200">
           <a:solidFill>
             <a:schemeClr val="tx1"/>
           </a:solidFill>
@@ -3335,13 +2933,13 @@
           <a:cs typeface="+mn-cs"/>
         </a:defRPr>
       </a:lvl6pPr>
-      <a:lvl7pPr marL="2836382" indent="-218183" algn="l" defTabSz="872733" rtl="0" eaLnBrk="1" latinLnBrk="0" hangingPunct="1">
+      <a:lvl7pPr marL="2971800" indent="-228600" algn="l" defTabSz="914400" rtl="0" eaLnBrk="1" latinLnBrk="0" hangingPunct="1">
         <a:spcBef>
           <a:spcPct val="20000"/>
         </a:spcBef>
-        <a:buFont typeface="Arial" pitchFamily="34" charset="0"/>
+        <a:buFont typeface="Arial" panose="020B0604020202020204" pitchFamily="34" charset="0"/>
         <a:buChar char="•"/>
-        <a:defRPr sz="1900" kern="1200">
+        <a:defRPr sz="2000" kern="1200">
           <a:solidFill>
             <a:schemeClr val="tx1"/>
           </a:solidFill>
@@ -3350,13 +2948,13 @@
           <a:cs typeface="+mn-cs"/>
         </a:defRPr>
       </a:lvl7pPr>
-      <a:lvl8pPr marL="3272749" indent="-218183" algn="l" defTabSz="872733" rtl="0" eaLnBrk="1" latinLnBrk="0" hangingPunct="1">
+      <a:lvl8pPr marL="3429000" indent="-228600" algn="l" defTabSz="914400" rtl="0" eaLnBrk="1" latinLnBrk="0" hangingPunct="1">
         <a:spcBef>
           <a:spcPct val="20000"/>
         </a:spcBef>
-        <a:buFont typeface="Arial" pitchFamily="34" charset="0"/>
+        <a:buFont typeface="Arial" panose="020B0604020202020204" pitchFamily="34" charset="0"/>
         <a:buChar char="•"/>
-        <a:defRPr sz="1900" kern="1200">
+        <a:defRPr sz="2000" kern="1200">
           <a:solidFill>
             <a:schemeClr val="tx1"/>
           </a:solidFill>
@@ -3365,13 +2963,13 @@
           <a:cs typeface="+mn-cs"/>
         </a:defRPr>
       </a:lvl8pPr>
-      <a:lvl9pPr marL="3709115" indent="-218183" algn="l" defTabSz="872733" rtl="0" eaLnBrk="1" latinLnBrk="0" hangingPunct="1">
+      <a:lvl9pPr marL="3886200" indent="-228600" algn="l" defTabSz="914400" rtl="0" eaLnBrk="1" latinLnBrk="0" hangingPunct="1">
         <a:spcBef>
           <a:spcPct val="20000"/>
         </a:spcBef>
-        <a:buFont typeface="Arial" pitchFamily="34" charset="0"/>
+        <a:buFont typeface="Arial" panose="020B0604020202020204" pitchFamily="34" charset="0"/>
         <a:buChar char="•"/>
-        <a:defRPr sz="1900" kern="1200">
+        <a:defRPr sz="2000" kern="1200">
           <a:solidFill>
             <a:schemeClr val="tx1"/>
           </a:solidFill>
@@ -3385,8 +2983,8 @@
       <a:defPPr>
         <a:defRPr lang="en-US"/>
       </a:defPPr>
-      <a:lvl1pPr marL="0" algn="l" defTabSz="872733" rtl="0" eaLnBrk="1" latinLnBrk="0" hangingPunct="1">
-        <a:defRPr sz="1700" kern="1200">
+      <a:lvl1pPr marL="0" algn="l" defTabSz="914400" rtl="0" eaLnBrk="1" latinLnBrk="0" hangingPunct="1">
+        <a:defRPr sz="1800" kern="1200">
           <a:solidFill>
             <a:schemeClr val="tx1"/>
           </a:solidFill>
@@ -3395,8 +2993,8 @@
           <a:cs typeface="+mn-cs"/>
         </a:defRPr>
       </a:lvl1pPr>
-      <a:lvl2pPr marL="436366" algn="l" defTabSz="872733" rtl="0" eaLnBrk="1" latinLnBrk="0" hangingPunct="1">
-        <a:defRPr sz="1700" kern="1200">
+      <a:lvl2pPr marL="457200" algn="l" defTabSz="914400" rtl="0" eaLnBrk="1" latinLnBrk="0" hangingPunct="1">
+        <a:defRPr sz="1800" kern="1200">
           <a:solidFill>
             <a:schemeClr val="tx1"/>
           </a:solidFill>
@@ -3405,8 +3003,8 @@
           <a:cs typeface="+mn-cs"/>
         </a:defRPr>
       </a:lvl2pPr>
-      <a:lvl3pPr marL="872733" algn="l" defTabSz="872733" rtl="0" eaLnBrk="1" latinLnBrk="0" hangingPunct="1">
-        <a:defRPr sz="1700" kern="1200">
+      <a:lvl3pPr marL="914400" algn="l" defTabSz="914400" rtl="0" eaLnBrk="1" latinLnBrk="0" hangingPunct="1">
+        <a:defRPr sz="1800" kern="1200">
           <a:solidFill>
             <a:schemeClr val="tx1"/>
           </a:solidFill>
@@ -3415,8 +3013,8 @@
           <a:cs typeface="+mn-cs"/>
         </a:defRPr>
       </a:lvl3pPr>
-      <a:lvl4pPr marL="1309099" algn="l" defTabSz="872733" rtl="0" eaLnBrk="1" latinLnBrk="0" hangingPunct="1">
-        <a:defRPr sz="1700" kern="1200">
+      <a:lvl4pPr marL="1371600" algn="l" defTabSz="914400" rtl="0" eaLnBrk="1" latinLnBrk="0" hangingPunct="1">
+        <a:defRPr sz="1800" kern="1200">
           <a:solidFill>
             <a:schemeClr val="tx1"/>
           </a:solidFill>
@@ -3425,8 +3023,8 @@
           <a:cs typeface="+mn-cs"/>
         </a:defRPr>
       </a:lvl4pPr>
-      <a:lvl5pPr marL="1745465" algn="l" defTabSz="872733" rtl="0" eaLnBrk="1" latinLnBrk="0" hangingPunct="1">
-        <a:defRPr sz="1700" kern="1200">
+      <a:lvl5pPr marL="1828800" algn="l" defTabSz="914400" rtl="0" eaLnBrk="1" latinLnBrk="0" hangingPunct="1">
+        <a:defRPr sz="1800" kern="1200">
           <a:solidFill>
             <a:schemeClr val="tx1"/>
           </a:solidFill>
@@ -3435,8 +3033,8 @@
           <a:cs typeface="+mn-cs"/>
         </a:defRPr>
       </a:lvl5pPr>
-      <a:lvl6pPr marL="2181832" algn="l" defTabSz="872733" rtl="0" eaLnBrk="1" latinLnBrk="0" hangingPunct="1">
-        <a:defRPr sz="1700" kern="1200">
+      <a:lvl6pPr marL="2286000" algn="l" defTabSz="914400" rtl="0" eaLnBrk="1" latinLnBrk="0" hangingPunct="1">
+        <a:defRPr sz="1800" kern="1200">
           <a:solidFill>
             <a:schemeClr val="tx1"/>
           </a:solidFill>
@@ -3445,8 +3043,8 @@
           <a:cs typeface="+mn-cs"/>
         </a:defRPr>
       </a:lvl6pPr>
-      <a:lvl7pPr marL="2618199" algn="l" defTabSz="872733" rtl="0" eaLnBrk="1" latinLnBrk="0" hangingPunct="1">
-        <a:defRPr sz="1700" kern="1200">
+      <a:lvl7pPr marL="2743200" algn="l" defTabSz="914400" rtl="0" eaLnBrk="1" latinLnBrk="0" hangingPunct="1">
+        <a:defRPr sz="1800" kern="1200">
           <a:solidFill>
             <a:schemeClr val="tx1"/>
           </a:solidFill>
@@ -3455,8 +3053,8 @@
           <a:cs typeface="+mn-cs"/>
         </a:defRPr>
       </a:lvl7pPr>
-      <a:lvl8pPr marL="3054566" algn="l" defTabSz="872733" rtl="0" eaLnBrk="1" latinLnBrk="0" hangingPunct="1">
-        <a:defRPr sz="1700" kern="1200">
+      <a:lvl8pPr marL="3200400" algn="l" defTabSz="914400" rtl="0" eaLnBrk="1" latinLnBrk="0" hangingPunct="1">
+        <a:defRPr sz="1800" kern="1200">
           <a:solidFill>
             <a:schemeClr val="tx1"/>
           </a:solidFill>
@@ -3465,8 +3063,8 @@
           <a:cs typeface="+mn-cs"/>
         </a:defRPr>
       </a:lvl8pPr>
-      <a:lvl9pPr marL="3490932" algn="l" defTabSz="872733" rtl="0" eaLnBrk="1" latinLnBrk="0" hangingPunct="1">
-        <a:defRPr sz="1700" kern="1200">
+      <a:lvl9pPr marL="3657600" algn="l" defTabSz="914400" rtl="0" eaLnBrk="1" latinLnBrk="0" hangingPunct="1">
+        <a:defRPr sz="1800" kern="1200">
           <a:solidFill>
             <a:schemeClr val="tx1"/>
           </a:solidFill>
@@ -3499,37 +3097,13 @@
       </p:grpSpPr>
       <p:sp>
         <p:nvSpPr>
-          <p:cNvPr id="2" name="Slide Number Placeholder 1"/>
-          <p:cNvSpPr>
-            <a:spLocks noGrp="1"/>
-          </p:cNvSpPr>
-          <p:nvPr>
-            <p:ph type="sldNum" sz="quarter" idx="12"/>
-          </p:nvPr>
-        </p:nvSpPr>
-        <p:spPr/>
-        <p:txBody>
-          <a:bodyPr/>
-          <a:lstStyle/>
-          <a:p>
-            <a:fld id="{5B8905EB-9186-4B9B-BEF9-C6B1CD50847D}" type="slidenum">
-              <a:rPr lang="en-US" smtClean="0"/>
-              <a:pPr/>
-              <a:t>115</a:t>
-            </a:fld>
-            <a:endParaRPr lang="en-US" dirty="0"/>
-          </a:p>
-        </p:txBody>
-      </p:sp>
-      <p:sp>
-        <p:nvSpPr>
-          <p:cNvPr id="6" name="Rectangle 5"/>
+          <p:cNvPr id="220" name="Rectangle 219"/>
           <p:cNvSpPr/>
           <p:nvPr/>
         </p:nvSpPr>
         <p:spPr>
           <a:xfrm>
-            <a:off x="2555776" y="3284984"/>
+            <a:off x="2987824" y="2204864"/>
             <a:ext cx="2403607" cy="430887"/>
           </a:xfrm>
           <a:prstGeom prst="rect">
@@ -3606,13 +3180,13 @@
       </p:sp>
       <p:sp>
         <p:nvSpPr>
-          <p:cNvPr id="7" name="Rectangle 6"/>
+          <p:cNvPr id="221" name="Rectangle 220"/>
           <p:cNvSpPr/>
           <p:nvPr/>
         </p:nvSpPr>
         <p:spPr>
           <a:xfrm>
-            <a:off x="2553798" y="3679648"/>
+            <a:off x="2985846" y="2599528"/>
             <a:ext cx="2405586" cy="707886"/>
           </a:xfrm>
           <a:prstGeom prst="rect">
@@ -3723,13 +3297,13 @@
       </p:sp>
       <p:sp>
         <p:nvSpPr>
-          <p:cNvPr id="8" name="Rectangle 7"/>
+          <p:cNvPr id="222" name="Rectangle 221"/>
           <p:cNvSpPr/>
           <p:nvPr/>
         </p:nvSpPr>
         <p:spPr>
           <a:xfrm>
-            <a:off x="2553798" y="4365907"/>
+            <a:off x="2985846" y="3285787"/>
             <a:ext cx="2405586" cy="707886"/>
           </a:xfrm>
           <a:prstGeom prst="rect">
@@ -3837,87 +3411,12 @@
           </a:p>
         </p:txBody>
       </p:sp>
-      <p:sp>
-        <p:nvSpPr>
-          <p:cNvPr id="9" name="TextBox 8"/>
-          <p:cNvSpPr txBox="1"/>
-          <p:nvPr/>
-        </p:nvSpPr>
-        <p:spPr>
-          <a:xfrm>
-            <a:off x="8443912" y="0"/>
-            <a:ext cx="700087" cy="338554"/>
-          </a:xfrm>
-          <a:prstGeom prst="rect">
-            <a:avLst/>
-          </a:prstGeom>
-          <a:noFill/>
-        </p:spPr>
-        <p:txBody>
-          <a:bodyPr wrap="square" rtlCol="0">
-            <a:spAutoFit/>
-          </a:bodyPr>
-          <a:lstStyle/>
-          <a:p>
-            <a:r>
-              <a:rPr lang="en-US" sz="1600" b="1" dirty="0" smtClean="0">
-                <a:solidFill>
-                  <a:schemeClr val="accent6">
-                    <a:lumMod val="75000"/>
-                  </a:schemeClr>
-                </a:solidFill>
-              </a:rPr>
-              <a:t>[Ch.4]</a:t>
-            </a:r>
-            <a:endParaRPr lang="en-US" sz="1600" b="1" dirty="0">
-              <a:solidFill>
-                <a:schemeClr val="accent6">
-                  <a:lumMod val="75000"/>
-                </a:schemeClr>
-              </a:solidFill>
-            </a:endParaRPr>
-          </a:p>
-        </p:txBody>
-      </p:sp>
-      <p:sp>
-        <p:nvSpPr>
-          <p:cNvPr id="10" name="Content Placeholder 9"/>
-          <p:cNvSpPr>
-            <a:spLocks noGrp="1"/>
-          </p:cNvSpPr>
-          <p:nvPr>
-            <p:ph idx="1"/>
-          </p:nvPr>
-        </p:nvSpPr>
-        <p:spPr/>
-        <p:txBody>
-          <a:bodyPr/>
-          <a:lstStyle/>
-          <a:p>
-            <a:endParaRPr lang="en-SG"/>
-          </a:p>
-        </p:txBody>
-      </p:sp>
-      <p:sp>
-        <p:nvSpPr>
-          <p:cNvPr id="11" name="Title 10"/>
-          <p:cNvSpPr>
-            <a:spLocks noGrp="1"/>
-          </p:cNvSpPr>
-          <p:nvPr>
-            <p:ph type="title"/>
-          </p:nvPr>
-        </p:nvSpPr>
-        <p:spPr/>
-        <p:txBody>
-          <a:bodyPr/>
-          <a:lstStyle/>
-          <a:p>
-            <a:endParaRPr lang="en-SG"/>
-          </a:p>
-        </p:txBody>
-      </p:sp>
     </p:spTree>
+    <p:extLst>
+      <p:ext uri="{BB962C8B-B14F-4D97-AF65-F5344CB8AC3E}">
+        <p14:creationId xmlns:p14="http://schemas.microsoft.com/office/powerpoint/2010/main" val="26466125"/>
+      </p:ext>
+    </p:extLst>
   </p:cSld>
   <p:clrMapOvr>
     <a:masterClrMapping/>
@@ -3959,7 +3458,7 @@
                                           </p:stCondLst>
                                         </p:cTn>
                                         <p:tgtEl>
-                                          <p:spTgt spid="6"/>
+                                          <p:spTgt spid="220"/>
                                         </p:tgtEl>
                                         <p:attrNameLst>
                                           <p:attrName>style.visibility</p:attrName>
@@ -3986,7 +3485,7 @@
                                           </p:stCondLst>
                                         </p:cTn>
                                         <p:tgtEl>
-                                          <p:spTgt spid="7"/>
+                                          <p:spTgt spid="221"/>
                                         </p:tgtEl>
                                         <p:attrNameLst>
                                           <p:attrName>style.visibility</p:attrName>
@@ -4013,7 +3512,7 @@
                                           </p:stCondLst>
                                         </p:cTn>
                                         <p:tgtEl>
-                                          <p:spTgt spid="8"/>
+                                          <p:spTgt spid="222"/>
                                         </p:tgtEl>
                                         <p:attrNameLst>
                                           <p:attrName>style.visibility</p:attrName>
@@ -4054,9 +3553,9 @@
       </p:par>
     </p:tnLst>
     <p:bldLst>
-      <p:bldP spid="6" grpId="0" animBg="1"/>
-      <p:bldP spid="7" grpId="0" animBg="1"/>
-      <p:bldP spid="8" grpId="0" animBg="1"/>
+      <p:bldP spid="220" grpId="0" animBg="1"/>
+      <p:bldP spid="221" grpId="0" animBg="1"/>
+      <p:bldP spid="222" grpId="0" animBg="1"/>
     </p:bldLst>
   </p:timing>
 </p:sld>
@@ -4137,6 +3636,7 @@
         <a:font script="Mong" typeface="Mongolian Baiti"/>
         <a:font script="Viet" typeface="Times New Roman"/>
         <a:font script="Uigh" typeface="Microsoft Uighur"/>
+        <a:font script="Geor" typeface="Sylfaen"/>
       </a:majorFont>
       <a:minorFont>
         <a:latin typeface="Calibri"/>
@@ -4171,289 +3671,7 @@
         <a:font script="Mong" typeface="Mongolian Baiti"/>
         <a:font script="Viet" typeface="Arial"/>
         <a:font script="Uigh" typeface="Microsoft Uighur"/>
-      </a:minorFont>
-    </a:fontScheme>
-    <a:fmtScheme name="Office">
-      <a:fillStyleLst>
-        <a:solidFill>
-          <a:schemeClr val="phClr"/>
-        </a:solidFill>
-        <a:gradFill rotWithShape="1">
-          <a:gsLst>
-            <a:gs pos="0">
-              <a:schemeClr val="phClr">
-                <a:tint val="50000"/>
-                <a:satMod val="300000"/>
-              </a:schemeClr>
-            </a:gs>
-            <a:gs pos="35000">
-              <a:schemeClr val="phClr">
-                <a:tint val="37000"/>
-                <a:satMod val="300000"/>
-              </a:schemeClr>
-            </a:gs>
-            <a:gs pos="100000">
-              <a:schemeClr val="phClr">
-                <a:tint val="15000"/>
-                <a:satMod val="350000"/>
-              </a:schemeClr>
-            </a:gs>
-          </a:gsLst>
-          <a:lin ang="16200000" scaled="1"/>
-        </a:gradFill>
-        <a:gradFill rotWithShape="1">
-          <a:gsLst>
-            <a:gs pos="0">
-              <a:schemeClr val="phClr">
-                <a:shade val="51000"/>
-                <a:satMod val="130000"/>
-              </a:schemeClr>
-            </a:gs>
-            <a:gs pos="80000">
-              <a:schemeClr val="phClr">
-                <a:shade val="93000"/>
-                <a:satMod val="130000"/>
-              </a:schemeClr>
-            </a:gs>
-            <a:gs pos="100000">
-              <a:schemeClr val="phClr">
-                <a:shade val="94000"/>
-                <a:satMod val="135000"/>
-              </a:schemeClr>
-            </a:gs>
-          </a:gsLst>
-          <a:lin ang="16200000" scaled="0"/>
-        </a:gradFill>
-      </a:fillStyleLst>
-      <a:lnStyleLst>
-        <a:ln w="9525" cap="flat" cmpd="sng" algn="ctr">
-          <a:solidFill>
-            <a:schemeClr val="phClr">
-              <a:shade val="95000"/>
-              <a:satMod val="105000"/>
-            </a:schemeClr>
-          </a:solidFill>
-          <a:prstDash val="solid"/>
-        </a:ln>
-        <a:ln w="25400" cap="flat" cmpd="sng" algn="ctr">
-          <a:solidFill>
-            <a:schemeClr val="phClr"/>
-          </a:solidFill>
-          <a:prstDash val="solid"/>
-        </a:ln>
-        <a:ln w="38100" cap="flat" cmpd="sng" algn="ctr">
-          <a:solidFill>
-            <a:schemeClr val="phClr"/>
-          </a:solidFill>
-          <a:prstDash val="solid"/>
-        </a:ln>
-      </a:lnStyleLst>
-      <a:effectStyleLst>
-        <a:effectStyle>
-          <a:effectLst>
-            <a:outerShdw blurRad="40000" dist="20000" dir="5400000" rotWithShape="0">
-              <a:srgbClr val="000000">
-                <a:alpha val="38000"/>
-              </a:srgbClr>
-            </a:outerShdw>
-          </a:effectLst>
-        </a:effectStyle>
-        <a:effectStyle>
-          <a:effectLst>
-            <a:outerShdw blurRad="40000" dist="23000" dir="5400000" rotWithShape="0">
-              <a:srgbClr val="000000">
-                <a:alpha val="35000"/>
-              </a:srgbClr>
-            </a:outerShdw>
-          </a:effectLst>
-        </a:effectStyle>
-        <a:effectStyle>
-          <a:effectLst>
-            <a:outerShdw blurRad="40000" dist="23000" dir="5400000" rotWithShape="0">
-              <a:srgbClr val="000000">
-                <a:alpha val="35000"/>
-              </a:srgbClr>
-            </a:outerShdw>
-          </a:effectLst>
-          <a:scene3d>
-            <a:camera prst="orthographicFront">
-              <a:rot lat="0" lon="0" rev="0"/>
-            </a:camera>
-            <a:lightRig rig="threePt" dir="t">
-              <a:rot lat="0" lon="0" rev="1200000"/>
-            </a:lightRig>
-          </a:scene3d>
-          <a:sp3d>
-            <a:bevelT w="63500" h="25400"/>
-          </a:sp3d>
-        </a:effectStyle>
-      </a:effectStyleLst>
-      <a:bgFillStyleLst>
-        <a:solidFill>
-          <a:schemeClr val="phClr"/>
-        </a:solidFill>
-        <a:gradFill rotWithShape="1">
-          <a:gsLst>
-            <a:gs pos="0">
-              <a:schemeClr val="phClr">
-                <a:tint val="40000"/>
-                <a:satMod val="350000"/>
-              </a:schemeClr>
-            </a:gs>
-            <a:gs pos="40000">
-              <a:schemeClr val="phClr">
-                <a:tint val="45000"/>
-                <a:shade val="99000"/>
-                <a:satMod val="350000"/>
-              </a:schemeClr>
-            </a:gs>
-            <a:gs pos="100000">
-              <a:schemeClr val="phClr">
-                <a:shade val="20000"/>
-                <a:satMod val="255000"/>
-              </a:schemeClr>
-            </a:gs>
-          </a:gsLst>
-          <a:path path="circle">
-            <a:fillToRect l="50000" t="-80000" r="50000" b="180000"/>
-          </a:path>
-        </a:gradFill>
-        <a:gradFill rotWithShape="1">
-          <a:gsLst>
-            <a:gs pos="0">
-              <a:schemeClr val="phClr">
-                <a:tint val="80000"/>
-                <a:satMod val="300000"/>
-              </a:schemeClr>
-            </a:gs>
-            <a:gs pos="100000">
-              <a:schemeClr val="phClr">
-                <a:shade val="30000"/>
-                <a:satMod val="200000"/>
-              </a:schemeClr>
-            </a:gs>
-          </a:gsLst>
-          <a:path path="circle">
-            <a:fillToRect l="50000" t="50000" r="50000" b="50000"/>
-          </a:path>
-        </a:gradFill>
-      </a:bgFillStyleLst>
-    </a:fmtScheme>
-  </a:themeElements>
-  <a:objectDefaults/>
-  <a:extraClrSchemeLst/>
-</a:theme>
-</file>
-
-<file path=ppt/theme/theme2.xml><?xml version="1.0" encoding="utf-8"?>
-<a:theme xmlns:a="http://schemas.openxmlformats.org/drawingml/2006/main" name="Office Theme">
-  <a:themeElements>
-    <a:clrScheme name="Office">
-      <a:dk1>
-        <a:sysClr val="windowText" lastClr="000000"/>
-      </a:dk1>
-      <a:lt1>
-        <a:sysClr val="window" lastClr="FFFFFF"/>
-      </a:lt1>
-      <a:dk2>
-        <a:srgbClr val="1F497D"/>
-      </a:dk2>
-      <a:lt2>
-        <a:srgbClr val="EEECE1"/>
-      </a:lt2>
-      <a:accent1>
-        <a:srgbClr val="4F81BD"/>
-      </a:accent1>
-      <a:accent2>
-        <a:srgbClr val="C0504D"/>
-      </a:accent2>
-      <a:accent3>
-        <a:srgbClr val="9BBB59"/>
-      </a:accent3>
-      <a:accent4>
-        <a:srgbClr val="8064A2"/>
-      </a:accent4>
-      <a:accent5>
-        <a:srgbClr val="4BACC6"/>
-      </a:accent5>
-      <a:accent6>
-        <a:srgbClr val="F79646"/>
-      </a:accent6>
-      <a:hlink>
-        <a:srgbClr val="0000FF"/>
-      </a:hlink>
-      <a:folHlink>
-        <a:srgbClr val="800080"/>
-      </a:folHlink>
-    </a:clrScheme>
-    <a:fontScheme name="Office">
-      <a:majorFont>
-        <a:latin typeface="Calibri"/>
-        <a:ea typeface=""/>
-        <a:cs typeface=""/>
-        <a:font script="Jpan" typeface="ＭＳ Ｐゴシック"/>
-        <a:font script="Hang" typeface="맑은 고딕"/>
-        <a:font script="Hans" typeface="宋体"/>
-        <a:font script="Hant" typeface="新細明體"/>
-        <a:font script="Arab" typeface="Times New Roman"/>
-        <a:font script="Hebr" typeface="Times New Roman"/>
-        <a:font script="Thai" typeface="Angsana New"/>
-        <a:font script="Ethi" typeface="Nyala"/>
-        <a:font script="Beng" typeface="Vrinda"/>
-        <a:font script="Gujr" typeface="Shruti"/>
-        <a:font script="Khmr" typeface="MoolBoran"/>
-        <a:font script="Knda" typeface="Tunga"/>
-        <a:font script="Guru" typeface="Raavi"/>
-        <a:font script="Cans" typeface="Euphemia"/>
-        <a:font script="Cher" typeface="Plantagenet Cherokee"/>
-        <a:font script="Yiii" typeface="Microsoft Yi Baiti"/>
-        <a:font script="Tibt" typeface="Microsoft Himalaya"/>
-        <a:font script="Thaa" typeface="MV Boli"/>
-        <a:font script="Deva" typeface="Mangal"/>
-        <a:font script="Telu" typeface="Gautami"/>
-        <a:font script="Taml" typeface="Latha"/>
-        <a:font script="Syrc" typeface="Estrangelo Edessa"/>
-        <a:font script="Orya" typeface="Kalinga"/>
-        <a:font script="Mlym" typeface="Kartika"/>
-        <a:font script="Laoo" typeface="DokChampa"/>
-        <a:font script="Sinh" typeface="Iskoola Pota"/>
-        <a:font script="Mong" typeface="Mongolian Baiti"/>
-        <a:font script="Viet" typeface="Times New Roman"/>
-        <a:font script="Uigh" typeface="Microsoft Uighur"/>
-      </a:majorFont>
-      <a:minorFont>
-        <a:latin typeface="Calibri"/>
-        <a:ea typeface=""/>
-        <a:cs typeface=""/>
-        <a:font script="Jpan" typeface="ＭＳ Ｐゴシック"/>
-        <a:font script="Hang" typeface="맑은 고딕"/>
-        <a:font script="Hans" typeface="宋体"/>
-        <a:font script="Hant" typeface="新細明體"/>
-        <a:font script="Arab" typeface="Arial"/>
-        <a:font script="Hebr" typeface="Arial"/>
-        <a:font script="Thai" typeface="Cordia New"/>
-        <a:font script="Ethi" typeface="Nyala"/>
-        <a:font script="Beng" typeface="Vrinda"/>
-        <a:font script="Gujr" typeface="Shruti"/>
-        <a:font script="Khmr" typeface="DaunPenh"/>
-        <a:font script="Knda" typeface="Tunga"/>
-        <a:font script="Guru" typeface="Raavi"/>
-        <a:font script="Cans" typeface="Euphemia"/>
-        <a:font script="Cher" typeface="Plantagenet Cherokee"/>
-        <a:font script="Yiii" typeface="Microsoft Yi Baiti"/>
-        <a:font script="Tibt" typeface="Microsoft Himalaya"/>
-        <a:font script="Thaa" typeface="MV Boli"/>
-        <a:font script="Deva" typeface="Mangal"/>
-        <a:font script="Telu" typeface="Gautami"/>
-        <a:font script="Taml" typeface="Latha"/>
-        <a:font script="Syrc" typeface="Estrangelo Edessa"/>
-        <a:font script="Orya" typeface="Kalinga"/>
-        <a:font script="Mlym" typeface="Kartika"/>
-        <a:font script="Laoo" typeface="DokChampa"/>
-        <a:font script="Sinh" typeface="Iskoola Pota"/>
-        <a:font script="Mong" typeface="Mongolian Baiti"/>
-        <a:font script="Viet" typeface="Arial"/>
-        <a:font script="Uigh" typeface="Microsoft Uighur"/>
+        <a:font script="Geor" typeface="Sylfaen"/>
       </a:minorFont>
     </a:fontScheme>
     <a:fmtScheme name="Office">

--- a/diagrams/uml/classLevelMembers/student.pptx
+++ b/diagrams/uml/classLevelMembers/student.pptx
@@ -1,20 +1,23 @@
 
 <file path=ppt/presentation.xml><?xml version="1.0" encoding="utf-8"?>
-<p:presentation xmlns:a="http://schemas.openxmlformats.org/drawingml/2006/main" xmlns:r="http://schemas.openxmlformats.org/officeDocument/2006/relationships" xmlns:p="http://schemas.openxmlformats.org/presentationml/2006/main" saveSubsetFonts="1">
+<p:presentation xmlns:a="http://schemas.openxmlformats.org/drawingml/2006/main" xmlns:r="http://schemas.openxmlformats.org/officeDocument/2006/relationships" xmlns:p="http://schemas.openxmlformats.org/presentationml/2006/main" firstSlideNum="115" showSpecialPlsOnTitleSld="0">
   <p:sldMasterIdLst>
     <p:sldMasterId id="2147483648" r:id="rId1"/>
   </p:sldMasterIdLst>
+  <p:notesMasterIdLst>
+    <p:notesMasterId r:id="rId3"/>
+  </p:notesMasterIdLst>
   <p:sldIdLst>
-    <p:sldId id="256" r:id="rId2"/>
+    <p:sldId id="1162" r:id="rId2"/>
   </p:sldIdLst>
   <p:sldSz cx="9144000" cy="6858000" type="screen4x3"/>
-  <p:notesSz cx="6858000" cy="9144000"/>
+  <p:notesSz cx="7315200" cy="9601200"/>
   <p:defaultTextStyle>
     <a:defPPr>
       <a:defRPr lang="en-US"/>
     </a:defPPr>
-    <a:lvl1pPr marL="0" algn="l" defTabSz="914400" rtl="0" eaLnBrk="1" latinLnBrk="0" hangingPunct="1">
-      <a:defRPr sz="1800" kern="1200">
+    <a:lvl1pPr marL="0" algn="l" defTabSz="872733" rtl="0" eaLnBrk="1" latinLnBrk="0" hangingPunct="1">
+      <a:defRPr sz="1700" kern="1200">
         <a:solidFill>
           <a:schemeClr val="tx1"/>
         </a:solidFill>
@@ -23,8 +26,8 @@
         <a:cs typeface="+mn-cs"/>
       </a:defRPr>
     </a:lvl1pPr>
-    <a:lvl2pPr marL="457200" algn="l" defTabSz="914400" rtl="0" eaLnBrk="1" latinLnBrk="0" hangingPunct="1">
-      <a:defRPr sz="1800" kern="1200">
+    <a:lvl2pPr marL="436366" algn="l" defTabSz="872733" rtl="0" eaLnBrk="1" latinLnBrk="0" hangingPunct="1">
+      <a:defRPr sz="1700" kern="1200">
         <a:solidFill>
           <a:schemeClr val="tx1"/>
         </a:solidFill>
@@ -33,8 +36,8 @@
         <a:cs typeface="+mn-cs"/>
       </a:defRPr>
     </a:lvl2pPr>
-    <a:lvl3pPr marL="914400" algn="l" defTabSz="914400" rtl="0" eaLnBrk="1" latinLnBrk="0" hangingPunct="1">
-      <a:defRPr sz="1800" kern="1200">
+    <a:lvl3pPr marL="872733" algn="l" defTabSz="872733" rtl="0" eaLnBrk="1" latinLnBrk="0" hangingPunct="1">
+      <a:defRPr sz="1700" kern="1200">
         <a:solidFill>
           <a:schemeClr val="tx1"/>
         </a:solidFill>
@@ -43,8 +46,8 @@
         <a:cs typeface="+mn-cs"/>
       </a:defRPr>
     </a:lvl3pPr>
-    <a:lvl4pPr marL="1371600" algn="l" defTabSz="914400" rtl="0" eaLnBrk="1" latinLnBrk="0" hangingPunct="1">
-      <a:defRPr sz="1800" kern="1200">
+    <a:lvl4pPr marL="1309099" algn="l" defTabSz="872733" rtl="0" eaLnBrk="1" latinLnBrk="0" hangingPunct="1">
+      <a:defRPr sz="1700" kern="1200">
         <a:solidFill>
           <a:schemeClr val="tx1"/>
         </a:solidFill>
@@ -53,8 +56,8 @@
         <a:cs typeface="+mn-cs"/>
       </a:defRPr>
     </a:lvl4pPr>
-    <a:lvl5pPr marL="1828800" algn="l" defTabSz="914400" rtl="0" eaLnBrk="1" latinLnBrk="0" hangingPunct="1">
-      <a:defRPr sz="1800" kern="1200">
+    <a:lvl5pPr marL="1745465" algn="l" defTabSz="872733" rtl="0" eaLnBrk="1" latinLnBrk="0" hangingPunct="1">
+      <a:defRPr sz="1700" kern="1200">
         <a:solidFill>
           <a:schemeClr val="tx1"/>
         </a:solidFill>
@@ -63,8 +66,8 @@
         <a:cs typeface="+mn-cs"/>
       </a:defRPr>
     </a:lvl5pPr>
-    <a:lvl6pPr marL="2286000" algn="l" defTabSz="914400" rtl="0" eaLnBrk="1" latinLnBrk="0" hangingPunct="1">
-      <a:defRPr sz="1800" kern="1200">
+    <a:lvl6pPr marL="2181832" algn="l" defTabSz="872733" rtl="0" eaLnBrk="1" latinLnBrk="0" hangingPunct="1">
+      <a:defRPr sz="1700" kern="1200">
         <a:solidFill>
           <a:schemeClr val="tx1"/>
         </a:solidFill>
@@ -73,8 +76,8 @@
         <a:cs typeface="+mn-cs"/>
       </a:defRPr>
     </a:lvl6pPr>
-    <a:lvl7pPr marL="2743200" algn="l" defTabSz="914400" rtl="0" eaLnBrk="1" latinLnBrk="0" hangingPunct="1">
-      <a:defRPr sz="1800" kern="1200">
+    <a:lvl7pPr marL="2618199" algn="l" defTabSz="872733" rtl="0" eaLnBrk="1" latinLnBrk="0" hangingPunct="1">
+      <a:defRPr sz="1700" kern="1200">
         <a:solidFill>
           <a:schemeClr val="tx1"/>
         </a:solidFill>
@@ -83,8 +86,8 @@
         <a:cs typeface="+mn-cs"/>
       </a:defRPr>
     </a:lvl7pPr>
-    <a:lvl8pPr marL="3200400" algn="l" defTabSz="914400" rtl="0" eaLnBrk="1" latinLnBrk="0" hangingPunct="1">
-      <a:defRPr sz="1800" kern="1200">
+    <a:lvl8pPr marL="3054566" algn="l" defTabSz="872733" rtl="0" eaLnBrk="1" latinLnBrk="0" hangingPunct="1">
+      <a:defRPr sz="1700" kern="1200">
         <a:solidFill>
           <a:schemeClr val="tx1"/>
         </a:solidFill>
@@ -93,8 +96,8 @@
         <a:cs typeface="+mn-cs"/>
       </a:defRPr>
     </a:lvl8pPr>
-    <a:lvl9pPr marL="3657600" algn="l" defTabSz="914400" rtl="0" eaLnBrk="1" latinLnBrk="0" hangingPunct="1">
-      <a:defRPr sz="1800" kern="1200">
+    <a:lvl9pPr marL="3490932" algn="l" defTabSz="872733" rtl="0" eaLnBrk="1" latinLnBrk="0" hangingPunct="1">
+      <a:defRPr sz="1700" kern="1200">
         <a:solidFill>
           <a:schemeClr val="tx1"/>
         </a:solidFill>
@@ -105,6 +108,442 @@
     </a:lvl9pPr>
   </p:defaultTextStyle>
 </p:presentation>
+</file>
+
+<file path=ppt/notesMasters/notesMaster1.xml><?xml version="1.0" encoding="utf-8"?>
+<p:notesMaster xmlns:a="http://schemas.openxmlformats.org/drawingml/2006/main" xmlns:r="http://schemas.openxmlformats.org/officeDocument/2006/relationships" xmlns:p="http://schemas.openxmlformats.org/presentationml/2006/main">
+  <p:cSld>
+    <p:bg>
+      <p:bgRef idx="1001">
+        <a:schemeClr val="bg1"/>
+      </p:bgRef>
+    </p:bg>
+    <p:spTree>
+      <p:nvGrpSpPr>
+        <p:cNvPr id="1" name=""/>
+        <p:cNvGrpSpPr/>
+        <p:nvPr/>
+      </p:nvGrpSpPr>
+      <p:grpSpPr>
+        <a:xfrm>
+          <a:off x="0" y="0"/>
+          <a:ext cx="0" cy="0"/>
+          <a:chOff x="0" y="0"/>
+          <a:chExt cx="0" cy="0"/>
+        </a:xfrm>
+      </p:grpSpPr>
+      <p:sp>
+        <p:nvSpPr>
+          <p:cNvPr id="2" name="Header Placeholder 1"/>
+          <p:cNvSpPr>
+            <a:spLocks noGrp="1"/>
+          </p:cNvSpPr>
+          <p:nvPr>
+            <p:ph type="hdr" sz="quarter"/>
+          </p:nvPr>
+        </p:nvSpPr>
+        <p:spPr>
+          <a:xfrm>
+            <a:off x="0" y="0"/>
+            <a:ext cx="3170238" cy="479425"/>
+          </a:xfrm>
+          <a:prstGeom prst="rect">
+            <a:avLst/>
+          </a:prstGeom>
+        </p:spPr>
+        <p:txBody>
+          <a:bodyPr vert="horz" lIns="91440" tIns="45720" rIns="91440" bIns="45720" rtlCol="0"/>
+          <a:lstStyle>
+            <a:lvl1pPr algn="l">
+              <a:defRPr sz="1200"/>
+            </a:lvl1pPr>
+          </a:lstStyle>
+          <a:p>
+            <a:endParaRPr lang="en-SG"/>
+          </a:p>
+        </p:txBody>
+      </p:sp>
+      <p:sp>
+        <p:nvSpPr>
+          <p:cNvPr id="3" name="Date Placeholder 2"/>
+          <p:cNvSpPr>
+            <a:spLocks noGrp="1"/>
+          </p:cNvSpPr>
+          <p:nvPr>
+            <p:ph type="dt" idx="1"/>
+          </p:nvPr>
+        </p:nvSpPr>
+        <p:spPr>
+          <a:xfrm>
+            <a:off x="4143375" y="0"/>
+            <a:ext cx="3170238" cy="479425"/>
+          </a:xfrm>
+          <a:prstGeom prst="rect">
+            <a:avLst/>
+          </a:prstGeom>
+        </p:spPr>
+        <p:txBody>
+          <a:bodyPr vert="horz" lIns="91440" tIns="45720" rIns="91440" bIns="45720" rtlCol="0"/>
+          <a:lstStyle>
+            <a:lvl1pPr algn="r">
+              <a:defRPr sz="1200"/>
+            </a:lvl1pPr>
+          </a:lstStyle>
+          <a:p>
+            <a:fld id="{1B29845A-3DC5-4B34-B631-FB1B05DA96CD}" type="datetimeFigureOut">
+              <a:rPr lang="en-SG" smtClean="0"/>
+              <a:pPr/>
+              <a:t>23/5/2017</a:t>
+            </a:fld>
+            <a:endParaRPr lang="en-SG"/>
+          </a:p>
+        </p:txBody>
+      </p:sp>
+      <p:sp>
+        <p:nvSpPr>
+          <p:cNvPr id="4" name="Slide Image Placeholder 3"/>
+          <p:cNvSpPr>
+            <a:spLocks noGrp="1" noRot="1" noChangeAspect="1"/>
+          </p:cNvSpPr>
+          <p:nvPr>
+            <p:ph type="sldImg" idx="2"/>
+          </p:nvPr>
+        </p:nvSpPr>
+        <p:spPr>
+          <a:xfrm>
+            <a:off x="1257300" y="720725"/>
+            <a:ext cx="4800600" cy="3600450"/>
+          </a:xfrm>
+          <a:prstGeom prst="rect">
+            <a:avLst/>
+          </a:prstGeom>
+          <a:noFill/>
+          <a:ln w="12700">
+            <a:solidFill>
+              <a:prstClr val="black"/>
+            </a:solidFill>
+          </a:ln>
+        </p:spPr>
+        <p:txBody>
+          <a:bodyPr vert="horz" lIns="91440" tIns="45720" rIns="91440" bIns="45720" rtlCol="0" anchor="ctr"/>
+          <a:lstStyle/>
+          <a:p>
+            <a:endParaRPr lang="en-SG"/>
+          </a:p>
+        </p:txBody>
+      </p:sp>
+      <p:sp>
+        <p:nvSpPr>
+          <p:cNvPr id="5" name="Notes Placeholder 4"/>
+          <p:cNvSpPr>
+            <a:spLocks noGrp="1"/>
+          </p:cNvSpPr>
+          <p:nvPr>
+            <p:ph type="body" sz="quarter" idx="3"/>
+          </p:nvPr>
+        </p:nvSpPr>
+        <p:spPr>
+          <a:xfrm>
+            <a:off x="731838" y="4560888"/>
+            <a:ext cx="5851525" cy="4319587"/>
+          </a:xfrm>
+          <a:prstGeom prst="rect">
+            <a:avLst/>
+          </a:prstGeom>
+        </p:spPr>
+        <p:txBody>
+          <a:bodyPr vert="horz" lIns="91440" tIns="45720" rIns="91440" bIns="45720" rtlCol="0">
+            <a:normAutofit/>
+          </a:bodyPr>
+          <a:lstStyle/>
+          <a:p>
+            <a:pPr lvl="0"/>
+            <a:r>
+              <a:rPr lang="en-US" smtClean="0"/>
+              <a:t>Click to edit Master text styles</a:t>
+            </a:r>
+          </a:p>
+          <a:p>
+            <a:pPr lvl="1"/>
+            <a:r>
+              <a:rPr lang="en-US" smtClean="0"/>
+              <a:t>Second level</a:t>
+            </a:r>
+          </a:p>
+          <a:p>
+            <a:pPr lvl="2"/>
+            <a:r>
+              <a:rPr lang="en-US" smtClean="0"/>
+              <a:t>Third level</a:t>
+            </a:r>
+          </a:p>
+          <a:p>
+            <a:pPr lvl="3"/>
+            <a:r>
+              <a:rPr lang="en-US" smtClean="0"/>
+              <a:t>Fourth level</a:t>
+            </a:r>
+          </a:p>
+          <a:p>
+            <a:pPr lvl="4"/>
+            <a:r>
+              <a:rPr lang="en-US" smtClean="0"/>
+              <a:t>Fifth level</a:t>
+            </a:r>
+            <a:endParaRPr lang="en-SG"/>
+          </a:p>
+        </p:txBody>
+      </p:sp>
+      <p:sp>
+        <p:nvSpPr>
+          <p:cNvPr id="6" name="Footer Placeholder 5"/>
+          <p:cNvSpPr>
+            <a:spLocks noGrp="1"/>
+          </p:cNvSpPr>
+          <p:nvPr>
+            <p:ph type="ftr" sz="quarter" idx="4"/>
+          </p:nvPr>
+        </p:nvSpPr>
+        <p:spPr>
+          <a:xfrm>
+            <a:off x="0" y="9120188"/>
+            <a:ext cx="3170238" cy="479425"/>
+          </a:xfrm>
+          <a:prstGeom prst="rect">
+            <a:avLst/>
+          </a:prstGeom>
+        </p:spPr>
+        <p:txBody>
+          <a:bodyPr vert="horz" lIns="91440" tIns="45720" rIns="91440" bIns="45720" rtlCol="0" anchor="b"/>
+          <a:lstStyle>
+            <a:lvl1pPr algn="l">
+              <a:defRPr sz="1200"/>
+            </a:lvl1pPr>
+          </a:lstStyle>
+          <a:p>
+            <a:endParaRPr lang="en-SG"/>
+          </a:p>
+        </p:txBody>
+      </p:sp>
+      <p:sp>
+        <p:nvSpPr>
+          <p:cNvPr id="7" name="Slide Number Placeholder 6"/>
+          <p:cNvSpPr>
+            <a:spLocks noGrp="1"/>
+          </p:cNvSpPr>
+          <p:nvPr>
+            <p:ph type="sldNum" sz="quarter" idx="5"/>
+          </p:nvPr>
+        </p:nvSpPr>
+        <p:spPr>
+          <a:xfrm>
+            <a:off x="4143375" y="9120188"/>
+            <a:ext cx="3170238" cy="479425"/>
+          </a:xfrm>
+          <a:prstGeom prst="rect">
+            <a:avLst/>
+          </a:prstGeom>
+        </p:spPr>
+        <p:txBody>
+          <a:bodyPr vert="horz" lIns="91440" tIns="45720" rIns="91440" bIns="45720" rtlCol="0" anchor="b"/>
+          <a:lstStyle>
+            <a:lvl1pPr algn="r">
+              <a:defRPr sz="1200"/>
+            </a:lvl1pPr>
+          </a:lstStyle>
+          <a:p>
+            <a:fld id="{C5C1045A-D387-4C24-9319-5C4971BFD275}" type="slidenum">
+              <a:rPr lang="en-SG" smtClean="0"/>
+              <a:pPr/>
+              <a:t>‹#›</a:t>
+            </a:fld>
+            <a:endParaRPr lang="en-SG"/>
+          </a:p>
+        </p:txBody>
+      </p:sp>
+    </p:spTree>
+    <p:extLst>
+      <p:ext uri="{BB962C8B-B14F-4D97-AF65-F5344CB8AC3E}">
+        <p14:creationId xmlns:p14="http://schemas.microsoft.com/office/powerpoint/2010/main" val="1787064168"/>
+      </p:ext>
+    </p:extLst>
+  </p:cSld>
+  <p:clrMap bg1="lt1" tx1="dk1" bg2="lt2" tx2="dk2" accent1="accent1" accent2="accent2" accent3="accent3" accent4="accent4" accent5="accent5" accent6="accent6" hlink="hlink" folHlink="folHlink"/>
+  <p:notesStyle>
+    <a:lvl1pPr marL="0" algn="l" defTabSz="872733" rtl="0" eaLnBrk="1" latinLnBrk="0" hangingPunct="1">
+      <a:defRPr sz="1100" kern="1200">
+        <a:solidFill>
+          <a:schemeClr val="tx1"/>
+        </a:solidFill>
+        <a:latin typeface="+mn-lt"/>
+        <a:ea typeface="+mn-ea"/>
+        <a:cs typeface="+mn-cs"/>
+      </a:defRPr>
+    </a:lvl1pPr>
+    <a:lvl2pPr marL="436366" algn="l" defTabSz="872733" rtl="0" eaLnBrk="1" latinLnBrk="0" hangingPunct="1">
+      <a:defRPr sz="1100" kern="1200">
+        <a:solidFill>
+          <a:schemeClr val="tx1"/>
+        </a:solidFill>
+        <a:latin typeface="+mn-lt"/>
+        <a:ea typeface="+mn-ea"/>
+        <a:cs typeface="+mn-cs"/>
+      </a:defRPr>
+    </a:lvl2pPr>
+    <a:lvl3pPr marL="872733" algn="l" defTabSz="872733" rtl="0" eaLnBrk="1" latinLnBrk="0" hangingPunct="1">
+      <a:defRPr sz="1100" kern="1200">
+        <a:solidFill>
+          <a:schemeClr val="tx1"/>
+        </a:solidFill>
+        <a:latin typeface="+mn-lt"/>
+        <a:ea typeface="+mn-ea"/>
+        <a:cs typeface="+mn-cs"/>
+      </a:defRPr>
+    </a:lvl3pPr>
+    <a:lvl4pPr marL="1309099" algn="l" defTabSz="872733" rtl="0" eaLnBrk="1" latinLnBrk="0" hangingPunct="1">
+      <a:defRPr sz="1100" kern="1200">
+        <a:solidFill>
+          <a:schemeClr val="tx1"/>
+        </a:solidFill>
+        <a:latin typeface="+mn-lt"/>
+        <a:ea typeface="+mn-ea"/>
+        <a:cs typeface="+mn-cs"/>
+      </a:defRPr>
+    </a:lvl4pPr>
+    <a:lvl5pPr marL="1745465" algn="l" defTabSz="872733" rtl="0" eaLnBrk="1" latinLnBrk="0" hangingPunct="1">
+      <a:defRPr sz="1100" kern="1200">
+        <a:solidFill>
+          <a:schemeClr val="tx1"/>
+        </a:solidFill>
+        <a:latin typeface="+mn-lt"/>
+        <a:ea typeface="+mn-ea"/>
+        <a:cs typeface="+mn-cs"/>
+      </a:defRPr>
+    </a:lvl5pPr>
+    <a:lvl6pPr marL="2181832" algn="l" defTabSz="872733" rtl="0" eaLnBrk="1" latinLnBrk="0" hangingPunct="1">
+      <a:defRPr sz="1100" kern="1200">
+        <a:solidFill>
+          <a:schemeClr val="tx1"/>
+        </a:solidFill>
+        <a:latin typeface="+mn-lt"/>
+        <a:ea typeface="+mn-ea"/>
+        <a:cs typeface="+mn-cs"/>
+      </a:defRPr>
+    </a:lvl6pPr>
+    <a:lvl7pPr marL="2618199" algn="l" defTabSz="872733" rtl="0" eaLnBrk="1" latinLnBrk="0" hangingPunct="1">
+      <a:defRPr sz="1100" kern="1200">
+        <a:solidFill>
+          <a:schemeClr val="tx1"/>
+        </a:solidFill>
+        <a:latin typeface="+mn-lt"/>
+        <a:ea typeface="+mn-ea"/>
+        <a:cs typeface="+mn-cs"/>
+      </a:defRPr>
+    </a:lvl7pPr>
+    <a:lvl8pPr marL="3054566" algn="l" defTabSz="872733" rtl="0" eaLnBrk="1" latinLnBrk="0" hangingPunct="1">
+      <a:defRPr sz="1100" kern="1200">
+        <a:solidFill>
+          <a:schemeClr val="tx1"/>
+        </a:solidFill>
+        <a:latin typeface="+mn-lt"/>
+        <a:ea typeface="+mn-ea"/>
+        <a:cs typeface="+mn-cs"/>
+      </a:defRPr>
+    </a:lvl8pPr>
+    <a:lvl9pPr marL="3490932" algn="l" defTabSz="872733" rtl="0" eaLnBrk="1" latinLnBrk="0" hangingPunct="1">
+      <a:defRPr sz="1100" kern="1200">
+        <a:solidFill>
+          <a:schemeClr val="tx1"/>
+        </a:solidFill>
+        <a:latin typeface="+mn-lt"/>
+        <a:ea typeface="+mn-ea"/>
+        <a:cs typeface="+mn-cs"/>
+      </a:defRPr>
+    </a:lvl9pPr>
+  </p:notesStyle>
+</p:notesMaster>
+</file>
+
+<file path=ppt/notesSlides/notesSlide1.xml><?xml version="1.0" encoding="utf-8"?>
+<p:notes xmlns:a="http://schemas.openxmlformats.org/drawingml/2006/main" xmlns:r="http://schemas.openxmlformats.org/officeDocument/2006/relationships" xmlns:p="http://schemas.openxmlformats.org/presentationml/2006/main">
+  <p:cSld>
+    <p:spTree>
+      <p:nvGrpSpPr>
+        <p:cNvPr id="1" name=""/>
+        <p:cNvGrpSpPr/>
+        <p:nvPr/>
+      </p:nvGrpSpPr>
+      <p:grpSpPr>
+        <a:xfrm>
+          <a:off x="0" y="0"/>
+          <a:ext cx="0" cy="0"/>
+          <a:chOff x="0" y="0"/>
+          <a:chExt cx="0" cy="0"/>
+        </a:xfrm>
+      </p:grpSpPr>
+      <p:sp>
+        <p:nvSpPr>
+          <p:cNvPr id="2" name="Slide Image Placeholder 1"/>
+          <p:cNvSpPr>
+            <a:spLocks noGrp="1" noRot="1" noChangeAspect="1"/>
+          </p:cNvSpPr>
+          <p:nvPr>
+            <p:ph type="sldImg"/>
+          </p:nvPr>
+        </p:nvSpPr>
+        <p:spPr/>
+      </p:sp>
+      <p:sp>
+        <p:nvSpPr>
+          <p:cNvPr id="3" name="Notes Placeholder 2"/>
+          <p:cNvSpPr>
+            <a:spLocks noGrp="1"/>
+          </p:cNvSpPr>
+          <p:nvPr>
+            <p:ph type="body" idx="1"/>
+          </p:nvPr>
+        </p:nvSpPr>
+        <p:spPr/>
+        <p:txBody>
+          <a:bodyPr>
+            <a:normAutofit/>
+          </a:bodyPr>
+          <a:lstStyle/>
+          <a:p>
+            <a:endParaRPr lang="en-US"/>
+          </a:p>
+        </p:txBody>
+      </p:sp>
+      <p:sp>
+        <p:nvSpPr>
+          <p:cNvPr id="4" name="Slide Number Placeholder 3"/>
+          <p:cNvSpPr>
+            <a:spLocks noGrp="1"/>
+          </p:cNvSpPr>
+          <p:nvPr>
+            <p:ph type="sldNum" sz="quarter" idx="10"/>
+          </p:nvPr>
+        </p:nvSpPr>
+        <p:spPr/>
+        <p:txBody>
+          <a:bodyPr/>
+          <a:lstStyle/>
+          <a:p>
+            <a:fld id="{D8AAB797-2628-476A-9ECD-6773D97C2656}" type="slidenum">
+              <a:rPr lang="en-US" smtClean="0"/>
+              <a:pPr/>
+              <a:t>115</a:t>
+            </a:fld>
+            <a:endParaRPr lang="en-US"/>
+          </a:p>
+        </p:txBody>
+      </p:sp>
+    </p:spTree>
+  </p:cSld>
+  <p:clrMapOvr>
+    <a:masterClrMapping/>
+  </p:clrMapOvr>
+</p:notes>
 </file>
 
 <file path=ppt/slideLayouts/slideLayout1.xml><?xml version="1.0" encoding="utf-8"?>
@@ -136,7 +575,7 @@
         </p:nvSpPr>
         <p:spPr>
           <a:xfrm>
-            <a:off x="685800" y="2130425"/>
+            <a:off x="685800" y="2130428"/>
             <a:ext cx="7772400" cy="1470025"/>
           </a:xfrm>
         </p:spPr>
@@ -148,7 +587,7 @@
               <a:rPr lang="en-US" smtClean="0"/>
               <a:t>Click to edit Master title style</a:t>
             </a:r>
-            <a:endParaRPr lang="en-SG"/>
+            <a:endParaRPr lang="en-US"/>
           </a:p>
         </p:txBody>
       </p:sp>
@@ -175,13 +614,11 @@
               <a:buNone/>
               <a:defRPr>
                 <a:solidFill>
-                  <a:schemeClr val="tx1">
-                    <a:tint val="75000"/>
-                  </a:schemeClr>
+                  <a:srgbClr val="0070C0"/>
                 </a:solidFill>
               </a:defRPr>
             </a:lvl1pPr>
-            <a:lvl2pPr marL="457200" indent="0" algn="ctr">
+            <a:lvl2pPr marL="436366" indent="0" algn="ctr">
               <a:buNone/>
               <a:defRPr>
                 <a:solidFill>
@@ -191,7 +628,7 @@
                 </a:solidFill>
               </a:defRPr>
             </a:lvl2pPr>
-            <a:lvl3pPr marL="914400" indent="0" algn="ctr">
+            <a:lvl3pPr marL="872733" indent="0" algn="ctr">
               <a:buNone/>
               <a:defRPr>
                 <a:solidFill>
@@ -201,7 +638,7 @@
                 </a:solidFill>
               </a:defRPr>
             </a:lvl3pPr>
-            <a:lvl4pPr marL="1371600" indent="0" algn="ctr">
+            <a:lvl4pPr marL="1309099" indent="0" algn="ctr">
               <a:buNone/>
               <a:defRPr>
                 <a:solidFill>
@@ -211,7 +648,7 @@
                 </a:solidFill>
               </a:defRPr>
             </a:lvl4pPr>
-            <a:lvl5pPr marL="1828800" indent="0" algn="ctr">
+            <a:lvl5pPr marL="1745465" indent="0" algn="ctr">
               <a:buNone/>
               <a:defRPr>
                 <a:solidFill>
@@ -221,7 +658,7 @@
                 </a:solidFill>
               </a:defRPr>
             </a:lvl5pPr>
-            <a:lvl6pPr marL="2286000" indent="0" algn="ctr">
+            <a:lvl6pPr marL="2181832" indent="0" algn="ctr">
               <a:buNone/>
               <a:defRPr>
                 <a:solidFill>
@@ -231,7 +668,7 @@
                 </a:solidFill>
               </a:defRPr>
             </a:lvl6pPr>
-            <a:lvl7pPr marL="2743200" indent="0" algn="ctr">
+            <a:lvl7pPr marL="2618199" indent="0" algn="ctr">
               <a:buNone/>
               <a:defRPr>
                 <a:solidFill>
@@ -241,7 +678,7 @@
                 </a:solidFill>
               </a:defRPr>
             </a:lvl7pPr>
-            <a:lvl8pPr marL="3200400" indent="0" algn="ctr">
+            <a:lvl8pPr marL="3054566" indent="0" algn="ctr">
               <a:buNone/>
               <a:defRPr>
                 <a:solidFill>
@@ -251,7 +688,7 @@
                 </a:solidFill>
               </a:defRPr>
             </a:lvl8pPr>
-            <a:lvl9pPr marL="3657600" indent="0" algn="ctr">
+            <a:lvl9pPr marL="3490932" indent="0" algn="ctr">
               <a:buNone/>
               <a:defRPr>
                 <a:solidFill>
@@ -267,7 +704,7 @@
               <a:rPr lang="en-US" smtClean="0"/>
               <a:t>Click to edit Master subtitle style</a:t>
             </a:r>
-            <a:endParaRPr lang="en-SG"/>
+            <a:endParaRPr lang="en-US"/>
           </a:p>
         </p:txBody>
       </p:sp>
@@ -286,11 +723,7 @@
           <a:bodyPr/>
           <a:lstStyle/>
           <a:p>
-            <a:fld id="{A0F86979-30DA-49EE-A740-32EBA6D2B7DE}" type="datetimeFigureOut">
-              <a:rPr lang="en-SG" smtClean="0"/>
-              <a:t>2/6/2017</a:t>
-            </a:fld>
-            <a:endParaRPr lang="en-SG"/>
+            <a:endParaRPr lang="en-US"/>
           </a:p>
         </p:txBody>
       </p:sp>
@@ -309,7 +742,7 @@
           <a:bodyPr/>
           <a:lstStyle/>
           <a:p>
-            <a:endParaRPr lang="en-SG"/>
+            <a:endParaRPr lang="en-US"/>
           </a:p>
         </p:txBody>
       </p:sp>
@@ -328,24 +761,27 @@
           <a:bodyPr/>
           <a:lstStyle/>
           <a:p>
-            <a:fld id="{EBF7C7F7-E270-4260-A412-76A75D6182AD}" type="slidenum">
-              <a:rPr lang="en-SG" smtClean="0"/>
+            <a:fld id="{5B8905EB-9186-4B9B-BEF9-C6B1CD50847D}" type="slidenum">
+              <a:rPr lang="en-US" smtClean="0"/>
+              <a:pPr/>
               <a:t>‹#›</a:t>
             </a:fld>
-            <a:endParaRPr lang="en-SG"/>
+            <a:endParaRPr lang="en-US"/>
           </a:p>
         </p:txBody>
       </p:sp>
     </p:spTree>
-    <p:extLst>
-      <p:ext uri="{BB962C8B-B14F-4D97-AF65-F5344CB8AC3E}">
-        <p14:creationId xmlns:p14="http://schemas.microsoft.com/office/powerpoint/2010/main" val="135796274"/>
-      </p:ext>
-    </p:extLst>
   </p:cSld>
   <p:clrMapOvr>
     <a:masterClrMapping/>
   </p:clrMapOvr>
+  <p:timing>
+    <p:tnLst>
+      <p:par>
+        <p:cTn id="1" dur="indefinite" restart="never" nodeType="tmRoot"/>
+      </p:par>
+    </p:tnLst>
+  </p:timing>
 </p:sldLayout>
 </file>
 
@@ -385,7 +821,7 @@
               <a:rPr lang="en-US" smtClean="0"/>
               <a:t>Click to edit Master title style</a:t>
             </a:r>
-            <a:endParaRPr lang="en-SG"/>
+            <a:endParaRPr lang="en-US"/>
           </a:p>
         </p:txBody>
       </p:sp>
@@ -437,7 +873,7 @@
               <a:rPr lang="en-US" smtClean="0"/>
               <a:t>Fifth level</a:t>
             </a:r>
-            <a:endParaRPr lang="en-SG"/>
+            <a:endParaRPr lang="en-US"/>
           </a:p>
         </p:txBody>
       </p:sp>
@@ -456,11 +892,7 @@
           <a:bodyPr/>
           <a:lstStyle/>
           <a:p>
-            <a:fld id="{A0F86979-30DA-49EE-A740-32EBA6D2B7DE}" type="datetimeFigureOut">
-              <a:rPr lang="en-SG" smtClean="0"/>
-              <a:t>2/6/2017</a:t>
-            </a:fld>
-            <a:endParaRPr lang="en-SG"/>
+            <a:endParaRPr lang="en-US"/>
           </a:p>
         </p:txBody>
       </p:sp>
@@ -479,7 +911,7 @@
           <a:bodyPr/>
           <a:lstStyle/>
           <a:p>
-            <a:endParaRPr lang="en-SG"/>
+            <a:endParaRPr lang="en-US"/>
           </a:p>
         </p:txBody>
       </p:sp>
@@ -498,20 +930,16 @@
           <a:bodyPr/>
           <a:lstStyle/>
           <a:p>
-            <a:fld id="{EBF7C7F7-E270-4260-A412-76A75D6182AD}" type="slidenum">
-              <a:rPr lang="en-SG" smtClean="0"/>
+            <a:fld id="{5B8905EB-9186-4B9B-BEF9-C6B1CD50847D}" type="slidenum">
+              <a:rPr lang="en-US" smtClean="0"/>
+              <a:pPr/>
               <a:t>‹#›</a:t>
             </a:fld>
-            <a:endParaRPr lang="en-SG"/>
+            <a:endParaRPr lang="en-US"/>
           </a:p>
         </p:txBody>
       </p:sp>
     </p:spTree>
-    <p:extLst>
-      <p:ext uri="{BB962C8B-B14F-4D97-AF65-F5344CB8AC3E}">
-        <p14:creationId xmlns:p14="http://schemas.microsoft.com/office/powerpoint/2010/main" val="3528568514"/>
-      </p:ext>
-    </p:extLst>
   </p:cSld>
   <p:clrMapOvr>
     <a:masterClrMapping/>
@@ -548,7 +976,7 @@
         </p:nvSpPr>
         <p:spPr>
           <a:xfrm>
-            <a:off x="6629400" y="274638"/>
+            <a:off x="6629400" y="274641"/>
             <a:ext cx="2057400" cy="5851525"/>
           </a:xfrm>
         </p:spPr>
@@ -560,7 +988,7 @@
               <a:rPr lang="en-US" smtClean="0"/>
               <a:t>Click to edit Master title style</a:t>
             </a:r>
-            <a:endParaRPr lang="en-SG"/>
+            <a:endParaRPr lang="en-US"/>
           </a:p>
         </p:txBody>
       </p:sp>
@@ -576,7 +1004,7 @@
         </p:nvSpPr>
         <p:spPr>
           <a:xfrm>
-            <a:off x="457200" y="274638"/>
+            <a:off x="457200" y="274641"/>
             <a:ext cx="6019800" cy="5851525"/>
           </a:xfrm>
         </p:spPr>
@@ -617,7 +1045,7 @@
               <a:rPr lang="en-US" smtClean="0"/>
               <a:t>Fifth level</a:t>
             </a:r>
-            <a:endParaRPr lang="en-SG"/>
+            <a:endParaRPr lang="en-US"/>
           </a:p>
         </p:txBody>
       </p:sp>
@@ -636,11 +1064,7 @@
           <a:bodyPr/>
           <a:lstStyle/>
           <a:p>
-            <a:fld id="{A0F86979-30DA-49EE-A740-32EBA6D2B7DE}" type="datetimeFigureOut">
-              <a:rPr lang="en-SG" smtClean="0"/>
-              <a:t>2/6/2017</a:t>
-            </a:fld>
-            <a:endParaRPr lang="en-SG"/>
+            <a:endParaRPr lang="en-US"/>
           </a:p>
         </p:txBody>
       </p:sp>
@@ -659,7 +1083,7 @@
           <a:bodyPr/>
           <a:lstStyle/>
           <a:p>
-            <a:endParaRPr lang="en-SG"/>
+            <a:endParaRPr lang="en-US"/>
           </a:p>
         </p:txBody>
       </p:sp>
@@ -678,20 +1102,16 @@
           <a:bodyPr/>
           <a:lstStyle/>
           <a:p>
-            <a:fld id="{EBF7C7F7-E270-4260-A412-76A75D6182AD}" type="slidenum">
-              <a:rPr lang="en-SG" smtClean="0"/>
+            <a:fld id="{5B8905EB-9186-4B9B-BEF9-C6B1CD50847D}" type="slidenum">
+              <a:rPr lang="en-US" smtClean="0"/>
+              <a:pPr/>
               <a:t>‹#›</a:t>
             </a:fld>
-            <a:endParaRPr lang="en-SG"/>
+            <a:endParaRPr lang="en-US"/>
           </a:p>
         </p:txBody>
       </p:sp>
     </p:spTree>
-    <p:extLst>
-      <p:ext uri="{BB962C8B-B14F-4D97-AF65-F5344CB8AC3E}">
-        <p14:creationId xmlns:p14="http://schemas.microsoft.com/office/powerpoint/2010/main" val="2418564099"/>
-      </p:ext>
-    </p:extLst>
   </p:cSld>
   <p:clrMapOvr>
     <a:masterClrMapping/>
@@ -718,123 +1138,6 @@
       </p:grpSpPr>
       <p:sp>
         <p:nvSpPr>
-          <p:cNvPr id="2" name="Title 1"/>
-          <p:cNvSpPr>
-            <a:spLocks noGrp="1"/>
-          </p:cNvSpPr>
-          <p:nvPr>
-            <p:ph type="title"/>
-          </p:nvPr>
-        </p:nvSpPr>
-        <p:spPr/>
-        <p:txBody>
-          <a:bodyPr/>
-          <a:lstStyle/>
-          <a:p>
-            <a:r>
-              <a:rPr lang="en-US" smtClean="0"/>
-              <a:t>Click to edit Master title style</a:t>
-            </a:r>
-            <a:endParaRPr lang="en-SG"/>
-          </a:p>
-        </p:txBody>
-      </p:sp>
-      <p:sp>
-        <p:nvSpPr>
-          <p:cNvPr id="3" name="Content Placeholder 2"/>
-          <p:cNvSpPr>
-            <a:spLocks noGrp="1"/>
-          </p:cNvSpPr>
-          <p:nvPr>
-            <p:ph idx="1"/>
-          </p:nvPr>
-        </p:nvSpPr>
-        <p:spPr/>
-        <p:txBody>
-          <a:bodyPr/>
-          <a:lstStyle/>
-          <a:p>
-            <a:pPr lvl="0"/>
-            <a:r>
-              <a:rPr lang="en-US" smtClean="0"/>
-              <a:t>Click to edit Master text styles</a:t>
-            </a:r>
-          </a:p>
-          <a:p>
-            <a:pPr lvl="1"/>
-            <a:r>
-              <a:rPr lang="en-US" smtClean="0"/>
-              <a:t>Second level</a:t>
-            </a:r>
-          </a:p>
-          <a:p>
-            <a:pPr lvl="2"/>
-            <a:r>
-              <a:rPr lang="en-US" smtClean="0"/>
-              <a:t>Third level</a:t>
-            </a:r>
-          </a:p>
-          <a:p>
-            <a:pPr lvl="3"/>
-            <a:r>
-              <a:rPr lang="en-US" smtClean="0"/>
-              <a:t>Fourth level</a:t>
-            </a:r>
-          </a:p>
-          <a:p>
-            <a:pPr lvl="4"/>
-            <a:r>
-              <a:rPr lang="en-US" smtClean="0"/>
-              <a:t>Fifth level</a:t>
-            </a:r>
-            <a:endParaRPr lang="en-SG"/>
-          </a:p>
-        </p:txBody>
-      </p:sp>
-      <p:sp>
-        <p:nvSpPr>
-          <p:cNvPr id="4" name="Date Placeholder 3"/>
-          <p:cNvSpPr>
-            <a:spLocks noGrp="1"/>
-          </p:cNvSpPr>
-          <p:nvPr>
-            <p:ph type="dt" sz="half" idx="10"/>
-          </p:nvPr>
-        </p:nvSpPr>
-        <p:spPr/>
-        <p:txBody>
-          <a:bodyPr/>
-          <a:lstStyle/>
-          <a:p>
-            <a:fld id="{A0F86979-30DA-49EE-A740-32EBA6D2B7DE}" type="datetimeFigureOut">
-              <a:rPr lang="en-SG" smtClean="0"/>
-              <a:t>2/6/2017</a:t>
-            </a:fld>
-            <a:endParaRPr lang="en-SG"/>
-          </a:p>
-        </p:txBody>
-      </p:sp>
-      <p:sp>
-        <p:nvSpPr>
-          <p:cNvPr id="5" name="Footer Placeholder 4"/>
-          <p:cNvSpPr>
-            <a:spLocks noGrp="1"/>
-          </p:cNvSpPr>
-          <p:nvPr>
-            <p:ph type="ftr" sz="quarter" idx="11"/>
-          </p:nvPr>
-        </p:nvSpPr>
-        <p:spPr/>
-        <p:txBody>
-          <a:bodyPr/>
-          <a:lstStyle/>
-          <a:p>
-            <a:endParaRPr lang="en-SG"/>
-          </a:p>
-        </p:txBody>
-      </p:sp>
-      <p:sp>
-        <p:nvSpPr>
           <p:cNvPr id="6" name="Slide Number Placeholder 5"/>
           <p:cNvSpPr>
             <a:spLocks noGrp="1"/>
@@ -843,29 +1146,176 @@
             <p:ph type="sldNum" sz="quarter" idx="12"/>
           </p:nvPr>
         </p:nvSpPr>
-        <p:spPr/>
-        <p:txBody>
-          <a:bodyPr/>
-          <a:lstStyle/>
-          <a:p>
-            <a:fld id="{EBF7C7F7-E270-4260-A412-76A75D6182AD}" type="slidenum">
-              <a:rPr lang="en-SG" smtClean="0"/>
+        <p:spPr>
+          <a:xfrm>
+            <a:off x="7839456" y="6492875"/>
+            <a:ext cx="1228344" cy="365125"/>
+          </a:xfrm>
+        </p:spPr>
+        <p:txBody>
+          <a:bodyPr/>
+          <a:lstStyle>
+            <a:lvl1pPr>
+              <a:defRPr sz="2000" b="1">
+                <a:solidFill>
+                  <a:schemeClr val="accent6"/>
+                </a:solidFill>
+              </a:defRPr>
+            </a:lvl1pPr>
+          </a:lstStyle>
+          <a:p>
+            <a:fld id="{5B8905EB-9186-4B9B-BEF9-C6B1CD50847D}" type="slidenum">
+              <a:rPr lang="en-US" smtClean="0"/>
+              <a:pPr/>
               <a:t>‹#›</a:t>
             </a:fld>
-            <a:endParaRPr lang="en-SG"/>
+            <a:endParaRPr lang="en-US"/>
+          </a:p>
+        </p:txBody>
+      </p:sp>
+      <p:sp>
+        <p:nvSpPr>
+          <p:cNvPr id="2" name="Title 1"/>
+          <p:cNvSpPr>
+            <a:spLocks noGrp="1"/>
+          </p:cNvSpPr>
+          <p:nvPr>
+            <p:ph type="title"/>
+          </p:nvPr>
+        </p:nvSpPr>
+        <p:spPr>
+          <a:xfrm>
+            <a:off x="457200" y="274638"/>
+            <a:ext cx="8229600" cy="792162"/>
+          </a:xfrm>
+        </p:spPr>
+        <p:txBody>
+          <a:bodyPr>
+            <a:normAutofit/>
+          </a:bodyPr>
+          <a:lstStyle>
+            <a:lvl1pPr algn="l">
+              <a:defRPr sz="3600">
+                <a:solidFill>
+                  <a:schemeClr val="accent6">
+                    <a:lumMod val="75000"/>
+                  </a:schemeClr>
+                </a:solidFill>
+              </a:defRPr>
+            </a:lvl1pPr>
+          </a:lstStyle>
+          <a:p>
+            <a:r>
+              <a:rPr lang="en-US" dirty="0" smtClean="0"/>
+              <a:t>Click to edit Master title style</a:t>
+            </a:r>
+            <a:endParaRPr lang="en-US" dirty="0"/>
+          </a:p>
+        </p:txBody>
+      </p:sp>
+      <p:sp>
+        <p:nvSpPr>
+          <p:cNvPr id="3" name="Content Placeholder 2"/>
+          <p:cNvSpPr>
+            <a:spLocks noGrp="1"/>
+          </p:cNvSpPr>
+          <p:nvPr>
+            <p:ph idx="1"/>
+          </p:nvPr>
+        </p:nvSpPr>
+        <p:spPr>
+          <a:xfrm>
+            <a:off x="457200" y="1219200"/>
+            <a:ext cx="8229600" cy="1805520"/>
+          </a:xfrm>
+        </p:spPr>
+        <p:txBody>
+          <a:bodyPr>
+            <a:spAutoFit/>
+          </a:bodyPr>
+          <a:lstStyle>
+            <a:lvl1pPr>
+              <a:buSzPct val="50000"/>
+              <a:buFont typeface="Wingdings" pitchFamily="2" charset="2"/>
+              <a:buChar char="q"/>
+              <a:defRPr sz="2200">
+                <a:latin typeface="Cambria" pitchFamily="18" charset="0"/>
+              </a:defRPr>
+            </a:lvl1pPr>
+            <a:lvl2pPr>
+              <a:buSzPct val="75000"/>
+              <a:buFont typeface="Courier New" pitchFamily="49" charset="0"/>
+              <a:buChar char="o"/>
+              <a:defRPr sz="2200">
+                <a:latin typeface="Cambria" pitchFamily="18" charset="0"/>
+              </a:defRPr>
+            </a:lvl2pPr>
+            <a:lvl3pPr>
+              <a:defRPr sz="1700">
+                <a:latin typeface="Cambria" pitchFamily="18" charset="0"/>
+              </a:defRPr>
+            </a:lvl3pPr>
+            <a:lvl4pPr>
+              <a:defRPr sz="1600">
+                <a:latin typeface="Cambria" pitchFamily="18" charset="0"/>
+              </a:defRPr>
+            </a:lvl4pPr>
+            <a:lvl5pPr>
+              <a:defRPr sz="1600">
+                <a:latin typeface="Cambria" pitchFamily="18" charset="0"/>
+              </a:defRPr>
+            </a:lvl5pPr>
+          </a:lstStyle>
+          <a:p>
+            <a:pPr lvl="0"/>
+            <a:r>
+              <a:rPr lang="en-US" dirty="0" smtClean="0"/>
+              <a:t>Click to edit Master text styles</a:t>
+            </a:r>
+          </a:p>
+          <a:p>
+            <a:pPr lvl="1"/>
+            <a:r>
+              <a:rPr lang="en-US" dirty="0" smtClean="0"/>
+              <a:t>Second level</a:t>
+            </a:r>
+          </a:p>
+          <a:p>
+            <a:pPr lvl="2"/>
+            <a:r>
+              <a:rPr lang="en-US" dirty="0" smtClean="0"/>
+              <a:t>Third level</a:t>
+            </a:r>
+          </a:p>
+          <a:p>
+            <a:pPr lvl="3"/>
+            <a:r>
+              <a:rPr lang="en-US" dirty="0" smtClean="0"/>
+              <a:t>Fourth level</a:t>
+            </a:r>
+          </a:p>
+          <a:p>
+            <a:pPr lvl="4"/>
+            <a:r>
+              <a:rPr lang="en-US" dirty="0" smtClean="0"/>
+              <a:t>Fifth level</a:t>
+            </a:r>
+            <a:endParaRPr lang="en-US" dirty="0"/>
           </a:p>
         </p:txBody>
       </p:sp>
     </p:spTree>
-    <p:extLst>
-      <p:ext uri="{BB962C8B-B14F-4D97-AF65-F5344CB8AC3E}">
-        <p14:creationId xmlns:p14="http://schemas.microsoft.com/office/powerpoint/2010/main" val="4201411315"/>
-      </p:ext>
-    </p:extLst>
   </p:cSld>
   <p:clrMapOvr>
     <a:masterClrMapping/>
   </p:clrMapOvr>
+  <p:timing>
+    <p:tnLst>
+      <p:par>
+        <p:cTn id="1" dur="indefinite" restart="never" nodeType="tmRoot"/>
+      </p:par>
+    </p:tnLst>
+  </p:timing>
 </p:sldLayout>
 </file>
 
@@ -898,7 +1348,7 @@
         </p:nvSpPr>
         <p:spPr>
           <a:xfrm>
-            <a:off x="722313" y="4406900"/>
+            <a:off x="722314" y="4406903"/>
             <a:ext cx="7772400" cy="1362075"/>
           </a:xfrm>
         </p:spPr>
@@ -906,7 +1356,7 @@
           <a:bodyPr anchor="t"/>
           <a:lstStyle>
             <a:lvl1pPr algn="l">
-              <a:defRPr sz="4000" b="1" cap="all"/>
+              <a:defRPr sz="3800" b="1" cap="all"/>
             </a:lvl1pPr>
           </a:lstStyle>
           <a:p>
@@ -914,7 +1364,7 @@
               <a:rPr lang="en-US" smtClean="0"/>
               <a:t>Click to edit Master title style</a:t>
             </a:r>
-            <a:endParaRPr lang="en-SG"/>
+            <a:endParaRPr lang="en-US"/>
           </a:p>
         </p:txBody>
       </p:sp>
@@ -930,7 +1380,7 @@
         </p:nvSpPr>
         <p:spPr>
           <a:xfrm>
-            <a:off x="722313" y="2906713"/>
+            <a:off x="722314" y="2906714"/>
             <a:ext cx="7772400" cy="1500187"/>
           </a:xfrm>
         </p:spPr>
@@ -939,7 +1389,7 @@
           <a:lstStyle>
             <a:lvl1pPr marL="0" indent="0">
               <a:buNone/>
-              <a:defRPr sz="2000">
+              <a:defRPr sz="1900">
                 <a:solidFill>
                   <a:schemeClr val="tx1">
                     <a:tint val="75000"/>
@@ -947,9 +1397,9 @@
                 </a:solidFill>
               </a:defRPr>
             </a:lvl1pPr>
-            <a:lvl2pPr marL="457200" indent="0">
-              <a:buNone/>
-              <a:defRPr sz="1800">
+            <a:lvl2pPr marL="436366" indent="0">
+              <a:buNone/>
+              <a:defRPr sz="1700">
                 <a:solidFill>
                   <a:schemeClr val="tx1">
                     <a:tint val="75000"/>
@@ -957,7 +1407,7 @@
                 </a:solidFill>
               </a:defRPr>
             </a:lvl2pPr>
-            <a:lvl3pPr marL="914400" indent="0">
+            <a:lvl3pPr marL="872733" indent="0">
               <a:buNone/>
               <a:defRPr sz="1600">
                 <a:solidFill>
@@ -967,7 +1417,7 @@
                 </a:solidFill>
               </a:defRPr>
             </a:lvl3pPr>
-            <a:lvl4pPr marL="1371600" indent="0">
+            <a:lvl4pPr marL="1309099" indent="0">
               <a:buNone/>
               <a:defRPr sz="1400">
                 <a:solidFill>
@@ -977,7 +1427,7 @@
                 </a:solidFill>
               </a:defRPr>
             </a:lvl4pPr>
-            <a:lvl5pPr marL="1828800" indent="0">
+            <a:lvl5pPr marL="1745465" indent="0">
               <a:buNone/>
               <a:defRPr sz="1400">
                 <a:solidFill>
@@ -987,7 +1437,7 @@
                 </a:solidFill>
               </a:defRPr>
             </a:lvl5pPr>
-            <a:lvl6pPr marL="2286000" indent="0">
+            <a:lvl6pPr marL="2181832" indent="0">
               <a:buNone/>
               <a:defRPr sz="1400">
                 <a:solidFill>
@@ -997,7 +1447,7 @@
                 </a:solidFill>
               </a:defRPr>
             </a:lvl6pPr>
-            <a:lvl7pPr marL="2743200" indent="0">
+            <a:lvl7pPr marL="2618199" indent="0">
               <a:buNone/>
               <a:defRPr sz="1400">
                 <a:solidFill>
@@ -1007,7 +1457,7 @@
                 </a:solidFill>
               </a:defRPr>
             </a:lvl7pPr>
-            <a:lvl8pPr marL="3200400" indent="0">
+            <a:lvl8pPr marL="3054566" indent="0">
               <a:buNone/>
               <a:defRPr sz="1400">
                 <a:solidFill>
@@ -1017,7 +1467,7 @@
                 </a:solidFill>
               </a:defRPr>
             </a:lvl8pPr>
-            <a:lvl9pPr marL="3657600" indent="0">
+            <a:lvl9pPr marL="3490932" indent="0">
               <a:buNone/>
               <a:defRPr sz="1400">
                 <a:solidFill>
@@ -1052,11 +1502,7 @@
           <a:bodyPr/>
           <a:lstStyle/>
           <a:p>
-            <a:fld id="{A0F86979-30DA-49EE-A740-32EBA6D2B7DE}" type="datetimeFigureOut">
-              <a:rPr lang="en-SG" smtClean="0"/>
-              <a:t>2/6/2017</a:t>
-            </a:fld>
-            <a:endParaRPr lang="en-SG"/>
+            <a:endParaRPr lang="en-US"/>
           </a:p>
         </p:txBody>
       </p:sp>
@@ -1075,7 +1521,7 @@
           <a:bodyPr/>
           <a:lstStyle/>
           <a:p>
-            <a:endParaRPr lang="en-SG"/>
+            <a:endParaRPr lang="en-US"/>
           </a:p>
         </p:txBody>
       </p:sp>
@@ -1094,20 +1540,16 @@
           <a:bodyPr/>
           <a:lstStyle/>
           <a:p>
-            <a:fld id="{EBF7C7F7-E270-4260-A412-76A75D6182AD}" type="slidenum">
-              <a:rPr lang="en-SG" smtClean="0"/>
+            <a:fld id="{5B8905EB-9186-4B9B-BEF9-C6B1CD50847D}" type="slidenum">
+              <a:rPr lang="en-US" smtClean="0"/>
+              <a:pPr/>
               <a:t>‹#›</a:t>
             </a:fld>
-            <a:endParaRPr lang="en-SG"/>
+            <a:endParaRPr lang="en-US"/>
           </a:p>
         </p:txBody>
       </p:sp>
     </p:spTree>
-    <p:extLst>
-      <p:ext uri="{BB962C8B-B14F-4D97-AF65-F5344CB8AC3E}">
-        <p14:creationId xmlns:p14="http://schemas.microsoft.com/office/powerpoint/2010/main" val="3750375640"/>
-      </p:ext>
-    </p:extLst>
   </p:cSld>
   <p:clrMapOvr>
     <a:masterClrMapping/>
@@ -1151,7 +1593,7 @@
               <a:rPr lang="en-US" smtClean="0"/>
               <a:t>Click to edit Master title style</a:t>
             </a:r>
-            <a:endParaRPr lang="en-SG"/>
+            <a:endParaRPr lang="en-US"/>
           </a:p>
         </p:txBody>
       </p:sp>
@@ -1167,7 +1609,7 @@
         </p:nvSpPr>
         <p:spPr>
           <a:xfrm>
-            <a:off x="457200" y="1600200"/>
+            <a:off x="457200" y="1600203"/>
             <a:ext cx="4038600" cy="4525963"/>
           </a:xfrm>
         </p:spPr>
@@ -1175,31 +1617,31 @@
           <a:bodyPr/>
           <a:lstStyle>
             <a:lvl1pPr>
-              <a:defRPr sz="2800"/>
+              <a:defRPr sz="2700"/>
             </a:lvl1pPr>
             <a:lvl2pPr>
-              <a:defRPr sz="2400"/>
+              <a:defRPr sz="2300"/>
             </a:lvl2pPr>
             <a:lvl3pPr>
-              <a:defRPr sz="2000"/>
+              <a:defRPr sz="1900"/>
             </a:lvl3pPr>
             <a:lvl4pPr>
-              <a:defRPr sz="1800"/>
+              <a:defRPr sz="1700"/>
             </a:lvl4pPr>
             <a:lvl5pPr>
-              <a:defRPr sz="1800"/>
+              <a:defRPr sz="1700"/>
             </a:lvl5pPr>
             <a:lvl6pPr>
-              <a:defRPr sz="1800"/>
+              <a:defRPr sz="1700"/>
             </a:lvl6pPr>
             <a:lvl7pPr>
-              <a:defRPr sz="1800"/>
+              <a:defRPr sz="1700"/>
             </a:lvl7pPr>
             <a:lvl8pPr>
-              <a:defRPr sz="1800"/>
+              <a:defRPr sz="1700"/>
             </a:lvl8pPr>
             <a:lvl9pPr>
-              <a:defRPr sz="1800"/>
+              <a:defRPr sz="1700"/>
             </a:lvl9pPr>
           </a:lstStyle>
           <a:p>
@@ -1236,7 +1678,7 @@
               <a:rPr lang="en-US" smtClean="0"/>
               <a:t>Fifth level</a:t>
             </a:r>
-            <a:endParaRPr lang="en-SG"/>
+            <a:endParaRPr lang="en-US"/>
           </a:p>
         </p:txBody>
       </p:sp>
@@ -1252,7 +1694,7 @@
         </p:nvSpPr>
         <p:spPr>
           <a:xfrm>
-            <a:off x="4648200" y="1600200"/>
+            <a:off x="4648200" y="1600203"/>
             <a:ext cx="4038600" cy="4525963"/>
           </a:xfrm>
         </p:spPr>
@@ -1260,31 +1702,31 @@
           <a:bodyPr/>
           <a:lstStyle>
             <a:lvl1pPr>
-              <a:defRPr sz="2800"/>
+              <a:defRPr sz="2700"/>
             </a:lvl1pPr>
             <a:lvl2pPr>
-              <a:defRPr sz="2400"/>
+              <a:defRPr sz="2300"/>
             </a:lvl2pPr>
             <a:lvl3pPr>
-              <a:defRPr sz="2000"/>
+              <a:defRPr sz="1900"/>
             </a:lvl3pPr>
             <a:lvl4pPr>
-              <a:defRPr sz="1800"/>
+              <a:defRPr sz="1700"/>
             </a:lvl4pPr>
             <a:lvl5pPr>
-              <a:defRPr sz="1800"/>
+              <a:defRPr sz="1700"/>
             </a:lvl5pPr>
             <a:lvl6pPr>
-              <a:defRPr sz="1800"/>
+              <a:defRPr sz="1700"/>
             </a:lvl6pPr>
             <a:lvl7pPr>
-              <a:defRPr sz="1800"/>
+              <a:defRPr sz="1700"/>
             </a:lvl7pPr>
             <a:lvl8pPr>
-              <a:defRPr sz="1800"/>
+              <a:defRPr sz="1700"/>
             </a:lvl8pPr>
             <a:lvl9pPr>
-              <a:defRPr sz="1800"/>
+              <a:defRPr sz="1700"/>
             </a:lvl9pPr>
           </a:lstStyle>
           <a:p>
@@ -1321,7 +1763,7 @@
               <a:rPr lang="en-US" smtClean="0"/>
               <a:t>Fifth level</a:t>
             </a:r>
-            <a:endParaRPr lang="en-SG"/>
+            <a:endParaRPr lang="en-US"/>
           </a:p>
         </p:txBody>
       </p:sp>
@@ -1340,11 +1782,7 @@
           <a:bodyPr/>
           <a:lstStyle/>
           <a:p>
-            <a:fld id="{A0F86979-30DA-49EE-A740-32EBA6D2B7DE}" type="datetimeFigureOut">
-              <a:rPr lang="en-SG" smtClean="0"/>
-              <a:t>2/6/2017</a:t>
-            </a:fld>
-            <a:endParaRPr lang="en-SG"/>
+            <a:endParaRPr lang="en-US"/>
           </a:p>
         </p:txBody>
       </p:sp>
@@ -1363,7 +1801,7 @@
           <a:bodyPr/>
           <a:lstStyle/>
           <a:p>
-            <a:endParaRPr lang="en-SG"/>
+            <a:endParaRPr lang="en-US"/>
           </a:p>
         </p:txBody>
       </p:sp>
@@ -1382,20 +1820,16 @@
           <a:bodyPr/>
           <a:lstStyle/>
           <a:p>
-            <a:fld id="{EBF7C7F7-E270-4260-A412-76A75D6182AD}" type="slidenum">
-              <a:rPr lang="en-SG" smtClean="0"/>
+            <a:fld id="{5B8905EB-9186-4B9B-BEF9-C6B1CD50847D}" type="slidenum">
+              <a:rPr lang="en-US" smtClean="0"/>
+              <a:pPr/>
               <a:t>‹#›</a:t>
             </a:fld>
-            <a:endParaRPr lang="en-SG"/>
+            <a:endParaRPr lang="en-US"/>
           </a:p>
         </p:txBody>
       </p:sp>
     </p:spTree>
-    <p:extLst>
-      <p:ext uri="{BB962C8B-B14F-4D97-AF65-F5344CB8AC3E}">
-        <p14:creationId xmlns:p14="http://schemas.microsoft.com/office/powerpoint/2010/main" val="168309803"/>
-      </p:ext>
-    </p:extLst>
   </p:cSld>
   <p:clrMapOvr>
     <a:masterClrMapping/>
@@ -1432,18 +1866,26 @@
         </p:nvSpPr>
         <p:spPr/>
         <p:txBody>
-          <a:bodyPr/>
+          <a:bodyPr>
+            <a:normAutofit/>
+          </a:bodyPr>
           <a:lstStyle>
-            <a:lvl1pPr>
-              <a:defRPr/>
+            <a:lvl1pPr algn="l">
+              <a:defRPr sz="3800">
+                <a:solidFill>
+                  <a:schemeClr val="accent6">
+                    <a:lumMod val="75000"/>
+                  </a:schemeClr>
+                </a:solidFill>
+              </a:defRPr>
             </a:lvl1pPr>
           </a:lstStyle>
           <a:p>
             <a:r>
-              <a:rPr lang="en-US" smtClean="0"/>
+              <a:rPr lang="en-US" dirty="0" smtClean="0"/>
               <a:t>Click to edit Master title style</a:t>
             </a:r>
-            <a:endParaRPr lang="en-SG"/>
+            <a:endParaRPr lang="en-US" dirty="0"/>
           </a:p>
         </p:txBody>
       </p:sp>
@@ -1459,8 +1901,8 @@
         </p:nvSpPr>
         <p:spPr>
           <a:xfrm>
-            <a:off x="457200" y="1535113"/>
-            <a:ext cx="4040188" cy="639762"/>
+            <a:off x="457200" y="1535114"/>
+            <a:ext cx="4040187" cy="639762"/>
           </a:xfrm>
         </p:spPr>
         <p:txBody>
@@ -1468,37 +1910,37 @@
           <a:lstStyle>
             <a:lvl1pPr marL="0" indent="0">
               <a:buNone/>
-              <a:defRPr sz="2400" b="1"/>
+              <a:defRPr sz="2300" b="1"/>
             </a:lvl1pPr>
-            <a:lvl2pPr marL="457200" indent="0">
-              <a:buNone/>
-              <a:defRPr sz="2000" b="1"/>
+            <a:lvl2pPr marL="436366" indent="0">
+              <a:buNone/>
+              <a:defRPr sz="1900" b="1"/>
             </a:lvl2pPr>
-            <a:lvl3pPr marL="914400" indent="0">
-              <a:buNone/>
-              <a:defRPr sz="1800" b="1"/>
+            <a:lvl3pPr marL="872733" indent="0">
+              <a:buNone/>
+              <a:defRPr sz="1700" b="1"/>
             </a:lvl3pPr>
-            <a:lvl4pPr marL="1371600" indent="0">
+            <a:lvl4pPr marL="1309099" indent="0">
               <a:buNone/>
               <a:defRPr sz="1600" b="1"/>
             </a:lvl4pPr>
-            <a:lvl5pPr marL="1828800" indent="0">
+            <a:lvl5pPr marL="1745465" indent="0">
               <a:buNone/>
               <a:defRPr sz="1600" b="1"/>
             </a:lvl5pPr>
-            <a:lvl6pPr marL="2286000" indent="0">
+            <a:lvl6pPr marL="2181832" indent="0">
               <a:buNone/>
               <a:defRPr sz="1600" b="1"/>
             </a:lvl6pPr>
-            <a:lvl7pPr marL="2743200" indent="0">
+            <a:lvl7pPr marL="2618199" indent="0">
               <a:buNone/>
               <a:defRPr sz="1600" b="1"/>
             </a:lvl7pPr>
-            <a:lvl8pPr marL="3200400" indent="0">
+            <a:lvl8pPr marL="3054566" indent="0">
               <a:buNone/>
               <a:defRPr sz="1600" b="1"/>
             </a:lvl8pPr>
-            <a:lvl9pPr marL="3657600" indent="0">
+            <a:lvl9pPr marL="3490932" indent="0">
               <a:buNone/>
               <a:defRPr sz="1600" b="1"/>
             </a:lvl9pPr>
@@ -1524,21 +1966,21 @@
         </p:nvSpPr>
         <p:spPr>
           <a:xfrm>
-            <a:off x="457200" y="2174875"/>
-            <a:ext cx="4040188" cy="3951288"/>
+            <a:off x="457200" y="2174876"/>
+            <a:ext cx="4040187" cy="3951288"/>
           </a:xfrm>
         </p:spPr>
         <p:txBody>
           <a:bodyPr/>
           <a:lstStyle>
             <a:lvl1pPr>
-              <a:defRPr sz="2400"/>
+              <a:defRPr sz="2300"/>
             </a:lvl1pPr>
             <a:lvl2pPr>
-              <a:defRPr sz="2000"/>
+              <a:defRPr sz="1900"/>
             </a:lvl2pPr>
             <a:lvl3pPr>
-              <a:defRPr sz="1800"/>
+              <a:defRPr sz="1700"/>
             </a:lvl3pPr>
             <a:lvl4pPr>
               <a:defRPr sz="1600"/>
@@ -1593,7 +2035,7 @@
               <a:rPr lang="en-US" smtClean="0"/>
               <a:t>Fifth level</a:t>
             </a:r>
-            <a:endParaRPr lang="en-SG"/>
+            <a:endParaRPr lang="en-US"/>
           </a:p>
         </p:txBody>
       </p:sp>
@@ -1609,7 +2051,7 @@
         </p:nvSpPr>
         <p:spPr>
           <a:xfrm>
-            <a:off x="4645025" y="1535113"/>
+            <a:off x="4645026" y="1535114"/>
             <a:ext cx="4041775" cy="639762"/>
           </a:xfrm>
         </p:spPr>
@@ -1618,37 +2060,37 @@
           <a:lstStyle>
             <a:lvl1pPr marL="0" indent="0">
               <a:buNone/>
-              <a:defRPr sz="2400" b="1"/>
+              <a:defRPr sz="2300" b="1"/>
             </a:lvl1pPr>
-            <a:lvl2pPr marL="457200" indent="0">
-              <a:buNone/>
-              <a:defRPr sz="2000" b="1"/>
+            <a:lvl2pPr marL="436366" indent="0">
+              <a:buNone/>
+              <a:defRPr sz="1900" b="1"/>
             </a:lvl2pPr>
-            <a:lvl3pPr marL="914400" indent="0">
-              <a:buNone/>
-              <a:defRPr sz="1800" b="1"/>
+            <a:lvl3pPr marL="872733" indent="0">
+              <a:buNone/>
+              <a:defRPr sz="1700" b="1"/>
             </a:lvl3pPr>
-            <a:lvl4pPr marL="1371600" indent="0">
+            <a:lvl4pPr marL="1309099" indent="0">
               <a:buNone/>
               <a:defRPr sz="1600" b="1"/>
             </a:lvl4pPr>
-            <a:lvl5pPr marL="1828800" indent="0">
+            <a:lvl5pPr marL="1745465" indent="0">
               <a:buNone/>
               <a:defRPr sz="1600" b="1"/>
             </a:lvl5pPr>
-            <a:lvl6pPr marL="2286000" indent="0">
+            <a:lvl6pPr marL="2181832" indent="0">
               <a:buNone/>
               <a:defRPr sz="1600" b="1"/>
             </a:lvl6pPr>
-            <a:lvl7pPr marL="2743200" indent="0">
+            <a:lvl7pPr marL="2618199" indent="0">
               <a:buNone/>
               <a:defRPr sz="1600" b="1"/>
             </a:lvl7pPr>
-            <a:lvl8pPr marL="3200400" indent="0">
+            <a:lvl8pPr marL="3054566" indent="0">
               <a:buNone/>
               <a:defRPr sz="1600" b="1"/>
             </a:lvl8pPr>
-            <a:lvl9pPr marL="3657600" indent="0">
+            <a:lvl9pPr marL="3490932" indent="0">
               <a:buNone/>
               <a:defRPr sz="1600" b="1"/>
             </a:lvl9pPr>
@@ -1674,7 +2116,7 @@
         </p:nvSpPr>
         <p:spPr>
           <a:xfrm>
-            <a:off x="4645025" y="2174875"/>
+            <a:off x="4645026" y="2174876"/>
             <a:ext cx="4041775" cy="3951288"/>
           </a:xfrm>
         </p:spPr>
@@ -1682,13 +2124,13 @@
           <a:bodyPr/>
           <a:lstStyle>
             <a:lvl1pPr>
-              <a:defRPr sz="2400"/>
+              <a:defRPr sz="2300"/>
             </a:lvl1pPr>
             <a:lvl2pPr>
-              <a:defRPr sz="2000"/>
+              <a:defRPr sz="1900"/>
             </a:lvl2pPr>
             <a:lvl3pPr>
-              <a:defRPr sz="1800"/>
+              <a:defRPr sz="1700"/>
             </a:lvl3pPr>
             <a:lvl4pPr>
               <a:defRPr sz="1600"/>
@@ -1743,7 +2185,7 @@
               <a:rPr lang="en-US" smtClean="0"/>
               <a:t>Fifth level</a:t>
             </a:r>
-            <a:endParaRPr lang="en-SG"/>
+            <a:endParaRPr lang="en-US"/>
           </a:p>
         </p:txBody>
       </p:sp>
@@ -1762,11 +2204,7 @@
           <a:bodyPr/>
           <a:lstStyle/>
           <a:p>
-            <a:fld id="{A0F86979-30DA-49EE-A740-32EBA6D2B7DE}" type="datetimeFigureOut">
-              <a:rPr lang="en-SG" smtClean="0"/>
-              <a:t>2/6/2017</a:t>
-            </a:fld>
-            <a:endParaRPr lang="en-SG"/>
+            <a:endParaRPr lang="en-US"/>
           </a:p>
         </p:txBody>
       </p:sp>
@@ -1785,7 +2223,7 @@
           <a:bodyPr/>
           <a:lstStyle/>
           <a:p>
-            <a:endParaRPr lang="en-SG"/>
+            <a:endParaRPr lang="en-US"/>
           </a:p>
         </p:txBody>
       </p:sp>
@@ -1804,24 +2242,27 @@
           <a:bodyPr/>
           <a:lstStyle/>
           <a:p>
-            <a:fld id="{EBF7C7F7-E270-4260-A412-76A75D6182AD}" type="slidenum">
-              <a:rPr lang="en-SG" smtClean="0"/>
+            <a:fld id="{5B8905EB-9186-4B9B-BEF9-C6B1CD50847D}" type="slidenum">
+              <a:rPr lang="en-US" smtClean="0"/>
+              <a:pPr/>
               <a:t>‹#›</a:t>
             </a:fld>
-            <a:endParaRPr lang="en-SG"/>
+            <a:endParaRPr lang="en-US"/>
           </a:p>
         </p:txBody>
       </p:sp>
     </p:spTree>
-    <p:extLst>
-      <p:ext uri="{BB962C8B-B14F-4D97-AF65-F5344CB8AC3E}">
-        <p14:creationId xmlns:p14="http://schemas.microsoft.com/office/powerpoint/2010/main" val="188146314"/>
-      </p:ext>
-    </p:extLst>
   </p:cSld>
   <p:clrMapOvr>
     <a:masterClrMapping/>
   </p:clrMapOvr>
+  <p:timing>
+    <p:tnLst>
+      <p:par>
+        <p:cTn id="1" dur="indefinite" restart="never" nodeType="tmRoot"/>
+      </p:par>
+    </p:tnLst>
+  </p:timing>
 </p:sldLayout>
 </file>
 
@@ -1861,7 +2302,7 @@
               <a:rPr lang="en-US" smtClean="0"/>
               <a:t>Click to edit Master title style</a:t>
             </a:r>
-            <a:endParaRPr lang="en-SG"/>
+            <a:endParaRPr lang="en-US"/>
           </a:p>
         </p:txBody>
       </p:sp>
@@ -1880,11 +2321,7 @@
           <a:bodyPr/>
           <a:lstStyle/>
           <a:p>
-            <a:fld id="{A0F86979-30DA-49EE-A740-32EBA6D2B7DE}" type="datetimeFigureOut">
-              <a:rPr lang="en-SG" smtClean="0"/>
-              <a:t>2/6/2017</a:t>
-            </a:fld>
-            <a:endParaRPr lang="en-SG"/>
+            <a:endParaRPr lang="en-US"/>
           </a:p>
         </p:txBody>
       </p:sp>
@@ -1903,7 +2340,7 @@
           <a:bodyPr/>
           <a:lstStyle/>
           <a:p>
-            <a:endParaRPr lang="en-SG"/>
+            <a:endParaRPr lang="en-US"/>
           </a:p>
         </p:txBody>
       </p:sp>
@@ -1922,20 +2359,16 @@
           <a:bodyPr/>
           <a:lstStyle/>
           <a:p>
-            <a:fld id="{EBF7C7F7-E270-4260-A412-76A75D6182AD}" type="slidenum">
-              <a:rPr lang="en-SG" smtClean="0"/>
+            <a:fld id="{5B8905EB-9186-4B9B-BEF9-C6B1CD50847D}" type="slidenum">
+              <a:rPr lang="en-US" smtClean="0"/>
+              <a:pPr/>
               <a:t>‹#›</a:t>
             </a:fld>
-            <a:endParaRPr lang="en-SG"/>
+            <a:endParaRPr lang="en-US"/>
           </a:p>
         </p:txBody>
       </p:sp>
     </p:spTree>
-    <p:extLst>
-      <p:ext uri="{BB962C8B-B14F-4D97-AF65-F5344CB8AC3E}">
-        <p14:creationId xmlns:p14="http://schemas.microsoft.com/office/powerpoint/2010/main" val="3909473291"/>
-      </p:ext>
-    </p:extLst>
   </p:cSld>
   <p:clrMapOvr>
     <a:masterClrMapping/>
@@ -1975,11 +2408,7 @@
           <a:bodyPr/>
           <a:lstStyle/>
           <a:p>
-            <a:fld id="{A0F86979-30DA-49EE-A740-32EBA6D2B7DE}" type="datetimeFigureOut">
-              <a:rPr lang="en-SG" smtClean="0"/>
-              <a:t>2/6/2017</a:t>
-            </a:fld>
-            <a:endParaRPr lang="en-SG"/>
+            <a:endParaRPr lang="en-US"/>
           </a:p>
         </p:txBody>
       </p:sp>
@@ -1998,7 +2427,7 @@
           <a:bodyPr/>
           <a:lstStyle/>
           <a:p>
-            <a:endParaRPr lang="en-SG"/>
+            <a:endParaRPr lang="en-US"/>
           </a:p>
         </p:txBody>
       </p:sp>
@@ -2017,20 +2446,16 @@
           <a:bodyPr/>
           <a:lstStyle/>
           <a:p>
-            <a:fld id="{EBF7C7F7-E270-4260-A412-76A75D6182AD}" type="slidenum">
-              <a:rPr lang="en-SG" smtClean="0"/>
+            <a:fld id="{5B8905EB-9186-4B9B-BEF9-C6B1CD50847D}" type="slidenum">
+              <a:rPr lang="en-US" smtClean="0"/>
+              <a:pPr/>
               <a:t>‹#›</a:t>
             </a:fld>
-            <a:endParaRPr lang="en-SG"/>
+            <a:endParaRPr lang="en-US"/>
           </a:p>
         </p:txBody>
       </p:sp>
     </p:spTree>
-    <p:extLst>
-      <p:ext uri="{BB962C8B-B14F-4D97-AF65-F5344CB8AC3E}">
-        <p14:creationId xmlns:p14="http://schemas.microsoft.com/office/powerpoint/2010/main" val="3259271892"/>
-      </p:ext>
-    </p:extLst>
   </p:cSld>
   <p:clrMapOvr>
     <a:masterClrMapping/>
@@ -2067,15 +2492,15 @@
         </p:nvSpPr>
         <p:spPr>
           <a:xfrm>
-            <a:off x="457200" y="273050"/>
-            <a:ext cx="3008313" cy="1162050"/>
+            <a:off x="457201" y="273050"/>
+            <a:ext cx="3008314" cy="1162050"/>
           </a:xfrm>
         </p:spPr>
         <p:txBody>
           <a:bodyPr anchor="b"/>
           <a:lstStyle>
             <a:lvl1pPr algn="l">
-              <a:defRPr sz="2000" b="1"/>
+              <a:defRPr sz="1900" b="1"/>
             </a:lvl1pPr>
           </a:lstStyle>
           <a:p>
@@ -2083,7 +2508,7 @@
               <a:rPr lang="en-US" smtClean="0"/>
               <a:t>Click to edit Master title style</a:t>
             </a:r>
-            <a:endParaRPr lang="en-SG"/>
+            <a:endParaRPr lang="en-US"/>
           </a:p>
         </p:txBody>
       </p:sp>
@@ -2099,39 +2524,39 @@
         </p:nvSpPr>
         <p:spPr>
           <a:xfrm>
-            <a:off x="3575050" y="273050"/>
-            <a:ext cx="5111750" cy="5853113"/>
+            <a:off x="3575049" y="273053"/>
+            <a:ext cx="5111751" cy="5853113"/>
           </a:xfrm>
         </p:spPr>
         <p:txBody>
           <a:bodyPr/>
           <a:lstStyle>
             <a:lvl1pPr>
-              <a:defRPr sz="3200"/>
+              <a:defRPr sz="3000"/>
             </a:lvl1pPr>
             <a:lvl2pPr>
-              <a:defRPr sz="2800"/>
+              <a:defRPr sz="2700"/>
             </a:lvl2pPr>
             <a:lvl3pPr>
-              <a:defRPr sz="2400"/>
+              <a:defRPr sz="2300"/>
             </a:lvl3pPr>
             <a:lvl4pPr>
-              <a:defRPr sz="2000"/>
+              <a:defRPr sz="1900"/>
             </a:lvl4pPr>
             <a:lvl5pPr>
-              <a:defRPr sz="2000"/>
+              <a:defRPr sz="1900"/>
             </a:lvl5pPr>
             <a:lvl6pPr>
-              <a:defRPr sz="2000"/>
+              <a:defRPr sz="1900"/>
             </a:lvl6pPr>
             <a:lvl7pPr>
-              <a:defRPr sz="2000"/>
+              <a:defRPr sz="1900"/>
             </a:lvl7pPr>
             <a:lvl8pPr>
-              <a:defRPr sz="2000"/>
+              <a:defRPr sz="1900"/>
             </a:lvl8pPr>
             <a:lvl9pPr>
-              <a:defRPr sz="2000"/>
+              <a:defRPr sz="1900"/>
             </a:lvl9pPr>
           </a:lstStyle>
           <a:p>
@@ -2168,7 +2593,7 @@
               <a:rPr lang="en-US" smtClean="0"/>
               <a:t>Fifth level</a:t>
             </a:r>
-            <a:endParaRPr lang="en-SG"/>
+            <a:endParaRPr lang="en-US"/>
           </a:p>
         </p:txBody>
       </p:sp>
@@ -2184,8 +2609,8 @@
         </p:nvSpPr>
         <p:spPr>
           <a:xfrm>
-            <a:off x="457200" y="1435100"/>
-            <a:ext cx="3008313" cy="4691063"/>
+            <a:off x="457201" y="1435103"/>
+            <a:ext cx="3008314" cy="4691063"/>
           </a:xfrm>
         </p:spPr>
         <p:txBody>
@@ -2195,37 +2620,37 @@
               <a:buNone/>
               <a:defRPr sz="1400"/>
             </a:lvl1pPr>
-            <a:lvl2pPr marL="457200" indent="0">
-              <a:buNone/>
-              <a:defRPr sz="1200"/>
+            <a:lvl2pPr marL="436366" indent="0">
+              <a:buNone/>
+              <a:defRPr sz="1100"/>
             </a:lvl2pPr>
-            <a:lvl3pPr marL="914400" indent="0">
-              <a:buNone/>
-              <a:defRPr sz="1000"/>
+            <a:lvl3pPr marL="872733" indent="0">
+              <a:buNone/>
+              <a:defRPr sz="900"/>
             </a:lvl3pPr>
-            <a:lvl4pPr marL="1371600" indent="0">
-              <a:buNone/>
-              <a:defRPr sz="900"/>
+            <a:lvl4pPr marL="1309099" indent="0">
+              <a:buNone/>
+              <a:defRPr sz="800"/>
             </a:lvl4pPr>
-            <a:lvl5pPr marL="1828800" indent="0">
-              <a:buNone/>
-              <a:defRPr sz="900"/>
+            <a:lvl5pPr marL="1745465" indent="0">
+              <a:buNone/>
+              <a:defRPr sz="800"/>
             </a:lvl5pPr>
-            <a:lvl6pPr marL="2286000" indent="0">
-              <a:buNone/>
-              <a:defRPr sz="900"/>
+            <a:lvl6pPr marL="2181832" indent="0">
+              <a:buNone/>
+              <a:defRPr sz="800"/>
             </a:lvl6pPr>
-            <a:lvl7pPr marL="2743200" indent="0">
-              <a:buNone/>
-              <a:defRPr sz="900"/>
+            <a:lvl7pPr marL="2618199" indent="0">
+              <a:buNone/>
+              <a:defRPr sz="800"/>
             </a:lvl7pPr>
-            <a:lvl8pPr marL="3200400" indent="0">
-              <a:buNone/>
-              <a:defRPr sz="900"/>
+            <a:lvl8pPr marL="3054566" indent="0">
+              <a:buNone/>
+              <a:defRPr sz="800"/>
             </a:lvl8pPr>
-            <a:lvl9pPr marL="3657600" indent="0">
-              <a:buNone/>
-              <a:defRPr sz="900"/>
+            <a:lvl9pPr marL="3490932" indent="0">
+              <a:buNone/>
+              <a:defRPr sz="800"/>
             </a:lvl9pPr>
           </a:lstStyle>
           <a:p>
@@ -2252,11 +2677,7 @@
           <a:bodyPr/>
           <a:lstStyle/>
           <a:p>
-            <a:fld id="{A0F86979-30DA-49EE-A740-32EBA6D2B7DE}" type="datetimeFigureOut">
-              <a:rPr lang="en-SG" smtClean="0"/>
-              <a:t>2/6/2017</a:t>
-            </a:fld>
-            <a:endParaRPr lang="en-SG"/>
+            <a:endParaRPr lang="en-US"/>
           </a:p>
         </p:txBody>
       </p:sp>
@@ -2275,7 +2696,7 @@
           <a:bodyPr/>
           <a:lstStyle/>
           <a:p>
-            <a:endParaRPr lang="en-SG"/>
+            <a:endParaRPr lang="en-US"/>
           </a:p>
         </p:txBody>
       </p:sp>
@@ -2294,20 +2715,16 @@
           <a:bodyPr/>
           <a:lstStyle/>
           <a:p>
-            <a:fld id="{EBF7C7F7-E270-4260-A412-76A75D6182AD}" type="slidenum">
-              <a:rPr lang="en-SG" smtClean="0"/>
+            <a:fld id="{5B8905EB-9186-4B9B-BEF9-C6B1CD50847D}" type="slidenum">
+              <a:rPr lang="en-US" smtClean="0"/>
+              <a:pPr/>
               <a:t>‹#›</a:t>
             </a:fld>
-            <a:endParaRPr lang="en-SG"/>
+            <a:endParaRPr lang="en-US"/>
           </a:p>
         </p:txBody>
       </p:sp>
     </p:spTree>
-    <p:extLst>
-      <p:ext uri="{BB962C8B-B14F-4D97-AF65-F5344CB8AC3E}">
-        <p14:creationId xmlns:p14="http://schemas.microsoft.com/office/powerpoint/2010/main" val="2859859922"/>
-      </p:ext>
-    </p:extLst>
   </p:cSld>
   <p:clrMapOvr>
     <a:masterClrMapping/>
@@ -2344,7 +2761,7 @@
         </p:nvSpPr>
         <p:spPr>
           <a:xfrm>
-            <a:off x="1792288" y="4800600"/>
+            <a:off x="1792287" y="4800601"/>
             <a:ext cx="5486400" cy="566738"/>
           </a:xfrm>
         </p:spPr>
@@ -2352,7 +2769,7 @@
           <a:bodyPr anchor="b"/>
           <a:lstStyle>
             <a:lvl1pPr algn="l">
-              <a:defRPr sz="2000" b="1"/>
+              <a:defRPr sz="1900" b="1"/>
             </a:lvl1pPr>
           </a:lstStyle>
           <a:p>
@@ -2360,7 +2777,7 @@
               <a:rPr lang="en-US" smtClean="0"/>
               <a:t>Click to edit Master title style</a:t>
             </a:r>
-            <a:endParaRPr lang="en-SG"/>
+            <a:endParaRPr lang="en-US"/>
           </a:p>
         </p:txBody>
       </p:sp>
@@ -2376,7 +2793,7 @@
         </p:nvSpPr>
         <p:spPr>
           <a:xfrm>
-            <a:off x="1792288" y="612775"/>
+            <a:off x="1792287" y="612775"/>
             <a:ext cx="5486400" cy="4114800"/>
           </a:xfrm>
         </p:spPr>
@@ -2385,43 +2802,43 @@
           <a:lstStyle>
             <a:lvl1pPr marL="0" indent="0">
               <a:buNone/>
-              <a:defRPr sz="3200"/>
+              <a:defRPr sz="3000"/>
             </a:lvl1pPr>
-            <a:lvl2pPr marL="457200" indent="0">
-              <a:buNone/>
-              <a:defRPr sz="2800"/>
+            <a:lvl2pPr marL="436366" indent="0">
+              <a:buNone/>
+              <a:defRPr sz="2700"/>
             </a:lvl2pPr>
-            <a:lvl3pPr marL="914400" indent="0">
-              <a:buNone/>
-              <a:defRPr sz="2400"/>
+            <a:lvl3pPr marL="872733" indent="0">
+              <a:buNone/>
+              <a:defRPr sz="2300"/>
             </a:lvl3pPr>
-            <a:lvl4pPr marL="1371600" indent="0">
-              <a:buNone/>
-              <a:defRPr sz="2000"/>
+            <a:lvl4pPr marL="1309099" indent="0">
+              <a:buNone/>
+              <a:defRPr sz="1900"/>
             </a:lvl4pPr>
-            <a:lvl5pPr marL="1828800" indent="0">
-              <a:buNone/>
-              <a:defRPr sz="2000"/>
+            <a:lvl5pPr marL="1745465" indent="0">
+              <a:buNone/>
+              <a:defRPr sz="1900"/>
             </a:lvl5pPr>
-            <a:lvl6pPr marL="2286000" indent="0">
-              <a:buNone/>
-              <a:defRPr sz="2000"/>
+            <a:lvl6pPr marL="2181832" indent="0">
+              <a:buNone/>
+              <a:defRPr sz="1900"/>
             </a:lvl6pPr>
-            <a:lvl7pPr marL="2743200" indent="0">
-              <a:buNone/>
-              <a:defRPr sz="2000"/>
+            <a:lvl7pPr marL="2618199" indent="0">
+              <a:buNone/>
+              <a:defRPr sz="1900"/>
             </a:lvl7pPr>
-            <a:lvl8pPr marL="3200400" indent="0">
-              <a:buNone/>
-              <a:defRPr sz="2000"/>
+            <a:lvl8pPr marL="3054566" indent="0">
+              <a:buNone/>
+              <a:defRPr sz="1900"/>
             </a:lvl8pPr>
-            <a:lvl9pPr marL="3657600" indent="0">
-              <a:buNone/>
-              <a:defRPr sz="2000"/>
+            <a:lvl9pPr marL="3490932" indent="0">
+              <a:buNone/>
+              <a:defRPr sz="1900"/>
             </a:lvl9pPr>
           </a:lstStyle>
           <a:p>
-            <a:endParaRPr lang="en-SG"/>
+            <a:endParaRPr lang="en-US"/>
           </a:p>
         </p:txBody>
       </p:sp>
@@ -2437,7 +2854,7 @@
         </p:nvSpPr>
         <p:spPr>
           <a:xfrm>
-            <a:off x="1792288" y="5367338"/>
+            <a:off x="1792287" y="5367339"/>
             <a:ext cx="5486400" cy="804862"/>
           </a:xfrm>
         </p:spPr>
@@ -2448,37 +2865,37 @@
               <a:buNone/>
               <a:defRPr sz="1400"/>
             </a:lvl1pPr>
-            <a:lvl2pPr marL="457200" indent="0">
-              <a:buNone/>
-              <a:defRPr sz="1200"/>
+            <a:lvl2pPr marL="436366" indent="0">
+              <a:buNone/>
+              <a:defRPr sz="1100"/>
             </a:lvl2pPr>
-            <a:lvl3pPr marL="914400" indent="0">
-              <a:buNone/>
-              <a:defRPr sz="1000"/>
+            <a:lvl3pPr marL="872733" indent="0">
+              <a:buNone/>
+              <a:defRPr sz="900"/>
             </a:lvl3pPr>
-            <a:lvl4pPr marL="1371600" indent="0">
-              <a:buNone/>
-              <a:defRPr sz="900"/>
+            <a:lvl4pPr marL="1309099" indent="0">
+              <a:buNone/>
+              <a:defRPr sz="800"/>
             </a:lvl4pPr>
-            <a:lvl5pPr marL="1828800" indent="0">
-              <a:buNone/>
-              <a:defRPr sz="900"/>
+            <a:lvl5pPr marL="1745465" indent="0">
+              <a:buNone/>
+              <a:defRPr sz="800"/>
             </a:lvl5pPr>
-            <a:lvl6pPr marL="2286000" indent="0">
-              <a:buNone/>
-              <a:defRPr sz="900"/>
+            <a:lvl6pPr marL="2181832" indent="0">
+              <a:buNone/>
+              <a:defRPr sz="800"/>
             </a:lvl6pPr>
-            <a:lvl7pPr marL="2743200" indent="0">
-              <a:buNone/>
-              <a:defRPr sz="900"/>
+            <a:lvl7pPr marL="2618199" indent="0">
+              <a:buNone/>
+              <a:defRPr sz="800"/>
             </a:lvl7pPr>
-            <a:lvl8pPr marL="3200400" indent="0">
-              <a:buNone/>
-              <a:defRPr sz="900"/>
+            <a:lvl8pPr marL="3054566" indent="0">
+              <a:buNone/>
+              <a:defRPr sz="800"/>
             </a:lvl8pPr>
-            <a:lvl9pPr marL="3657600" indent="0">
-              <a:buNone/>
-              <a:defRPr sz="900"/>
+            <a:lvl9pPr marL="3490932" indent="0">
+              <a:buNone/>
+              <a:defRPr sz="800"/>
             </a:lvl9pPr>
           </a:lstStyle>
           <a:p>
@@ -2505,11 +2922,7 @@
           <a:bodyPr/>
           <a:lstStyle/>
           <a:p>
-            <a:fld id="{A0F86979-30DA-49EE-A740-32EBA6D2B7DE}" type="datetimeFigureOut">
-              <a:rPr lang="en-SG" smtClean="0"/>
-              <a:t>2/6/2017</a:t>
-            </a:fld>
-            <a:endParaRPr lang="en-SG"/>
+            <a:endParaRPr lang="en-US"/>
           </a:p>
         </p:txBody>
       </p:sp>
@@ -2528,7 +2941,7 @@
           <a:bodyPr/>
           <a:lstStyle/>
           <a:p>
-            <a:endParaRPr lang="en-SG"/>
+            <a:endParaRPr lang="en-US"/>
           </a:p>
         </p:txBody>
       </p:sp>
@@ -2547,20 +2960,16 @@
           <a:bodyPr/>
           <a:lstStyle/>
           <a:p>
-            <a:fld id="{EBF7C7F7-E270-4260-A412-76A75D6182AD}" type="slidenum">
-              <a:rPr lang="en-SG" smtClean="0"/>
+            <a:fld id="{5B8905EB-9186-4B9B-BEF9-C6B1CD50847D}" type="slidenum">
+              <a:rPr lang="en-US" smtClean="0"/>
+              <a:pPr/>
               <a:t>‹#›</a:t>
             </a:fld>
-            <a:endParaRPr lang="en-SG"/>
+            <a:endParaRPr lang="en-US"/>
           </a:p>
         </p:txBody>
       </p:sp>
     </p:spTree>
-    <p:extLst>
-      <p:ext uri="{BB962C8B-B14F-4D97-AF65-F5344CB8AC3E}">
-        <p14:creationId xmlns:p14="http://schemas.microsoft.com/office/powerpoint/2010/main" val="1672414452"/>
-      </p:ext>
-    </p:extLst>
   </p:cSld>
   <p:clrMapOvr>
     <a:masterClrMapping/>
@@ -2610,7 +3019,7 @@
           </a:prstGeom>
         </p:spPr>
         <p:txBody>
-          <a:bodyPr vert="horz" lIns="91440" tIns="45720" rIns="91440" bIns="45720" rtlCol="0" anchor="ctr">
+          <a:bodyPr vert="horz" lIns="87273" tIns="43637" rIns="87273" bIns="43637" rtlCol="0" anchor="ctr">
             <a:normAutofit/>
           </a:bodyPr>
           <a:lstStyle/>
@@ -2619,7 +3028,7 @@
               <a:rPr lang="en-US" smtClean="0"/>
               <a:t>Click to edit Master title style</a:t>
             </a:r>
-            <a:endParaRPr lang="en-SG"/>
+            <a:endParaRPr lang="en-US"/>
           </a:p>
         </p:txBody>
       </p:sp>
@@ -2635,7 +3044,7 @@
         </p:nvSpPr>
         <p:spPr>
           <a:xfrm>
-            <a:off x="457200" y="1600200"/>
+            <a:off x="457200" y="1600203"/>
             <a:ext cx="8229600" cy="4525963"/>
           </a:xfrm>
           <a:prstGeom prst="rect">
@@ -2643,7 +3052,7 @@
           </a:prstGeom>
         </p:spPr>
         <p:txBody>
-          <a:bodyPr vert="horz" lIns="91440" tIns="45720" rIns="91440" bIns="45720" rtlCol="0">
+          <a:bodyPr vert="horz" lIns="87273" tIns="43637" rIns="87273" bIns="43637" rtlCol="0">
             <a:normAutofit/>
           </a:bodyPr>
           <a:lstStyle/>
@@ -2681,7 +3090,7 @@
               <a:rPr lang="en-US" smtClean="0"/>
               <a:t>Fifth level</a:t>
             </a:r>
-            <a:endParaRPr lang="en-SG"/>
+            <a:endParaRPr lang="en-US"/>
           </a:p>
         </p:txBody>
       </p:sp>
@@ -2697,7 +3106,7 @@
         </p:nvSpPr>
         <p:spPr>
           <a:xfrm>
-            <a:off x="457200" y="6356350"/>
+            <a:off x="457200" y="6356353"/>
             <a:ext cx="2133600" cy="365125"/>
           </a:xfrm>
           <a:prstGeom prst="rect">
@@ -2705,10 +3114,10 @@
           </a:prstGeom>
         </p:spPr>
         <p:txBody>
-          <a:bodyPr vert="horz" lIns="91440" tIns="45720" rIns="91440" bIns="45720" rtlCol="0" anchor="ctr"/>
+          <a:bodyPr vert="horz" lIns="87273" tIns="43637" rIns="87273" bIns="43637" rtlCol="0" anchor="ctr"/>
           <a:lstStyle>
             <a:lvl1pPr algn="l">
-              <a:defRPr sz="1200">
+              <a:defRPr sz="1100">
                 <a:solidFill>
                   <a:schemeClr val="tx1">
                     <a:tint val="75000"/>
@@ -2718,11 +3127,7 @@
             </a:lvl1pPr>
           </a:lstStyle>
           <a:p>
-            <a:fld id="{A0F86979-30DA-49EE-A740-32EBA6D2B7DE}" type="datetimeFigureOut">
-              <a:rPr lang="en-SG" smtClean="0"/>
-              <a:t>2/6/2017</a:t>
-            </a:fld>
-            <a:endParaRPr lang="en-SG"/>
+            <a:endParaRPr lang="en-US"/>
           </a:p>
         </p:txBody>
       </p:sp>
@@ -2738,7 +3143,7 @@
         </p:nvSpPr>
         <p:spPr>
           <a:xfrm>
-            <a:off x="3124200" y="6356350"/>
+            <a:off x="3124200" y="6356353"/>
             <a:ext cx="2895600" cy="365125"/>
           </a:xfrm>
           <a:prstGeom prst="rect">
@@ -2746,10 +3151,10 @@
           </a:prstGeom>
         </p:spPr>
         <p:txBody>
-          <a:bodyPr vert="horz" lIns="91440" tIns="45720" rIns="91440" bIns="45720" rtlCol="0" anchor="ctr"/>
+          <a:bodyPr vert="horz" lIns="87273" tIns="43637" rIns="87273" bIns="43637" rtlCol="0" anchor="ctr"/>
           <a:lstStyle>
             <a:lvl1pPr algn="ctr">
-              <a:defRPr sz="1200">
+              <a:defRPr sz="1100">
                 <a:solidFill>
                   <a:schemeClr val="tx1">
                     <a:tint val="75000"/>
@@ -2759,7 +3164,7 @@
             </a:lvl1pPr>
           </a:lstStyle>
           <a:p>
-            <a:endParaRPr lang="en-SG"/>
+            <a:endParaRPr lang="en-US"/>
           </a:p>
         </p:txBody>
       </p:sp>
@@ -2775,7 +3180,7 @@
         </p:nvSpPr>
         <p:spPr>
           <a:xfrm>
-            <a:off x="6553200" y="6356350"/>
+            <a:off x="6553200" y="6356353"/>
             <a:ext cx="2133600" cy="365125"/>
           </a:xfrm>
           <a:prstGeom prst="rect">
@@ -2783,10 +3188,10 @@
           </a:prstGeom>
         </p:spPr>
         <p:txBody>
-          <a:bodyPr vert="horz" lIns="91440" tIns="45720" rIns="91440" bIns="45720" rtlCol="0" anchor="ctr"/>
+          <a:bodyPr vert="horz" lIns="87273" tIns="43637" rIns="87273" bIns="43637" rtlCol="0" anchor="ctr"/>
           <a:lstStyle>
             <a:lvl1pPr algn="r">
-              <a:defRPr sz="1200">
+              <a:defRPr sz="1100">
                 <a:solidFill>
                   <a:schemeClr val="tx1">
                     <a:tint val="75000"/>
@@ -2796,20 +3201,16 @@
             </a:lvl1pPr>
           </a:lstStyle>
           <a:p>
-            <a:fld id="{EBF7C7F7-E270-4260-A412-76A75D6182AD}" type="slidenum">
-              <a:rPr lang="en-SG" smtClean="0"/>
+            <a:fld id="{5B8905EB-9186-4B9B-BEF9-C6B1CD50847D}" type="slidenum">
+              <a:rPr lang="en-US" smtClean="0"/>
+              <a:pPr/>
               <a:t>‹#›</a:t>
             </a:fld>
-            <a:endParaRPr lang="en-SG"/>
+            <a:endParaRPr lang="en-US"/>
           </a:p>
         </p:txBody>
       </p:sp>
     </p:spTree>
-    <p:extLst>
-      <p:ext uri="{BB962C8B-B14F-4D97-AF65-F5344CB8AC3E}">
-        <p14:creationId xmlns:p14="http://schemas.microsoft.com/office/powerpoint/2010/main" val="1974023683"/>
-      </p:ext>
-    </p:extLst>
   </p:cSld>
   <p:clrMap bg1="lt1" tx1="dk1" bg2="lt2" tx2="dk2" accent1="accent1" accent2="accent2" accent3="accent3" accent4="accent4" accent5="accent5" accent6="accent6" hlink="hlink" folHlink="folHlink"/>
   <p:sldLayoutIdLst>
@@ -2825,14 +3226,15 @@
     <p:sldLayoutId id="2147483658" r:id="rId10"/>
     <p:sldLayoutId id="2147483659" r:id="rId11"/>
   </p:sldLayoutIdLst>
+  <p:hf hdr="0" ftr="0" dt="0"/>
   <p:txStyles>
     <p:titleStyle>
-      <a:lvl1pPr algn="ctr" defTabSz="914400" rtl="0" eaLnBrk="1" latinLnBrk="0" hangingPunct="1">
+      <a:lvl1pPr algn="ctr" defTabSz="872733" rtl="0" eaLnBrk="1" latinLnBrk="0" hangingPunct="1">
         <a:spcBef>
           <a:spcPct val="0"/>
         </a:spcBef>
         <a:buNone/>
-        <a:defRPr sz="4400" kern="1200">
+        <a:defRPr sz="4200" kern="1200">
           <a:solidFill>
             <a:schemeClr val="tx1"/>
           </a:solidFill>
@@ -2843,13 +3245,13 @@
       </a:lvl1pPr>
     </p:titleStyle>
     <p:bodyStyle>
-      <a:lvl1pPr marL="342900" indent="-342900" algn="l" defTabSz="914400" rtl="0" eaLnBrk="1" latinLnBrk="0" hangingPunct="1">
+      <a:lvl1pPr marL="327275" indent="-327275" algn="l" defTabSz="872733" rtl="0" eaLnBrk="1" latinLnBrk="0" hangingPunct="1">
         <a:spcBef>
           <a:spcPct val="20000"/>
         </a:spcBef>
-        <a:buFont typeface="Arial" panose="020B0604020202020204" pitchFamily="34" charset="0"/>
+        <a:buFont typeface="Arial" pitchFamily="34" charset="0"/>
         <a:buChar char="•"/>
-        <a:defRPr sz="3200" kern="1200">
+        <a:defRPr sz="3000" kern="1200">
           <a:solidFill>
             <a:schemeClr val="tx1"/>
           </a:solidFill>
@@ -2858,13 +3260,13 @@
           <a:cs typeface="+mn-cs"/>
         </a:defRPr>
       </a:lvl1pPr>
-      <a:lvl2pPr marL="742950" indent="-285750" algn="l" defTabSz="914400" rtl="0" eaLnBrk="1" latinLnBrk="0" hangingPunct="1">
+      <a:lvl2pPr marL="709095" indent="-272729" algn="l" defTabSz="872733" rtl="0" eaLnBrk="1" latinLnBrk="0" hangingPunct="1">
         <a:spcBef>
           <a:spcPct val="20000"/>
         </a:spcBef>
-        <a:buFont typeface="Arial" panose="020B0604020202020204" pitchFamily="34" charset="0"/>
+        <a:buFont typeface="Arial" pitchFamily="34" charset="0"/>
         <a:buChar char="–"/>
-        <a:defRPr sz="2800" kern="1200">
+        <a:defRPr sz="2700" kern="1200">
           <a:solidFill>
             <a:schemeClr val="tx1"/>
           </a:solidFill>
@@ -2873,13 +3275,13 @@
           <a:cs typeface="+mn-cs"/>
         </a:defRPr>
       </a:lvl2pPr>
-      <a:lvl3pPr marL="1143000" indent="-228600" algn="l" defTabSz="914400" rtl="0" eaLnBrk="1" latinLnBrk="0" hangingPunct="1">
+      <a:lvl3pPr marL="1090916" indent="-218183" algn="l" defTabSz="872733" rtl="0" eaLnBrk="1" latinLnBrk="0" hangingPunct="1">
         <a:spcBef>
           <a:spcPct val="20000"/>
         </a:spcBef>
-        <a:buFont typeface="Arial" panose="020B0604020202020204" pitchFamily="34" charset="0"/>
+        <a:buFont typeface="Arial" pitchFamily="34" charset="0"/>
         <a:buChar char="•"/>
-        <a:defRPr sz="2400" kern="1200">
+        <a:defRPr sz="2300" kern="1200">
           <a:solidFill>
             <a:schemeClr val="tx1"/>
           </a:solidFill>
@@ -2888,13 +3290,13 @@
           <a:cs typeface="+mn-cs"/>
         </a:defRPr>
       </a:lvl3pPr>
-      <a:lvl4pPr marL="1600200" indent="-228600" algn="l" defTabSz="914400" rtl="0" eaLnBrk="1" latinLnBrk="0" hangingPunct="1">
+      <a:lvl4pPr marL="1527282" indent="-218183" algn="l" defTabSz="872733" rtl="0" eaLnBrk="1" latinLnBrk="0" hangingPunct="1">
         <a:spcBef>
           <a:spcPct val="20000"/>
         </a:spcBef>
-        <a:buFont typeface="Arial" panose="020B0604020202020204" pitchFamily="34" charset="0"/>
+        <a:buFont typeface="Arial" pitchFamily="34" charset="0"/>
         <a:buChar char="–"/>
-        <a:defRPr sz="2000" kern="1200">
+        <a:defRPr sz="1900" kern="1200">
           <a:solidFill>
             <a:schemeClr val="tx1"/>
           </a:solidFill>
@@ -2903,13 +3305,13 @@
           <a:cs typeface="+mn-cs"/>
         </a:defRPr>
       </a:lvl4pPr>
-      <a:lvl5pPr marL="2057400" indent="-228600" algn="l" defTabSz="914400" rtl="0" eaLnBrk="1" latinLnBrk="0" hangingPunct="1">
+      <a:lvl5pPr marL="1963649" indent="-218183" algn="l" defTabSz="872733" rtl="0" eaLnBrk="1" latinLnBrk="0" hangingPunct="1">
         <a:spcBef>
           <a:spcPct val="20000"/>
         </a:spcBef>
-        <a:buFont typeface="Arial" panose="020B0604020202020204" pitchFamily="34" charset="0"/>
+        <a:buFont typeface="Arial" pitchFamily="34" charset="0"/>
         <a:buChar char="»"/>
-        <a:defRPr sz="2000" kern="1200">
+        <a:defRPr sz="1900" kern="1200">
           <a:solidFill>
             <a:schemeClr val="tx1"/>
           </a:solidFill>
@@ -2918,13 +3320,13 @@
           <a:cs typeface="+mn-cs"/>
         </a:defRPr>
       </a:lvl5pPr>
-      <a:lvl6pPr marL="2514600" indent="-228600" algn="l" defTabSz="914400" rtl="0" eaLnBrk="1" latinLnBrk="0" hangingPunct="1">
+      <a:lvl6pPr marL="2400015" indent="-218183" algn="l" defTabSz="872733" rtl="0" eaLnBrk="1" latinLnBrk="0" hangingPunct="1">
         <a:spcBef>
           <a:spcPct val="20000"/>
         </a:spcBef>
-        <a:buFont typeface="Arial" panose="020B0604020202020204" pitchFamily="34" charset="0"/>
+        <a:buFont typeface="Arial" pitchFamily="34" charset="0"/>
         <a:buChar char="•"/>
-        <a:defRPr sz="2000" kern="1200">
+        <a:defRPr sz="1900" kern="1200">
           <a:solidFill>
             <a:schemeClr val="tx1"/>
           </a:solidFill>
@@ -2933,13 +3335,13 @@
           <a:cs typeface="+mn-cs"/>
         </a:defRPr>
       </a:lvl6pPr>
-      <a:lvl7pPr marL="2971800" indent="-228600" algn="l" defTabSz="914400" rtl="0" eaLnBrk="1" latinLnBrk="0" hangingPunct="1">
+      <a:lvl7pPr marL="2836382" indent="-218183" algn="l" defTabSz="872733" rtl="0" eaLnBrk="1" latinLnBrk="0" hangingPunct="1">
         <a:spcBef>
           <a:spcPct val="20000"/>
         </a:spcBef>
-        <a:buFont typeface="Arial" panose="020B0604020202020204" pitchFamily="34" charset="0"/>
+        <a:buFont typeface="Arial" pitchFamily="34" charset="0"/>
         <a:buChar char="•"/>
-        <a:defRPr sz="2000" kern="1200">
+        <a:defRPr sz="1900" kern="1200">
           <a:solidFill>
             <a:schemeClr val="tx1"/>
           </a:solidFill>
@@ -2948,13 +3350,13 @@
           <a:cs typeface="+mn-cs"/>
         </a:defRPr>
       </a:lvl7pPr>
-      <a:lvl8pPr marL="3429000" indent="-228600" algn="l" defTabSz="914400" rtl="0" eaLnBrk="1" latinLnBrk="0" hangingPunct="1">
+      <a:lvl8pPr marL="3272749" indent="-218183" algn="l" defTabSz="872733" rtl="0" eaLnBrk="1" latinLnBrk="0" hangingPunct="1">
         <a:spcBef>
           <a:spcPct val="20000"/>
         </a:spcBef>
-        <a:buFont typeface="Arial" panose="020B0604020202020204" pitchFamily="34" charset="0"/>
+        <a:buFont typeface="Arial" pitchFamily="34" charset="0"/>
         <a:buChar char="•"/>
-        <a:defRPr sz="2000" kern="1200">
+        <a:defRPr sz="1900" kern="1200">
           <a:solidFill>
             <a:schemeClr val="tx1"/>
           </a:solidFill>
@@ -2963,13 +3365,13 @@
           <a:cs typeface="+mn-cs"/>
         </a:defRPr>
       </a:lvl8pPr>
-      <a:lvl9pPr marL="3886200" indent="-228600" algn="l" defTabSz="914400" rtl="0" eaLnBrk="1" latinLnBrk="0" hangingPunct="1">
+      <a:lvl9pPr marL="3709115" indent="-218183" algn="l" defTabSz="872733" rtl="0" eaLnBrk="1" latinLnBrk="0" hangingPunct="1">
         <a:spcBef>
           <a:spcPct val="20000"/>
         </a:spcBef>
-        <a:buFont typeface="Arial" panose="020B0604020202020204" pitchFamily="34" charset="0"/>
+        <a:buFont typeface="Arial" pitchFamily="34" charset="0"/>
         <a:buChar char="•"/>
-        <a:defRPr sz="2000" kern="1200">
+        <a:defRPr sz="1900" kern="1200">
           <a:solidFill>
             <a:schemeClr val="tx1"/>
           </a:solidFill>
@@ -2983,8 +3385,8 @@
       <a:defPPr>
         <a:defRPr lang="en-US"/>
       </a:defPPr>
-      <a:lvl1pPr marL="0" algn="l" defTabSz="914400" rtl="0" eaLnBrk="1" latinLnBrk="0" hangingPunct="1">
-        <a:defRPr sz="1800" kern="1200">
+      <a:lvl1pPr marL="0" algn="l" defTabSz="872733" rtl="0" eaLnBrk="1" latinLnBrk="0" hangingPunct="1">
+        <a:defRPr sz="1700" kern="1200">
           <a:solidFill>
             <a:schemeClr val="tx1"/>
           </a:solidFill>
@@ -2993,8 +3395,8 @@
           <a:cs typeface="+mn-cs"/>
         </a:defRPr>
       </a:lvl1pPr>
-      <a:lvl2pPr marL="457200" algn="l" defTabSz="914400" rtl="0" eaLnBrk="1" latinLnBrk="0" hangingPunct="1">
-        <a:defRPr sz="1800" kern="1200">
+      <a:lvl2pPr marL="436366" algn="l" defTabSz="872733" rtl="0" eaLnBrk="1" latinLnBrk="0" hangingPunct="1">
+        <a:defRPr sz="1700" kern="1200">
           <a:solidFill>
             <a:schemeClr val="tx1"/>
           </a:solidFill>
@@ -3003,8 +3405,8 @@
           <a:cs typeface="+mn-cs"/>
         </a:defRPr>
       </a:lvl2pPr>
-      <a:lvl3pPr marL="914400" algn="l" defTabSz="914400" rtl="0" eaLnBrk="1" latinLnBrk="0" hangingPunct="1">
-        <a:defRPr sz="1800" kern="1200">
+      <a:lvl3pPr marL="872733" algn="l" defTabSz="872733" rtl="0" eaLnBrk="1" latinLnBrk="0" hangingPunct="1">
+        <a:defRPr sz="1700" kern="1200">
           <a:solidFill>
             <a:schemeClr val="tx1"/>
           </a:solidFill>
@@ -3013,8 +3415,8 @@
           <a:cs typeface="+mn-cs"/>
         </a:defRPr>
       </a:lvl3pPr>
-      <a:lvl4pPr marL="1371600" algn="l" defTabSz="914400" rtl="0" eaLnBrk="1" latinLnBrk="0" hangingPunct="1">
-        <a:defRPr sz="1800" kern="1200">
+      <a:lvl4pPr marL="1309099" algn="l" defTabSz="872733" rtl="0" eaLnBrk="1" latinLnBrk="0" hangingPunct="1">
+        <a:defRPr sz="1700" kern="1200">
           <a:solidFill>
             <a:schemeClr val="tx1"/>
           </a:solidFill>
@@ -3023,8 +3425,8 @@
           <a:cs typeface="+mn-cs"/>
         </a:defRPr>
       </a:lvl4pPr>
-      <a:lvl5pPr marL="1828800" algn="l" defTabSz="914400" rtl="0" eaLnBrk="1" latinLnBrk="0" hangingPunct="1">
-        <a:defRPr sz="1800" kern="1200">
+      <a:lvl5pPr marL="1745465" algn="l" defTabSz="872733" rtl="0" eaLnBrk="1" latinLnBrk="0" hangingPunct="1">
+        <a:defRPr sz="1700" kern="1200">
           <a:solidFill>
             <a:schemeClr val="tx1"/>
           </a:solidFill>
@@ -3033,8 +3435,8 @@
           <a:cs typeface="+mn-cs"/>
         </a:defRPr>
       </a:lvl5pPr>
-      <a:lvl6pPr marL="2286000" algn="l" defTabSz="914400" rtl="0" eaLnBrk="1" latinLnBrk="0" hangingPunct="1">
-        <a:defRPr sz="1800" kern="1200">
+      <a:lvl6pPr marL="2181832" algn="l" defTabSz="872733" rtl="0" eaLnBrk="1" latinLnBrk="0" hangingPunct="1">
+        <a:defRPr sz="1700" kern="1200">
           <a:solidFill>
             <a:schemeClr val="tx1"/>
           </a:solidFill>
@@ -3043,8 +3445,8 @@
           <a:cs typeface="+mn-cs"/>
         </a:defRPr>
       </a:lvl6pPr>
-      <a:lvl7pPr marL="2743200" algn="l" defTabSz="914400" rtl="0" eaLnBrk="1" latinLnBrk="0" hangingPunct="1">
-        <a:defRPr sz="1800" kern="1200">
+      <a:lvl7pPr marL="2618199" algn="l" defTabSz="872733" rtl="0" eaLnBrk="1" latinLnBrk="0" hangingPunct="1">
+        <a:defRPr sz="1700" kern="1200">
           <a:solidFill>
             <a:schemeClr val="tx1"/>
           </a:solidFill>
@@ -3053,8 +3455,8 @@
           <a:cs typeface="+mn-cs"/>
         </a:defRPr>
       </a:lvl7pPr>
-      <a:lvl8pPr marL="3200400" algn="l" defTabSz="914400" rtl="0" eaLnBrk="1" latinLnBrk="0" hangingPunct="1">
-        <a:defRPr sz="1800" kern="1200">
+      <a:lvl8pPr marL="3054566" algn="l" defTabSz="872733" rtl="0" eaLnBrk="1" latinLnBrk="0" hangingPunct="1">
+        <a:defRPr sz="1700" kern="1200">
           <a:solidFill>
             <a:schemeClr val="tx1"/>
           </a:solidFill>
@@ -3063,8 +3465,8 @@
           <a:cs typeface="+mn-cs"/>
         </a:defRPr>
       </a:lvl8pPr>
-      <a:lvl9pPr marL="3657600" algn="l" defTabSz="914400" rtl="0" eaLnBrk="1" latinLnBrk="0" hangingPunct="1">
-        <a:defRPr sz="1800" kern="1200">
+      <a:lvl9pPr marL="3490932" algn="l" defTabSz="872733" rtl="0" eaLnBrk="1" latinLnBrk="0" hangingPunct="1">
+        <a:defRPr sz="1700" kern="1200">
           <a:solidFill>
             <a:schemeClr val="tx1"/>
           </a:solidFill>
@@ -3097,13 +3499,37 @@
       </p:grpSpPr>
       <p:sp>
         <p:nvSpPr>
-          <p:cNvPr id="220" name="Rectangle 219"/>
+          <p:cNvPr id="2" name="Slide Number Placeholder 1"/>
+          <p:cNvSpPr>
+            <a:spLocks noGrp="1"/>
+          </p:cNvSpPr>
+          <p:nvPr>
+            <p:ph type="sldNum" sz="quarter" idx="12"/>
+          </p:nvPr>
+        </p:nvSpPr>
+        <p:spPr/>
+        <p:txBody>
+          <a:bodyPr/>
+          <a:lstStyle/>
+          <a:p>
+            <a:fld id="{5B8905EB-9186-4B9B-BEF9-C6B1CD50847D}" type="slidenum">
+              <a:rPr lang="en-US" smtClean="0"/>
+              <a:pPr/>
+              <a:t>115</a:t>
+            </a:fld>
+            <a:endParaRPr lang="en-US" dirty="0"/>
+          </a:p>
+        </p:txBody>
+      </p:sp>
+      <p:sp>
+        <p:nvSpPr>
+          <p:cNvPr id="6" name="Rectangle 5"/>
           <p:cNvSpPr/>
           <p:nvPr/>
         </p:nvSpPr>
         <p:spPr>
           <a:xfrm>
-            <a:off x="2987824" y="2204864"/>
+            <a:off x="2555776" y="3284984"/>
             <a:ext cx="2403607" cy="430887"/>
           </a:xfrm>
           <a:prstGeom prst="rect">
@@ -3180,13 +3606,13 @@
       </p:sp>
       <p:sp>
         <p:nvSpPr>
-          <p:cNvPr id="221" name="Rectangle 220"/>
+          <p:cNvPr id="7" name="Rectangle 6"/>
           <p:cNvSpPr/>
           <p:nvPr/>
         </p:nvSpPr>
         <p:spPr>
           <a:xfrm>
-            <a:off x="2985846" y="2599528"/>
+            <a:off x="2553798" y="3679648"/>
             <a:ext cx="2405586" cy="707886"/>
           </a:xfrm>
           <a:prstGeom prst="rect">
@@ -3297,13 +3723,13 @@
       </p:sp>
       <p:sp>
         <p:nvSpPr>
-          <p:cNvPr id="222" name="Rectangle 221"/>
+          <p:cNvPr id="8" name="Rectangle 7"/>
           <p:cNvSpPr/>
           <p:nvPr/>
         </p:nvSpPr>
         <p:spPr>
           <a:xfrm>
-            <a:off x="2985846" y="3285787"/>
+            <a:off x="2553798" y="4365907"/>
             <a:ext cx="2405586" cy="707886"/>
           </a:xfrm>
           <a:prstGeom prst="rect">
@@ -3411,12 +3837,87 @@
           </a:p>
         </p:txBody>
       </p:sp>
+      <p:sp>
+        <p:nvSpPr>
+          <p:cNvPr id="9" name="TextBox 8"/>
+          <p:cNvSpPr txBox="1"/>
+          <p:nvPr/>
+        </p:nvSpPr>
+        <p:spPr>
+          <a:xfrm>
+            <a:off x="8443912" y="0"/>
+            <a:ext cx="700087" cy="338554"/>
+          </a:xfrm>
+          <a:prstGeom prst="rect">
+            <a:avLst/>
+          </a:prstGeom>
+          <a:noFill/>
+        </p:spPr>
+        <p:txBody>
+          <a:bodyPr wrap="square" rtlCol="0">
+            <a:spAutoFit/>
+          </a:bodyPr>
+          <a:lstStyle/>
+          <a:p>
+            <a:r>
+              <a:rPr lang="en-US" sz="1600" b="1" dirty="0" smtClean="0">
+                <a:solidFill>
+                  <a:schemeClr val="accent6">
+                    <a:lumMod val="75000"/>
+                  </a:schemeClr>
+                </a:solidFill>
+              </a:rPr>
+              <a:t>[Ch.4]</a:t>
+            </a:r>
+            <a:endParaRPr lang="en-US" sz="1600" b="1" dirty="0">
+              <a:solidFill>
+                <a:schemeClr val="accent6">
+                  <a:lumMod val="75000"/>
+                </a:schemeClr>
+              </a:solidFill>
+            </a:endParaRPr>
+          </a:p>
+        </p:txBody>
+      </p:sp>
+      <p:sp>
+        <p:nvSpPr>
+          <p:cNvPr id="10" name="Content Placeholder 9"/>
+          <p:cNvSpPr>
+            <a:spLocks noGrp="1"/>
+          </p:cNvSpPr>
+          <p:nvPr>
+            <p:ph idx="1"/>
+          </p:nvPr>
+        </p:nvSpPr>
+        <p:spPr/>
+        <p:txBody>
+          <a:bodyPr/>
+          <a:lstStyle/>
+          <a:p>
+            <a:endParaRPr lang="en-SG"/>
+          </a:p>
+        </p:txBody>
+      </p:sp>
+      <p:sp>
+        <p:nvSpPr>
+          <p:cNvPr id="11" name="Title 10"/>
+          <p:cNvSpPr>
+            <a:spLocks noGrp="1"/>
+          </p:cNvSpPr>
+          <p:nvPr>
+            <p:ph type="title"/>
+          </p:nvPr>
+        </p:nvSpPr>
+        <p:spPr/>
+        <p:txBody>
+          <a:bodyPr/>
+          <a:lstStyle/>
+          <a:p>
+            <a:endParaRPr lang="en-SG"/>
+          </a:p>
+        </p:txBody>
+      </p:sp>
     </p:spTree>
-    <p:extLst>
-      <p:ext uri="{BB962C8B-B14F-4D97-AF65-F5344CB8AC3E}">
-        <p14:creationId xmlns:p14="http://schemas.microsoft.com/office/powerpoint/2010/main" val="26466125"/>
-      </p:ext>
-    </p:extLst>
   </p:cSld>
   <p:clrMapOvr>
     <a:masterClrMapping/>
@@ -3458,7 +3959,7 @@
                                           </p:stCondLst>
                                         </p:cTn>
                                         <p:tgtEl>
-                                          <p:spTgt spid="220"/>
+                                          <p:spTgt spid="6"/>
                                         </p:tgtEl>
                                         <p:attrNameLst>
                                           <p:attrName>style.visibility</p:attrName>
@@ -3485,7 +3986,7 @@
                                           </p:stCondLst>
                                         </p:cTn>
                                         <p:tgtEl>
-                                          <p:spTgt spid="221"/>
+                                          <p:spTgt spid="7"/>
                                         </p:tgtEl>
                                         <p:attrNameLst>
                                           <p:attrName>style.visibility</p:attrName>
@@ -3512,7 +4013,7 @@
                                           </p:stCondLst>
                                         </p:cTn>
                                         <p:tgtEl>
-                                          <p:spTgt spid="222"/>
+                                          <p:spTgt spid="8"/>
                                         </p:tgtEl>
                                         <p:attrNameLst>
                                           <p:attrName>style.visibility</p:attrName>
@@ -3553,9 +4054,9 @@
       </p:par>
     </p:tnLst>
     <p:bldLst>
-      <p:bldP spid="220" grpId="0" animBg="1"/>
-      <p:bldP spid="221" grpId="0" animBg="1"/>
-      <p:bldP spid="222" grpId="0" animBg="1"/>
+      <p:bldP spid="6" grpId="0" animBg="1"/>
+      <p:bldP spid="7" grpId="0" animBg="1"/>
+      <p:bldP spid="8" grpId="0" animBg="1"/>
     </p:bldLst>
   </p:timing>
 </p:sld>
@@ -3636,7 +4137,6 @@
         <a:font script="Mong" typeface="Mongolian Baiti"/>
         <a:font script="Viet" typeface="Times New Roman"/>
         <a:font script="Uigh" typeface="Microsoft Uighur"/>
-        <a:font script="Geor" typeface="Sylfaen"/>
       </a:majorFont>
       <a:minorFont>
         <a:latin typeface="Calibri"/>
@@ -3671,7 +4171,289 @@
         <a:font script="Mong" typeface="Mongolian Baiti"/>
         <a:font script="Viet" typeface="Arial"/>
         <a:font script="Uigh" typeface="Microsoft Uighur"/>
-        <a:font script="Geor" typeface="Sylfaen"/>
+      </a:minorFont>
+    </a:fontScheme>
+    <a:fmtScheme name="Office">
+      <a:fillStyleLst>
+        <a:solidFill>
+          <a:schemeClr val="phClr"/>
+        </a:solidFill>
+        <a:gradFill rotWithShape="1">
+          <a:gsLst>
+            <a:gs pos="0">
+              <a:schemeClr val="phClr">
+                <a:tint val="50000"/>
+                <a:satMod val="300000"/>
+              </a:schemeClr>
+            </a:gs>
+            <a:gs pos="35000">
+              <a:schemeClr val="phClr">
+                <a:tint val="37000"/>
+                <a:satMod val="300000"/>
+              </a:schemeClr>
+            </a:gs>
+            <a:gs pos="100000">
+              <a:schemeClr val="phClr">
+                <a:tint val="15000"/>
+                <a:satMod val="350000"/>
+              </a:schemeClr>
+            </a:gs>
+          </a:gsLst>
+          <a:lin ang="16200000" scaled="1"/>
+        </a:gradFill>
+        <a:gradFill rotWithShape="1">
+          <a:gsLst>
+            <a:gs pos="0">
+              <a:schemeClr val="phClr">
+                <a:shade val="51000"/>
+                <a:satMod val="130000"/>
+              </a:schemeClr>
+            </a:gs>
+            <a:gs pos="80000">
+              <a:schemeClr val="phClr">
+                <a:shade val="93000"/>
+                <a:satMod val="130000"/>
+              </a:schemeClr>
+            </a:gs>
+            <a:gs pos="100000">
+              <a:schemeClr val="phClr">
+                <a:shade val="94000"/>
+                <a:satMod val="135000"/>
+              </a:schemeClr>
+            </a:gs>
+          </a:gsLst>
+          <a:lin ang="16200000" scaled="0"/>
+        </a:gradFill>
+      </a:fillStyleLst>
+      <a:lnStyleLst>
+        <a:ln w="9525" cap="flat" cmpd="sng" algn="ctr">
+          <a:solidFill>
+            <a:schemeClr val="phClr">
+              <a:shade val="95000"/>
+              <a:satMod val="105000"/>
+            </a:schemeClr>
+          </a:solidFill>
+          <a:prstDash val="solid"/>
+        </a:ln>
+        <a:ln w="25400" cap="flat" cmpd="sng" algn="ctr">
+          <a:solidFill>
+            <a:schemeClr val="phClr"/>
+          </a:solidFill>
+          <a:prstDash val="solid"/>
+        </a:ln>
+        <a:ln w="38100" cap="flat" cmpd="sng" algn="ctr">
+          <a:solidFill>
+            <a:schemeClr val="phClr"/>
+          </a:solidFill>
+          <a:prstDash val="solid"/>
+        </a:ln>
+      </a:lnStyleLst>
+      <a:effectStyleLst>
+        <a:effectStyle>
+          <a:effectLst>
+            <a:outerShdw blurRad="40000" dist="20000" dir="5400000" rotWithShape="0">
+              <a:srgbClr val="000000">
+                <a:alpha val="38000"/>
+              </a:srgbClr>
+            </a:outerShdw>
+          </a:effectLst>
+        </a:effectStyle>
+        <a:effectStyle>
+          <a:effectLst>
+            <a:outerShdw blurRad="40000" dist="23000" dir="5400000" rotWithShape="0">
+              <a:srgbClr val="000000">
+                <a:alpha val="35000"/>
+              </a:srgbClr>
+            </a:outerShdw>
+          </a:effectLst>
+        </a:effectStyle>
+        <a:effectStyle>
+          <a:effectLst>
+            <a:outerShdw blurRad="40000" dist="23000" dir="5400000" rotWithShape="0">
+              <a:srgbClr val="000000">
+                <a:alpha val="35000"/>
+              </a:srgbClr>
+            </a:outerShdw>
+          </a:effectLst>
+          <a:scene3d>
+            <a:camera prst="orthographicFront">
+              <a:rot lat="0" lon="0" rev="0"/>
+            </a:camera>
+            <a:lightRig rig="threePt" dir="t">
+              <a:rot lat="0" lon="0" rev="1200000"/>
+            </a:lightRig>
+          </a:scene3d>
+          <a:sp3d>
+            <a:bevelT w="63500" h="25400"/>
+          </a:sp3d>
+        </a:effectStyle>
+      </a:effectStyleLst>
+      <a:bgFillStyleLst>
+        <a:solidFill>
+          <a:schemeClr val="phClr"/>
+        </a:solidFill>
+        <a:gradFill rotWithShape="1">
+          <a:gsLst>
+            <a:gs pos="0">
+              <a:schemeClr val="phClr">
+                <a:tint val="40000"/>
+                <a:satMod val="350000"/>
+              </a:schemeClr>
+            </a:gs>
+            <a:gs pos="40000">
+              <a:schemeClr val="phClr">
+                <a:tint val="45000"/>
+                <a:shade val="99000"/>
+                <a:satMod val="350000"/>
+              </a:schemeClr>
+            </a:gs>
+            <a:gs pos="100000">
+              <a:schemeClr val="phClr">
+                <a:shade val="20000"/>
+                <a:satMod val="255000"/>
+              </a:schemeClr>
+            </a:gs>
+          </a:gsLst>
+          <a:path path="circle">
+            <a:fillToRect l="50000" t="-80000" r="50000" b="180000"/>
+          </a:path>
+        </a:gradFill>
+        <a:gradFill rotWithShape="1">
+          <a:gsLst>
+            <a:gs pos="0">
+              <a:schemeClr val="phClr">
+                <a:tint val="80000"/>
+                <a:satMod val="300000"/>
+              </a:schemeClr>
+            </a:gs>
+            <a:gs pos="100000">
+              <a:schemeClr val="phClr">
+                <a:shade val="30000"/>
+                <a:satMod val="200000"/>
+              </a:schemeClr>
+            </a:gs>
+          </a:gsLst>
+          <a:path path="circle">
+            <a:fillToRect l="50000" t="50000" r="50000" b="50000"/>
+          </a:path>
+        </a:gradFill>
+      </a:bgFillStyleLst>
+    </a:fmtScheme>
+  </a:themeElements>
+  <a:objectDefaults/>
+  <a:extraClrSchemeLst/>
+</a:theme>
+</file>
+
+<file path=ppt/theme/theme2.xml><?xml version="1.0" encoding="utf-8"?>
+<a:theme xmlns:a="http://schemas.openxmlformats.org/drawingml/2006/main" name="Office Theme">
+  <a:themeElements>
+    <a:clrScheme name="Office">
+      <a:dk1>
+        <a:sysClr val="windowText" lastClr="000000"/>
+      </a:dk1>
+      <a:lt1>
+        <a:sysClr val="window" lastClr="FFFFFF"/>
+      </a:lt1>
+      <a:dk2>
+        <a:srgbClr val="1F497D"/>
+      </a:dk2>
+      <a:lt2>
+        <a:srgbClr val="EEECE1"/>
+      </a:lt2>
+      <a:accent1>
+        <a:srgbClr val="4F81BD"/>
+      </a:accent1>
+      <a:accent2>
+        <a:srgbClr val="C0504D"/>
+      </a:accent2>
+      <a:accent3>
+        <a:srgbClr val="9BBB59"/>
+      </a:accent3>
+      <a:accent4>
+        <a:srgbClr val="8064A2"/>
+      </a:accent4>
+      <a:accent5>
+        <a:srgbClr val="4BACC6"/>
+      </a:accent5>
+      <a:accent6>
+        <a:srgbClr val="F79646"/>
+      </a:accent6>
+      <a:hlink>
+        <a:srgbClr val="0000FF"/>
+      </a:hlink>
+      <a:folHlink>
+        <a:srgbClr val="800080"/>
+      </a:folHlink>
+    </a:clrScheme>
+    <a:fontScheme name="Office">
+      <a:majorFont>
+        <a:latin typeface="Calibri"/>
+        <a:ea typeface=""/>
+        <a:cs typeface=""/>
+        <a:font script="Jpan" typeface="ＭＳ Ｐゴシック"/>
+        <a:font script="Hang" typeface="맑은 고딕"/>
+        <a:font script="Hans" typeface="宋体"/>
+        <a:font script="Hant" typeface="新細明體"/>
+        <a:font script="Arab" typeface="Times New Roman"/>
+        <a:font script="Hebr" typeface="Times New Roman"/>
+        <a:font script="Thai" typeface="Angsana New"/>
+        <a:font script="Ethi" typeface="Nyala"/>
+        <a:font script="Beng" typeface="Vrinda"/>
+        <a:font script="Gujr" typeface="Shruti"/>
+        <a:font script="Khmr" typeface="MoolBoran"/>
+        <a:font script="Knda" typeface="Tunga"/>
+        <a:font script="Guru" typeface="Raavi"/>
+        <a:font script="Cans" typeface="Euphemia"/>
+        <a:font script="Cher" typeface="Plantagenet Cherokee"/>
+        <a:font script="Yiii" typeface="Microsoft Yi Baiti"/>
+        <a:font script="Tibt" typeface="Microsoft Himalaya"/>
+        <a:font script="Thaa" typeface="MV Boli"/>
+        <a:font script="Deva" typeface="Mangal"/>
+        <a:font script="Telu" typeface="Gautami"/>
+        <a:font script="Taml" typeface="Latha"/>
+        <a:font script="Syrc" typeface="Estrangelo Edessa"/>
+        <a:font script="Orya" typeface="Kalinga"/>
+        <a:font script="Mlym" typeface="Kartika"/>
+        <a:font script="Laoo" typeface="DokChampa"/>
+        <a:font script="Sinh" typeface="Iskoola Pota"/>
+        <a:font script="Mong" typeface="Mongolian Baiti"/>
+        <a:font script="Viet" typeface="Times New Roman"/>
+        <a:font script="Uigh" typeface="Microsoft Uighur"/>
+      </a:majorFont>
+      <a:minorFont>
+        <a:latin typeface="Calibri"/>
+        <a:ea typeface=""/>
+        <a:cs typeface=""/>
+        <a:font script="Jpan" typeface="ＭＳ Ｐゴシック"/>
+        <a:font script="Hang" typeface="맑은 고딕"/>
+        <a:font script="Hans" typeface="宋体"/>
+        <a:font script="Hant" typeface="新細明體"/>
+        <a:font script="Arab" typeface="Arial"/>
+        <a:font script="Hebr" typeface="Arial"/>
+        <a:font script="Thai" typeface="Cordia New"/>
+        <a:font script="Ethi" typeface="Nyala"/>
+        <a:font script="Beng" typeface="Vrinda"/>
+        <a:font script="Gujr" typeface="Shruti"/>
+        <a:font script="Khmr" typeface="DaunPenh"/>
+        <a:font script="Knda" typeface="Tunga"/>
+        <a:font script="Guru" typeface="Raavi"/>
+        <a:font script="Cans" typeface="Euphemia"/>
+        <a:font script="Cher" typeface="Plantagenet Cherokee"/>
+        <a:font script="Yiii" typeface="Microsoft Yi Baiti"/>
+        <a:font script="Tibt" typeface="Microsoft Himalaya"/>
+        <a:font script="Thaa" typeface="MV Boli"/>
+        <a:font script="Deva" typeface="Mangal"/>
+        <a:font script="Telu" typeface="Gautami"/>
+        <a:font script="Taml" typeface="Latha"/>
+        <a:font script="Syrc" typeface="Estrangelo Edessa"/>
+        <a:font script="Orya" typeface="Kalinga"/>
+        <a:font script="Mlym" typeface="Kartika"/>
+        <a:font script="Laoo" typeface="DokChampa"/>
+        <a:font script="Sinh" typeface="Iskoola Pota"/>
+        <a:font script="Mong" typeface="Mongolian Baiti"/>
+        <a:font script="Viet" typeface="Arial"/>
+        <a:font script="Uigh" typeface="Microsoft Uighur"/>
       </a:minorFont>
     </a:fontScheme>
     <a:fmtScheme name="Office">
